--- a/4_Diagram/ER-Dig/Dairy Express ER-Dig.pptx
+++ b/4_Diagram/ER-Dig/Dairy Express ER-Dig.pptx
@@ -243,7 +243,7 @@
           <a:p>
             <a:fld id="{36512AA3-2E20-47C0-BA88-04677EB4993E}" type="datetimeFigureOut">
               <a:rPr lang="zh-CN" altLang="en-US" smtClean="0"/>
-              <a:t>2023/2/28</a:t>
+              <a:t>2023/3/1</a:t>
             </a:fld>
             <a:endParaRPr lang="zh-CN" altLang="en-US"/>
           </a:p>
@@ -413,7 +413,7 @@
           <a:p>
             <a:fld id="{36512AA3-2E20-47C0-BA88-04677EB4993E}" type="datetimeFigureOut">
               <a:rPr lang="zh-CN" altLang="en-US" smtClean="0"/>
-              <a:t>2023/2/28</a:t>
+              <a:t>2023/3/1</a:t>
             </a:fld>
             <a:endParaRPr lang="zh-CN" altLang="en-US"/>
           </a:p>
@@ -593,7 +593,7 @@
           <a:p>
             <a:fld id="{36512AA3-2E20-47C0-BA88-04677EB4993E}" type="datetimeFigureOut">
               <a:rPr lang="zh-CN" altLang="en-US" smtClean="0"/>
-              <a:t>2023/2/28</a:t>
+              <a:t>2023/3/1</a:t>
             </a:fld>
             <a:endParaRPr lang="zh-CN" altLang="en-US"/>
           </a:p>
@@ -763,7 +763,7 @@
           <a:p>
             <a:fld id="{36512AA3-2E20-47C0-BA88-04677EB4993E}" type="datetimeFigureOut">
               <a:rPr lang="zh-CN" altLang="en-US" smtClean="0"/>
-              <a:t>2023/2/28</a:t>
+              <a:t>2023/3/1</a:t>
             </a:fld>
             <a:endParaRPr lang="zh-CN" altLang="en-US"/>
           </a:p>
@@ -1007,7 +1007,7 @@
           <a:p>
             <a:fld id="{36512AA3-2E20-47C0-BA88-04677EB4993E}" type="datetimeFigureOut">
               <a:rPr lang="zh-CN" altLang="en-US" smtClean="0"/>
-              <a:t>2023/2/28</a:t>
+              <a:t>2023/3/1</a:t>
             </a:fld>
             <a:endParaRPr lang="zh-CN" altLang="en-US"/>
           </a:p>
@@ -1239,7 +1239,7 @@
           <a:p>
             <a:fld id="{36512AA3-2E20-47C0-BA88-04677EB4993E}" type="datetimeFigureOut">
               <a:rPr lang="zh-CN" altLang="en-US" smtClean="0"/>
-              <a:t>2023/2/28</a:t>
+              <a:t>2023/3/1</a:t>
             </a:fld>
             <a:endParaRPr lang="zh-CN" altLang="en-US"/>
           </a:p>
@@ -1606,7 +1606,7 @@
           <a:p>
             <a:fld id="{36512AA3-2E20-47C0-BA88-04677EB4993E}" type="datetimeFigureOut">
               <a:rPr lang="zh-CN" altLang="en-US" smtClean="0"/>
-              <a:t>2023/2/28</a:t>
+              <a:t>2023/3/1</a:t>
             </a:fld>
             <a:endParaRPr lang="zh-CN" altLang="en-US"/>
           </a:p>
@@ -1724,7 +1724,7 @@
           <a:p>
             <a:fld id="{36512AA3-2E20-47C0-BA88-04677EB4993E}" type="datetimeFigureOut">
               <a:rPr lang="zh-CN" altLang="en-US" smtClean="0"/>
-              <a:t>2023/2/28</a:t>
+              <a:t>2023/3/1</a:t>
             </a:fld>
             <a:endParaRPr lang="zh-CN" altLang="en-US"/>
           </a:p>
@@ -1819,7 +1819,7 @@
           <a:p>
             <a:fld id="{36512AA3-2E20-47C0-BA88-04677EB4993E}" type="datetimeFigureOut">
               <a:rPr lang="zh-CN" altLang="en-US" smtClean="0"/>
-              <a:t>2023/2/28</a:t>
+              <a:t>2023/3/1</a:t>
             </a:fld>
             <a:endParaRPr lang="zh-CN" altLang="en-US"/>
           </a:p>
@@ -2096,7 +2096,7 @@
           <a:p>
             <a:fld id="{36512AA3-2E20-47C0-BA88-04677EB4993E}" type="datetimeFigureOut">
               <a:rPr lang="zh-CN" altLang="en-US" smtClean="0"/>
-              <a:t>2023/2/28</a:t>
+              <a:t>2023/3/1</a:t>
             </a:fld>
             <a:endParaRPr lang="zh-CN" altLang="en-US"/>
           </a:p>
@@ -2353,7 +2353,7 @@
           <a:p>
             <a:fld id="{36512AA3-2E20-47C0-BA88-04677EB4993E}" type="datetimeFigureOut">
               <a:rPr lang="zh-CN" altLang="en-US" smtClean="0"/>
-              <a:t>2023/2/28</a:t>
+              <a:t>2023/3/1</a:t>
             </a:fld>
             <a:endParaRPr lang="zh-CN" altLang="en-US"/>
           </a:p>
@@ -2566,7 +2566,7 @@
           <a:p>
             <a:fld id="{06F60DB7-6E48-4466-B7A9-24611520A472}" type="datetimeFigureOut">
               <a:rPr lang="zh-CN" altLang="en-US" smtClean="0"/>
-              <a:t>2023/2/28</a:t>
+              <a:t>2023/3/1</a:t>
             </a:fld>
             <a:endParaRPr lang="zh-CN" altLang="en-US"/>
           </a:p>
@@ -6630,7 +6630,7 @@
         <p:spPr>
           <a:xfrm>
             <a:off x="4572000" y="4136246"/>
-            <a:ext cx="294488" cy="66600"/>
+            <a:ext cx="294488" cy="65941"/>
           </a:xfrm>
           <a:custGeom>
             <a:avLst/>
@@ -12963,14 +12963,14 @@
           </p:cNvPr>
           <p:cNvCxnSpPr>
             <a:cxnSpLocks/>
-            <a:stCxn id="153" idx="0"/>
+            <a:stCxn id="130" idx="2"/>
           </p:cNvCxnSpPr>
           <p:nvPr/>
         </p:nvCxnSpPr>
         <p:spPr>
           <a:xfrm>
-            <a:off x="5019643" y="4075016"/>
-            <a:ext cx="130941" cy="3943"/>
+            <a:off x="4971456" y="4075389"/>
+            <a:ext cx="179128" cy="3570"/>
           </a:xfrm>
           <a:prstGeom prst="line">
             <a:avLst/>
@@ -13027,45 +13027,15 @@
             </a:extLst>
           </p:cNvPr>
           <p:cNvCxnSpPr>
-            <a:stCxn id="111" idx="0"/>
+            <a:cxnSpLocks/>
+            <a:endCxn id="199" idx="2"/>
           </p:cNvCxnSpPr>
           <p:nvPr/>
         </p:nvCxnSpPr>
         <p:spPr>
           <a:xfrm flipH="1" flipV="1">
-            <a:off x="3706477" y="3849151"/>
-            <a:ext cx="268381" cy="6104"/>
-          </a:xfrm>
-          <a:prstGeom prst="line">
-            <a:avLst/>
-          </a:prstGeom>
-          <a:noFill/>
-          <a:ln w="3175" cap="flat">
-            <a:solidFill>
-              <a:schemeClr val="tx1"/>
-            </a:solidFill>
-            <a:miter/>
-          </a:ln>
-        </p:spPr>
-      </p:cxnSp>
-      <p:cxnSp>
-        <p:nvCxnSpPr>
-          <p:cNvPr id="38" name="Straight Connector 37">
-            <a:extLst>
-              <a:ext uri="{FF2B5EF4-FFF2-40B4-BE49-F238E27FC236}">
-                <a16:creationId xmlns:a16="http://schemas.microsoft.com/office/drawing/2014/main" id="{0014D756-4299-162B-F4C6-631B6186530C}"/>
-              </a:ext>
-            </a:extLst>
-          </p:cNvPr>
-          <p:cNvCxnSpPr>
-            <a:endCxn id="199" idx="1"/>
-          </p:cNvCxnSpPr>
-          <p:nvPr/>
-        </p:nvCxnSpPr>
-        <p:spPr>
-          <a:xfrm>
-            <a:off x="3706477" y="3849151"/>
-            <a:ext cx="1" cy="176701"/>
+            <a:off x="3805452" y="4083587"/>
+            <a:ext cx="118827" cy="30848"/>
           </a:xfrm>
           <a:prstGeom prst="line">
             <a:avLst/>
@@ -13090,14 +13060,13 @@
           </p:cNvPr>
           <p:cNvCxnSpPr>
             <a:cxnSpLocks/>
-            <a:stCxn id="200" idx="1"/>
           </p:cNvCxnSpPr>
           <p:nvPr/>
         </p:nvCxnSpPr>
         <p:spPr>
           <a:xfrm flipV="1">
             <a:off x="3369923" y="4083587"/>
-            <a:ext cx="0" cy="205879"/>
+            <a:ext cx="0" cy="154015"/>
           </a:xfrm>
           <a:prstGeom prst="line">
             <a:avLst/>
@@ -13154,7 +13123,6 @@
           <p:cNvCxnSpPr>
             <a:cxnSpLocks/>
             <a:stCxn id="294" idx="3"/>
-            <a:endCxn id="101" idx="0"/>
           </p:cNvCxnSpPr>
           <p:nvPr/>
         </p:nvCxnSpPr>
@@ -13284,120 +13252,6 @@
           </a:ln>
         </p:spPr>
       </p:cxnSp>
-      <p:sp>
-        <p:nvSpPr>
-          <p:cNvPr id="101" name="Isosceles Triangle 100">
-            <a:extLst>
-              <a:ext uri="{FF2B5EF4-FFF2-40B4-BE49-F238E27FC236}">
-                <a16:creationId xmlns:a16="http://schemas.microsoft.com/office/drawing/2014/main" id="{95E6BE5F-38B2-877C-626A-D6779BBF7705}"/>
-              </a:ext>
-            </a:extLst>
-          </p:cNvPr>
-          <p:cNvSpPr/>
-          <p:nvPr/>
-        </p:nvSpPr>
-        <p:spPr>
-          <a:xfrm>
-            <a:off x="5488926" y="3823994"/>
-            <a:ext cx="71278" cy="45719"/>
-          </a:xfrm>
-          <a:prstGeom prst="triangle">
-            <a:avLst/>
-          </a:prstGeom>
-          <a:solidFill>
-            <a:schemeClr val="accent1">
-              <a:lumMod val="20000"/>
-              <a:lumOff val="80000"/>
-            </a:schemeClr>
-          </a:solidFill>
-          <a:ln w="3175">
-            <a:solidFill>
-              <a:schemeClr val="tx1"/>
-            </a:solidFill>
-          </a:ln>
-        </p:spPr>
-        <p:style>
-          <a:lnRef idx="2">
-            <a:schemeClr val="accent1">
-              <a:shade val="50000"/>
-            </a:schemeClr>
-          </a:lnRef>
-          <a:fillRef idx="1">
-            <a:schemeClr val="accent1"/>
-          </a:fillRef>
-          <a:effectRef idx="0">
-            <a:schemeClr val="accent1"/>
-          </a:effectRef>
-          <a:fontRef idx="minor">
-            <a:schemeClr val="lt1"/>
-          </a:fontRef>
-        </p:style>
-        <p:txBody>
-          <a:bodyPr rtlCol="0" anchor="ctr"/>
-          <a:lstStyle/>
-          <a:p>
-            <a:pPr algn="ctr"/>
-            <a:endParaRPr lang="en-IN"/>
-          </a:p>
-        </p:txBody>
-      </p:sp>
-      <p:sp>
-        <p:nvSpPr>
-          <p:cNvPr id="107" name="Isosceles Triangle 106">
-            <a:extLst>
-              <a:ext uri="{FF2B5EF4-FFF2-40B4-BE49-F238E27FC236}">
-                <a16:creationId xmlns:a16="http://schemas.microsoft.com/office/drawing/2014/main" id="{63000184-DD8C-BD4B-E6DE-56308836ACAF}"/>
-              </a:ext>
-            </a:extLst>
-          </p:cNvPr>
-          <p:cNvSpPr/>
-          <p:nvPr/>
-        </p:nvSpPr>
-        <p:spPr>
-          <a:xfrm rot="10800000">
-            <a:off x="4929265" y="3577934"/>
-            <a:ext cx="45719" cy="45719"/>
-          </a:xfrm>
-          <a:prstGeom prst="triangle">
-            <a:avLst/>
-          </a:prstGeom>
-          <a:solidFill>
-            <a:schemeClr val="accent1">
-              <a:lumMod val="20000"/>
-              <a:lumOff val="80000"/>
-            </a:schemeClr>
-          </a:solidFill>
-          <a:ln w="3175">
-            <a:solidFill>
-              <a:schemeClr val="tx1"/>
-            </a:solidFill>
-          </a:ln>
-        </p:spPr>
-        <p:style>
-          <a:lnRef idx="2">
-            <a:schemeClr val="accent1">
-              <a:shade val="50000"/>
-            </a:schemeClr>
-          </a:lnRef>
-          <a:fillRef idx="1">
-            <a:schemeClr val="accent1"/>
-          </a:fillRef>
-          <a:effectRef idx="0">
-            <a:schemeClr val="accent1"/>
-          </a:effectRef>
-          <a:fontRef idx="minor">
-            <a:schemeClr val="lt1"/>
-          </a:fontRef>
-        </p:style>
-        <p:txBody>
-          <a:bodyPr rtlCol="0" anchor="ctr"/>
-          <a:lstStyle/>
-          <a:p>
-            <a:pPr algn="ctr"/>
-            <a:endParaRPr lang="en-IN"/>
-          </a:p>
-        </p:txBody>
-      </p:sp>
       <p:cxnSp>
         <p:nvCxnSpPr>
           <p:cNvPr id="121" name="Straight Connector 120">
@@ -13622,8 +13476,8 @@
         </p:nvCxnSpPr>
         <p:spPr>
           <a:xfrm flipV="1">
-            <a:off x="5347113" y="4059507"/>
-            <a:ext cx="188735" cy="19766"/>
+            <a:off x="5347113" y="4057228"/>
+            <a:ext cx="185018" cy="22045"/>
           </a:xfrm>
           <a:prstGeom prst="line">
             <a:avLst/>
@@ -13637,101 +13491,6 @@
           </a:ln>
         </p:spPr>
       </p:cxnSp>
-      <p:cxnSp>
-        <p:nvCxnSpPr>
-          <p:cNvPr id="150" name="Straight Connector 149">
-            <a:extLst>
-              <a:ext uri="{FF2B5EF4-FFF2-40B4-BE49-F238E27FC236}">
-                <a16:creationId xmlns:a16="http://schemas.microsoft.com/office/drawing/2014/main" id="{DAC9B196-B749-A6D9-2B19-BB5312475AE8}"/>
-              </a:ext>
-            </a:extLst>
-          </p:cNvPr>
-          <p:cNvCxnSpPr>
-            <a:cxnSpLocks/>
-          </p:cNvCxnSpPr>
-          <p:nvPr/>
-        </p:nvCxnSpPr>
-        <p:spPr>
-          <a:xfrm flipH="1">
-            <a:off x="5511862" y="4000363"/>
-            <a:ext cx="23986" cy="0"/>
-          </a:xfrm>
-          <a:prstGeom prst="line">
-            <a:avLst/>
-          </a:prstGeom>
-        </p:spPr>
-        <p:style>
-          <a:lnRef idx="1">
-            <a:schemeClr val="accent1"/>
-          </a:lnRef>
-          <a:fillRef idx="0">
-            <a:schemeClr val="accent1"/>
-          </a:fillRef>
-          <a:effectRef idx="0">
-            <a:schemeClr val="accent1"/>
-          </a:effectRef>
-          <a:fontRef idx="minor">
-            <a:schemeClr val="tx1"/>
-          </a:fontRef>
-        </p:style>
-      </p:cxnSp>
-      <p:sp>
-        <p:nvSpPr>
-          <p:cNvPr id="153" name="Isosceles Triangle 152">
-            <a:extLst>
-              <a:ext uri="{FF2B5EF4-FFF2-40B4-BE49-F238E27FC236}">
-                <a16:creationId xmlns:a16="http://schemas.microsoft.com/office/drawing/2014/main" id="{A195A3EC-9D75-7DDA-96D9-DA2939A8B1C5}"/>
-              </a:ext>
-            </a:extLst>
-          </p:cNvPr>
-          <p:cNvSpPr/>
-          <p:nvPr/>
-        </p:nvSpPr>
-        <p:spPr>
-          <a:xfrm rot="5400000">
-            <a:off x="4973924" y="4052156"/>
-            <a:ext cx="45719" cy="45719"/>
-          </a:xfrm>
-          <a:prstGeom prst="triangle">
-            <a:avLst/>
-          </a:prstGeom>
-          <a:solidFill>
-            <a:schemeClr val="accent1">
-              <a:lumMod val="20000"/>
-              <a:lumOff val="80000"/>
-            </a:schemeClr>
-          </a:solidFill>
-          <a:ln w="3175">
-            <a:solidFill>
-              <a:schemeClr val="tx1"/>
-            </a:solidFill>
-          </a:ln>
-        </p:spPr>
-        <p:style>
-          <a:lnRef idx="2">
-            <a:schemeClr val="accent1">
-              <a:shade val="50000"/>
-            </a:schemeClr>
-          </a:lnRef>
-          <a:fillRef idx="1">
-            <a:schemeClr val="accent1"/>
-          </a:fillRef>
-          <a:effectRef idx="0">
-            <a:schemeClr val="accent1"/>
-          </a:effectRef>
-          <a:fontRef idx="minor">
-            <a:schemeClr val="lt1"/>
-          </a:fontRef>
-        </p:style>
-        <p:txBody>
-          <a:bodyPr rtlCol="0" anchor="ctr"/>
-          <a:lstStyle/>
-          <a:p>
-            <a:pPr algn="ctr"/>
-            <a:endParaRPr lang="en-IN"/>
-          </a:p>
-        </p:txBody>
-      </p:sp>
       <p:cxnSp>
         <p:nvCxnSpPr>
           <p:cNvPr id="157" name="Straight Connector 156">
@@ -13809,63 +13568,6 @@
           </a:fontRef>
         </p:style>
       </p:cxnSp>
-      <p:sp>
-        <p:nvSpPr>
-          <p:cNvPr id="160" name="Isosceles Triangle 159">
-            <a:extLst>
-              <a:ext uri="{FF2B5EF4-FFF2-40B4-BE49-F238E27FC236}">
-                <a16:creationId xmlns:a16="http://schemas.microsoft.com/office/drawing/2014/main" id="{FBA53D74-7738-D353-53F4-2CE70CA6AA66}"/>
-              </a:ext>
-            </a:extLst>
-          </p:cNvPr>
-          <p:cNvSpPr/>
-          <p:nvPr/>
-        </p:nvSpPr>
-        <p:spPr>
-          <a:xfrm>
-            <a:off x="3633039" y="4656271"/>
-            <a:ext cx="45719" cy="45719"/>
-          </a:xfrm>
-          <a:prstGeom prst="triangle">
-            <a:avLst/>
-          </a:prstGeom>
-          <a:solidFill>
-            <a:schemeClr val="accent1">
-              <a:lumMod val="20000"/>
-              <a:lumOff val="80000"/>
-            </a:schemeClr>
-          </a:solidFill>
-          <a:ln w="3175">
-            <a:solidFill>
-              <a:schemeClr val="tx1"/>
-            </a:solidFill>
-          </a:ln>
-        </p:spPr>
-        <p:style>
-          <a:lnRef idx="2">
-            <a:schemeClr val="accent1">
-              <a:shade val="50000"/>
-            </a:schemeClr>
-          </a:lnRef>
-          <a:fillRef idx="1">
-            <a:schemeClr val="accent1"/>
-          </a:fillRef>
-          <a:effectRef idx="0">
-            <a:schemeClr val="accent1"/>
-          </a:effectRef>
-          <a:fontRef idx="minor">
-            <a:schemeClr val="lt1"/>
-          </a:fontRef>
-        </p:style>
-        <p:txBody>
-          <a:bodyPr rtlCol="0" anchor="ctr"/>
-          <a:lstStyle/>
-          <a:p>
-            <a:pPr algn="ctr"/>
-            <a:endParaRPr lang="en-IN"/>
-          </a:p>
-        </p:txBody>
-      </p:sp>
       <p:cxnSp>
         <p:nvCxnSpPr>
           <p:cNvPr id="165" name="Straight Connector 164">
@@ -13902,63 +13604,6 @@
           </a:fontRef>
         </p:style>
       </p:cxnSp>
-      <p:sp>
-        <p:nvSpPr>
-          <p:cNvPr id="166" name="Isosceles Triangle 165">
-            <a:extLst>
-              <a:ext uri="{FF2B5EF4-FFF2-40B4-BE49-F238E27FC236}">
-                <a16:creationId xmlns:a16="http://schemas.microsoft.com/office/drawing/2014/main" id="{6DE8AC9B-6B37-6280-28F3-751CC43E202E}"/>
-              </a:ext>
-            </a:extLst>
-          </p:cNvPr>
-          <p:cNvSpPr/>
-          <p:nvPr/>
-        </p:nvSpPr>
-        <p:spPr>
-          <a:xfrm>
-            <a:off x="3345294" y="4243746"/>
-            <a:ext cx="45719" cy="45719"/>
-          </a:xfrm>
-          <a:prstGeom prst="triangle">
-            <a:avLst/>
-          </a:prstGeom>
-          <a:solidFill>
-            <a:schemeClr val="accent1">
-              <a:lumMod val="20000"/>
-              <a:lumOff val="80000"/>
-            </a:schemeClr>
-          </a:solidFill>
-          <a:ln w="3175">
-            <a:solidFill>
-              <a:schemeClr val="tx1"/>
-            </a:solidFill>
-          </a:ln>
-        </p:spPr>
-        <p:style>
-          <a:lnRef idx="2">
-            <a:schemeClr val="accent1">
-              <a:shade val="50000"/>
-            </a:schemeClr>
-          </a:lnRef>
-          <a:fillRef idx="1">
-            <a:schemeClr val="accent1"/>
-          </a:fillRef>
-          <a:effectRef idx="0">
-            <a:schemeClr val="accent1"/>
-          </a:effectRef>
-          <a:fontRef idx="minor">
-            <a:schemeClr val="lt1"/>
-          </a:fontRef>
-        </p:style>
-        <p:txBody>
-          <a:bodyPr rtlCol="0" anchor="ctr"/>
-          <a:lstStyle/>
-          <a:p>
-            <a:pPr algn="ctr"/>
-            <a:endParaRPr lang="en-IN"/>
-          </a:p>
-        </p:txBody>
-      </p:sp>
       <p:cxnSp>
         <p:nvCxnSpPr>
           <p:cNvPr id="167" name="Straight Connector 166">
@@ -14009,7 +13654,7 @@
         </p:nvCxnSpPr>
         <p:spPr>
           <a:xfrm>
-            <a:off x="3964999" y="3839812"/>
+            <a:off x="3918958" y="4095280"/>
             <a:ext cx="0" cy="29732"/>
           </a:xfrm>
           <a:prstGeom prst="line">
@@ -14069,63 +13714,6 @@
           </a:fontRef>
         </p:style>
       </p:cxnSp>
-      <p:sp>
-        <p:nvSpPr>
-          <p:cNvPr id="176" name="Isosceles Triangle 175">
-            <a:extLst>
-              <a:ext uri="{FF2B5EF4-FFF2-40B4-BE49-F238E27FC236}">
-                <a16:creationId xmlns:a16="http://schemas.microsoft.com/office/drawing/2014/main" id="{4D984F10-4056-57B3-8748-9D8BD24BC60D}"/>
-              </a:ext>
-            </a:extLst>
-          </p:cNvPr>
-          <p:cNvSpPr/>
-          <p:nvPr/>
-        </p:nvSpPr>
-        <p:spPr>
-          <a:xfrm>
-            <a:off x="4707616" y="4553477"/>
-            <a:ext cx="45719" cy="45719"/>
-          </a:xfrm>
-          <a:prstGeom prst="triangle">
-            <a:avLst/>
-          </a:prstGeom>
-          <a:solidFill>
-            <a:schemeClr val="accent1">
-              <a:lumMod val="20000"/>
-              <a:lumOff val="80000"/>
-            </a:schemeClr>
-          </a:solidFill>
-          <a:ln w="3175">
-            <a:solidFill>
-              <a:schemeClr val="tx1"/>
-            </a:solidFill>
-          </a:ln>
-        </p:spPr>
-        <p:style>
-          <a:lnRef idx="2">
-            <a:schemeClr val="accent1">
-              <a:shade val="50000"/>
-            </a:schemeClr>
-          </a:lnRef>
-          <a:fillRef idx="1">
-            <a:schemeClr val="accent1"/>
-          </a:fillRef>
-          <a:effectRef idx="0">
-            <a:schemeClr val="accent1"/>
-          </a:effectRef>
-          <a:fontRef idx="minor">
-            <a:schemeClr val="lt1"/>
-          </a:fontRef>
-        </p:style>
-        <p:txBody>
-          <a:bodyPr rtlCol="0" anchor="ctr"/>
-          <a:lstStyle/>
-          <a:p>
-            <a:pPr algn="ctr"/>
-            <a:endParaRPr lang="en-IN"/>
-          </a:p>
-        </p:txBody>
-      </p:sp>
       <p:cxnSp>
         <p:nvCxnSpPr>
           <p:cNvPr id="201" name="Straight Connector 200">
@@ -14174,7 +13762,7 @@
             </a:extLst>
           </p:cNvPr>
           <p:cNvCxnSpPr>
-            <a:endCxn id="176" idx="0"/>
+            <a:cxnSpLocks/>
           </p:cNvCxnSpPr>
           <p:nvPr/>
         </p:nvCxnSpPr>
@@ -14207,63 +13795,578 @@
           </a:fontRef>
         </p:style>
       </p:cxnSp>
-      <p:sp>
-        <p:nvSpPr>
-          <p:cNvPr id="216" name="Isosceles Triangle 215">
+      <p:cxnSp>
+        <p:nvCxnSpPr>
+          <p:cNvPr id="15" name="Straight Connector 14">
             <a:extLst>
               <a:ext uri="{FF2B5EF4-FFF2-40B4-BE49-F238E27FC236}">
-                <a16:creationId xmlns:a16="http://schemas.microsoft.com/office/drawing/2014/main" id="{28EFFE3F-AE53-A220-F0F0-83153C8A856E}"/>
+                <a16:creationId xmlns:a16="http://schemas.microsoft.com/office/drawing/2014/main" id="{0F234FA5-CDFE-AC38-E786-CDBA298B08A6}"/>
               </a:ext>
             </a:extLst>
           </p:cNvPr>
-          <p:cNvSpPr/>
-          <p:nvPr/>
-        </p:nvSpPr>
-        <p:spPr>
-          <a:xfrm>
-            <a:off x="5554941" y="4294376"/>
-            <a:ext cx="45719" cy="45719"/>
-          </a:xfrm>
-          <a:prstGeom prst="triangle">
+          <p:cNvCxnSpPr>
+            <a:cxnSpLocks/>
+          </p:cNvCxnSpPr>
+          <p:nvPr/>
+        </p:nvCxnSpPr>
+        <p:spPr>
+          <a:xfrm flipH="1">
+            <a:off x="5495315" y="3824380"/>
+            <a:ext cx="30487" cy="44377"/>
+          </a:xfrm>
+          <a:prstGeom prst="line">
             <a:avLst/>
           </a:prstGeom>
-          <a:solidFill>
-            <a:schemeClr val="accent1">
-              <a:lumMod val="20000"/>
-              <a:lumOff val="80000"/>
-            </a:schemeClr>
-          </a:solidFill>
-          <a:ln w="3175">
-            <a:solidFill>
-              <a:schemeClr val="tx1"/>
-            </a:solidFill>
-          </a:ln>
+          <a:noFill/>
+          <a:ln w="3175" cap="flat">
+            <a:solidFill>
+              <a:schemeClr val="tx1"/>
+            </a:solidFill>
+            <a:miter/>
+          </a:ln>
+        </p:spPr>
+      </p:cxnSp>
+      <p:cxnSp>
+        <p:nvCxnSpPr>
+          <p:cNvPr id="17" name="Straight Connector 16">
+            <a:extLst>
+              <a:ext uri="{FF2B5EF4-FFF2-40B4-BE49-F238E27FC236}">
+                <a16:creationId xmlns:a16="http://schemas.microsoft.com/office/drawing/2014/main" id="{71AF2909-D9FB-9419-1BBD-1AEE104519A3}"/>
+              </a:ext>
+            </a:extLst>
+          </p:cNvPr>
+          <p:cNvCxnSpPr>
+            <a:cxnSpLocks/>
+          </p:cNvCxnSpPr>
+          <p:nvPr/>
+        </p:nvCxnSpPr>
+        <p:spPr>
+          <a:xfrm>
+            <a:off x="5525802" y="3824380"/>
+            <a:ext cx="35859" cy="46917"/>
+          </a:xfrm>
+          <a:prstGeom prst="line">
+            <a:avLst/>
+          </a:prstGeom>
+          <a:noFill/>
+          <a:ln w="3175" cap="flat">
+            <a:solidFill>
+              <a:schemeClr val="tx1"/>
+            </a:solidFill>
+            <a:miter/>
+          </a:ln>
+        </p:spPr>
+      </p:cxnSp>
+      <p:cxnSp>
+        <p:nvCxnSpPr>
+          <p:cNvPr id="23" name="Straight Connector 22">
+            <a:extLst>
+              <a:ext uri="{FF2B5EF4-FFF2-40B4-BE49-F238E27FC236}">
+                <a16:creationId xmlns:a16="http://schemas.microsoft.com/office/drawing/2014/main" id="{2405F22D-EB37-3413-139C-555517E7BCCA}"/>
+              </a:ext>
+            </a:extLst>
+          </p:cNvPr>
+          <p:cNvCxnSpPr>
+            <a:cxnSpLocks/>
+          </p:cNvCxnSpPr>
+          <p:nvPr/>
+        </p:nvCxnSpPr>
+        <p:spPr>
+          <a:xfrm>
+            <a:off x="5525802" y="3824380"/>
+            <a:ext cx="0" cy="51877"/>
+          </a:xfrm>
+          <a:prstGeom prst="line">
+            <a:avLst/>
+          </a:prstGeom>
+          <a:noFill/>
+          <a:ln w="3175" cap="flat">
+            <a:solidFill>
+              <a:schemeClr val="tx1"/>
+            </a:solidFill>
+            <a:miter/>
+          </a:ln>
+        </p:spPr>
+      </p:cxnSp>
+      <p:cxnSp>
+        <p:nvCxnSpPr>
+          <p:cNvPr id="42" name="Straight Connector 41">
+            <a:extLst>
+              <a:ext uri="{FF2B5EF4-FFF2-40B4-BE49-F238E27FC236}">
+                <a16:creationId xmlns:a16="http://schemas.microsoft.com/office/drawing/2014/main" id="{9C2268BE-375A-77C0-A530-833734B44B4B}"/>
+              </a:ext>
+            </a:extLst>
+          </p:cNvPr>
+          <p:cNvCxnSpPr>
+            <a:cxnSpLocks/>
+          </p:cNvCxnSpPr>
+          <p:nvPr/>
+        </p:nvCxnSpPr>
+        <p:spPr>
+          <a:xfrm flipH="1">
+            <a:off x="4953232" y="3571490"/>
+            <a:ext cx="30487" cy="44377"/>
+          </a:xfrm>
+          <a:prstGeom prst="line">
+            <a:avLst/>
+          </a:prstGeom>
+          <a:noFill/>
+          <a:ln w="3175" cap="flat">
+            <a:solidFill>
+              <a:schemeClr val="tx1"/>
+            </a:solidFill>
+            <a:miter/>
+          </a:ln>
+        </p:spPr>
+      </p:cxnSp>
+      <p:cxnSp>
+        <p:nvCxnSpPr>
+          <p:cNvPr id="43" name="Straight Connector 42">
+            <a:extLst>
+              <a:ext uri="{FF2B5EF4-FFF2-40B4-BE49-F238E27FC236}">
+                <a16:creationId xmlns:a16="http://schemas.microsoft.com/office/drawing/2014/main" id="{7ECDED7C-EA57-C80F-1CA6-87459A9F43CB}"/>
+              </a:ext>
+            </a:extLst>
+          </p:cNvPr>
+          <p:cNvCxnSpPr>
+            <a:cxnSpLocks/>
+          </p:cNvCxnSpPr>
+          <p:nvPr/>
+        </p:nvCxnSpPr>
+        <p:spPr>
+          <a:xfrm>
+            <a:off x="4913986" y="3573228"/>
+            <a:ext cx="35859" cy="46917"/>
+          </a:xfrm>
+          <a:prstGeom prst="line">
+            <a:avLst/>
+          </a:prstGeom>
+          <a:noFill/>
+          <a:ln w="3175" cap="flat">
+            <a:solidFill>
+              <a:schemeClr val="tx1"/>
+            </a:solidFill>
+            <a:miter/>
+          </a:ln>
+        </p:spPr>
+      </p:cxnSp>
+      <p:cxnSp>
+        <p:nvCxnSpPr>
+          <p:cNvPr id="45" name="Straight Connector 44">
+            <a:extLst>
+              <a:ext uri="{FF2B5EF4-FFF2-40B4-BE49-F238E27FC236}">
+                <a16:creationId xmlns:a16="http://schemas.microsoft.com/office/drawing/2014/main" id="{A011E7EF-5F64-F55E-19C4-44EA26F580D9}"/>
+              </a:ext>
+            </a:extLst>
+          </p:cNvPr>
+          <p:cNvCxnSpPr>
+            <a:cxnSpLocks/>
+          </p:cNvCxnSpPr>
+          <p:nvPr/>
+        </p:nvCxnSpPr>
+        <p:spPr>
+          <a:xfrm flipH="1">
+            <a:off x="5528057" y="3985609"/>
+            <a:ext cx="21613" cy="26928"/>
+          </a:xfrm>
+          <a:prstGeom prst="line">
+            <a:avLst/>
+          </a:prstGeom>
+          <a:noFill/>
+          <a:ln w="3175" cap="flat">
+            <a:solidFill>
+              <a:schemeClr val="tx1"/>
+            </a:solidFill>
+            <a:miter/>
+          </a:ln>
+        </p:spPr>
+      </p:cxnSp>
+      <p:cxnSp>
+        <p:nvCxnSpPr>
+          <p:cNvPr id="46" name="Straight Connector 45">
+            <a:extLst>
+              <a:ext uri="{FF2B5EF4-FFF2-40B4-BE49-F238E27FC236}">
+                <a16:creationId xmlns:a16="http://schemas.microsoft.com/office/drawing/2014/main" id="{58FD8F17-C5DE-1F02-5868-37A1A40BBB97}"/>
+              </a:ext>
+            </a:extLst>
+          </p:cNvPr>
+          <p:cNvCxnSpPr>
+            <a:cxnSpLocks/>
+          </p:cNvCxnSpPr>
+          <p:nvPr/>
+        </p:nvCxnSpPr>
+        <p:spPr>
+          <a:xfrm>
+            <a:off x="5506157" y="3990041"/>
+            <a:ext cx="22120" cy="28274"/>
+          </a:xfrm>
+          <a:prstGeom prst="line">
+            <a:avLst/>
+          </a:prstGeom>
+          <a:noFill/>
+          <a:ln w="3175" cap="flat">
+            <a:solidFill>
+              <a:schemeClr val="tx1"/>
+            </a:solidFill>
+            <a:miter/>
+          </a:ln>
+        </p:spPr>
+      </p:cxnSp>
+      <p:cxnSp>
+        <p:nvCxnSpPr>
+          <p:cNvPr id="49" name="Straight Connector 48">
+            <a:extLst>
+              <a:ext uri="{FF2B5EF4-FFF2-40B4-BE49-F238E27FC236}">
+                <a16:creationId xmlns:a16="http://schemas.microsoft.com/office/drawing/2014/main" id="{5DFB18C2-89CD-9AC8-C352-CF08A86AFE89}"/>
+              </a:ext>
+            </a:extLst>
+          </p:cNvPr>
+          <p:cNvCxnSpPr>
+            <a:cxnSpLocks/>
+          </p:cNvCxnSpPr>
+          <p:nvPr/>
+        </p:nvCxnSpPr>
+        <p:spPr>
+          <a:xfrm flipH="1">
+            <a:off x="4699989" y="4549678"/>
+            <a:ext cx="30487" cy="44377"/>
+          </a:xfrm>
+          <a:prstGeom prst="line">
+            <a:avLst/>
+          </a:prstGeom>
+          <a:noFill/>
+          <a:ln w="3175" cap="flat">
+            <a:solidFill>
+              <a:schemeClr val="tx1"/>
+            </a:solidFill>
+            <a:miter/>
+          </a:ln>
+        </p:spPr>
+      </p:cxnSp>
+      <p:cxnSp>
+        <p:nvCxnSpPr>
+          <p:cNvPr id="50" name="Straight Connector 49">
+            <a:extLst>
+              <a:ext uri="{FF2B5EF4-FFF2-40B4-BE49-F238E27FC236}">
+                <a16:creationId xmlns:a16="http://schemas.microsoft.com/office/drawing/2014/main" id="{6ECBCB97-8B6D-0920-CDAC-15E8DB3F115E}"/>
+              </a:ext>
+            </a:extLst>
+          </p:cNvPr>
+          <p:cNvCxnSpPr>
+            <a:cxnSpLocks/>
+          </p:cNvCxnSpPr>
+          <p:nvPr/>
+        </p:nvCxnSpPr>
+        <p:spPr>
+          <a:xfrm>
+            <a:off x="4730476" y="4549678"/>
+            <a:ext cx="35859" cy="46917"/>
+          </a:xfrm>
+          <a:prstGeom prst="line">
+            <a:avLst/>
+          </a:prstGeom>
+          <a:noFill/>
+          <a:ln w="3175" cap="flat">
+            <a:solidFill>
+              <a:schemeClr val="tx1"/>
+            </a:solidFill>
+            <a:miter/>
+          </a:ln>
+        </p:spPr>
+      </p:cxnSp>
+      <p:cxnSp>
+        <p:nvCxnSpPr>
+          <p:cNvPr id="51" name="Straight Connector 50">
+            <a:extLst>
+              <a:ext uri="{FF2B5EF4-FFF2-40B4-BE49-F238E27FC236}">
+                <a16:creationId xmlns:a16="http://schemas.microsoft.com/office/drawing/2014/main" id="{0C23E260-7465-8F1B-BA8D-CA4C79B08877}"/>
+              </a:ext>
+            </a:extLst>
+          </p:cNvPr>
+          <p:cNvCxnSpPr>
+            <a:cxnSpLocks/>
+          </p:cNvCxnSpPr>
+          <p:nvPr/>
+        </p:nvCxnSpPr>
+        <p:spPr>
+          <a:xfrm>
+            <a:off x="4729906" y="4551837"/>
+            <a:ext cx="0" cy="51877"/>
+          </a:xfrm>
+          <a:prstGeom prst="line">
+            <a:avLst/>
+          </a:prstGeom>
+          <a:noFill/>
+          <a:ln w="3175" cap="flat">
+            <a:solidFill>
+              <a:schemeClr val="tx1"/>
+            </a:solidFill>
+            <a:miter/>
+          </a:ln>
+        </p:spPr>
+      </p:cxnSp>
+      <p:cxnSp>
+        <p:nvCxnSpPr>
+          <p:cNvPr id="52" name="Straight Connector 51">
+            <a:extLst>
+              <a:ext uri="{FF2B5EF4-FFF2-40B4-BE49-F238E27FC236}">
+                <a16:creationId xmlns:a16="http://schemas.microsoft.com/office/drawing/2014/main" id="{293454A2-A889-ECDA-90D2-394809FD6468}"/>
+              </a:ext>
+            </a:extLst>
+          </p:cNvPr>
+          <p:cNvCxnSpPr>
+            <a:cxnSpLocks/>
+          </p:cNvCxnSpPr>
+          <p:nvPr/>
+        </p:nvCxnSpPr>
+        <p:spPr>
+          <a:xfrm flipH="1">
+            <a:off x="5546613" y="4295214"/>
+            <a:ext cx="30487" cy="44377"/>
+          </a:xfrm>
+          <a:prstGeom prst="line">
+            <a:avLst/>
+          </a:prstGeom>
+          <a:noFill/>
+          <a:ln w="3175" cap="flat">
+            <a:solidFill>
+              <a:schemeClr val="tx1"/>
+            </a:solidFill>
+            <a:miter/>
+          </a:ln>
+        </p:spPr>
+      </p:cxnSp>
+      <p:cxnSp>
+        <p:nvCxnSpPr>
+          <p:cNvPr id="53" name="Straight Connector 52">
+            <a:extLst>
+              <a:ext uri="{FF2B5EF4-FFF2-40B4-BE49-F238E27FC236}">
+                <a16:creationId xmlns:a16="http://schemas.microsoft.com/office/drawing/2014/main" id="{970A636D-35A1-DA7A-E723-6565A2E62A1F}"/>
+              </a:ext>
+            </a:extLst>
+          </p:cNvPr>
+          <p:cNvCxnSpPr>
+            <a:cxnSpLocks/>
+          </p:cNvCxnSpPr>
+          <p:nvPr/>
+        </p:nvCxnSpPr>
+        <p:spPr>
+          <a:xfrm>
+            <a:off x="5577100" y="4295214"/>
+            <a:ext cx="35859" cy="46917"/>
+          </a:xfrm>
+          <a:prstGeom prst="line">
+            <a:avLst/>
+          </a:prstGeom>
+          <a:noFill/>
+          <a:ln w="3175" cap="flat">
+            <a:solidFill>
+              <a:schemeClr val="tx1"/>
+            </a:solidFill>
+            <a:miter/>
+          </a:ln>
+        </p:spPr>
+      </p:cxnSp>
+      <p:cxnSp>
+        <p:nvCxnSpPr>
+          <p:cNvPr id="54" name="Straight Connector 53">
+            <a:extLst>
+              <a:ext uri="{FF2B5EF4-FFF2-40B4-BE49-F238E27FC236}">
+                <a16:creationId xmlns:a16="http://schemas.microsoft.com/office/drawing/2014/main" id="{A10E7B5E-7023-AF64-19CF-D44A059BE8EC}"/>
+              </a:ext>
+            </a:extLst>
+          </p:cNvPr>
+          <p:cNvCxnSpPr>
+            <a:cxnSpLocks/>
+          </p:cNvCxnSpPr>
+          <p:nvPr/>
+        </p:nvCxnSpPr>
+        <p:spPr>
+          <a:xfrm>
+            <a:off x="5577100" y="4295214"/>
+            <a:ext cx="0" cy="51877"/>
+          </a:xfrm>
+          <a:prstGeom prst="line">
+            <a:avLst/>
+          </a:prstGeom>
+          <a:noFill/>
+          <a:ln w="3175" cap="flat">
+            <a:solidFill>
+              <a:schemeClr val="tx1"/>
+            </a:solidFill>
+            <a:miter/>
+          </a:ln>
+        </p:spPr>
+      </p:cxnSp>
+      <p:cxnSp>
+        <p:nvCxnSpPr>
+          <p:cNvPr id="69" name="Straight Connector 68">
+            <a:extLst>
+              <a:ext uri="{FF2B5EF4-FFF2-40B4-BE49-F238E27FC236}">
+                <a16:creationId xmlns:a16="http://schemas.microsoft.com/office/drawing/2014/main" id="{09337F47-D463-61FA-FEFF-6ECCE15F7DF8}"/>
+              </a:ext>
+            </a:extLst>
+          </p:cNvPr>
+          <p:cNvCxnSpPr>
+            <a:cxnSpLocks/>
+          </p:cNvCxnSpPr>
+          <p:nvPr/>
+        </p:nvCxnSpPr>
+        <p:spPr>
+          <a:xfrm flipH="1">
+            <a:off x="3636752" y="4676690"/>
+            <a:ext cx="38293" cy="0"/>
+          </a:xfrm>
+          <a:prstGeom prst="line">
+            <a:avLst/>
+          </a:prstGeom>
         </p:spPr>
         <p:style>
-          <a:lnRef idx="2">
-            <a:schemeClr val="accent1">
-              <a:shade val="50000"/>
-            </a:schemeClr>
+          <a:lnRef idx="1">
+            <a:schemeClr val="accent1"/>
           </a:lnRef>
-          <a:fillRef idx="1">
+          <a:fillRef idx="0">
             <a:schemeClr val="accent1"/>
           </a:fillRef>
           <a:effectRef idx="0">
             <a:schemeClr val="accent1"/>
           </a:effectRef>
           <a:fontRef idx="minor">
-            <a:schemeClr val="lt1"/>
+            <a:schemeClr val="tx1"/>
           </a:fontRef>
         </p:style>
-        <p:txBody>
-          <a:bodyPr rtlCol="0" anchor="ctr"/>
-          <a:lstStyle/>
-          <a:p>
-            <a:pPr algn="ctr"/>
-            <a:endParaRPr lang="en-IN"/>
-          </a:p>
-        </p:txBody>
-      </p:sp>
+      </p:cxnSp>
+      <p:cxnSp>
+        <p:nvCxnSpPr>
+          <p:cNvPr id="72" name="Straight Connector 71">
+            <a:extLst>
+              <a:ext uri="{FF2B5EF4-FFF2-40B4-BE49-F238E27FC236}">
+                <a16:creationId xmlns:a16="http://schemas.microsoft.com/office/drawing/2014/main" id="{68FF3EAE-1CC0-B301-CC38-0F1F87EA991A}"/>
+              </a:ext>
+            </a:extLst>
+          </p:cNvPr>
+          <p:cNvCxnSpPr>
+            <a:cxnSpLocks/>
+          </p:cNvCxnSpPr>
+          <p:nvPr/>
+        </p:nvCxnSpPr>
+        <p:spPr>
+          <a:xfrm flipH="1">
+            <a:off x="3342289" y="4237602"/>
+            <a:ext cx="30487" cy="44377"/>
+          </a:xfrm>
+          <a:prstGeom prst="line">
+            <a:avLst/>
+          </a:prstGeom>
+          <a:noFill/>
+          <a:ln w="3175" cap="flat">
+            <a:solidFill>
+              <a:schemeClr val="tx1"/>
+            </a:solidFill>
+            <a:miter/>
+          </a:ln>
+        </p:spPr>
+      </p:cxnSp>
+      <p:cxnSp>
+        <p:nvCxnSpPr>
+          <p:cNvPr id="73" name="Straight Connector 72">
+            <a:extLst>
+              <a:ext uri="{FF2B5EF4-FFF2-40B4-BE49-F238E27FC236}">
+                <a16:creationId xmlns:a16="http://schemas.microsoft.com/office/drawing/2014/main" id="{777F6616-E70A-CC9F-D704-FD83317A069A}"/>
+              </a:ext>
+            </a:extLst>
+          </p:cNvPr>
+          <p:cNvCxnSpPr>
+            <a:cxnSpLocks/>
+          </p:cNvCxnSpPr>
+          <p:nvPr/>
+        </p:nvCxnSpPr>
+        <p:spPr>
+          <a:xfrm>
+            <a:off x="3372776" y="4237602"/>
+            <a:ext cx="35859" cy="46917"/>
+          </a:xfrm>
+          <a:prstGeom prst="line">
+            <a:avLst/>
+          </a:prstGeom>
+          <a:noFill/>
+          <a:ln w="3175" cap="flat">
+            <a:solidFill>
+              <a:schemeClr val="tx1"/>
+            </a:solidFill>
+            <a:miter/>
+          </a:ln>
+        </p:spPr>
+      </p:cxnSp>
+      <p:cxnSp>
+        <p:nvCxnSpPr>
+          <p:cNvPr id="74" name="Straight Connector 73">
+            <a:extLst>
+              <a:ext uri="{FF2B5EF4-FFF2-40B4-BE49-F238E27FC236}">
+                <a16:creationId xmlns:a16="http://schemas.microsoft.com/office/drawing/2014/main" id="{54DEA9EF-9B32-BCA9-FC4F-D70DC0E6B474}"/>
+              </a:ext>
+            </a:extLst>
+          </p:cNvPr>
+          <p:cNvCxnSpPr>
+            <a:cxnSpLocks/>
+          </p:cNvCxnSpPr>
+          <p:nvPr/>
+        </p:nvCxnSpPr>
+        <p:spPr>
+          <a:xfrm>
+            <a:off x="3372206" y="4239761"/>
+            <a:ext cx="0" cy="51877"/>
+          </a:xfrm>
+          <a:prstGeom prst="line">
+            <a:avLst/>
+          </a:prstGeom>
+          <a:noFill/>
+          <a:ln w="3175" cap="flat">
+            <a:solidFill>
+              <a:schemeClr val="tx1"/>
+            </a:solidFill>
+            <a:miter/>
+          </a:ln>
+        </p:spPr>
+      </p:cxnSp>
+      <p:cxnSp>
+        <p:nvCxnSpPr>
+          <p:cNvPr id="83" name="Straight Connector 82">
+            <a:extLst>
+              <a:ext uri="{FF2B5EF4-FFF2-40B4-BE49-F238E27FC236}">
+                <a16:creationId xmlns:a16="http://schemas.microsoft.com/office/drawing/2014/main" id="{733F224D-B43E-2CA7-835B-DAD1CB7195E6}"/>
+              </a:ext>
+            </a:extLst>
+          </p:cNvPr>
+          <p:cNvCxnSpPr>
+            <a:cxnSpLocks/>
+          </p:cNvCxnSpPr>
+          <p:nvPr/>
+        </p:nvCxnSpPr>
+        <p:spPr>
+          <a:xfrm>
+            <a:off x="4987241" y="4050761"/>
+            <a:ext cx="0" cy="37258"/>
+          </a:xfrm>
+          <a:prstGeom prst="line">
+            <a:avLst/>
+          </a:prstGeom>
+        </p:spPr>
+        <p:style>
+          <a:lnRef idx="1">
+            <a:schemeClr val="accent1"/>
+          </a:lnRef>
+          <a:fillRef idx="0">
+            <a:schemeClr val="accent1"/>
+          </a:fillRef>
+          <a:effectRef idx="0">
+            <a:schemeClr val="accent1"/>
+          </a:effectRef>
+          <a:fontRef idx="minor">
+            <a:schemeClr val="tx1"/>
+          </a:fontRef>
+        </p:style>
+      </p:cxnSp>
     </p:spTree>
   </p:cSld>
   <p:clrMapOvr>

--- a/4_Diagram/ER-Dig/Dairy Express ER-Dig.pptx
+++ b/4_Diagram/ER-Dig/Dairy Express ER-Dig.pptx
@@ -243,7 +243,7 @@
           <a:p>
             <a:fld id="{36512AA3-2E20-47C0-BA88-04677EB4993E}" type="datetimeFigureOut">
               <a:rPr lang="zh-CN" altLang="en-US" smtClean="0"/>
-              <a:t>2023/3/1</a:t>
+              <a:t>2023/3/10</a:t>
             </a:fld>
             <a:endParaRPr lang="zh-CN" altLang="en-US"/>
           </a:p>
@@ -413,7 +413,7 @@
           <a:p>
             <a:fld id="{36512AA3-2E20-47C0-BA88-04677EB4993E}" type="datetimeFigureOut">
               <a:rPr lang="zh-CN" altLang="en-US" smtClean="0"/>
-              <a:t>2023/3/1</a:t>
+              <a:t>2023/3/10</a:t>
             </a:fld>
             <a:endParaRPr lang="zh-CN" altLang="en-US"/>
           </a:p>
@@ -593,7 +593,7 @@
           <a:p>
             <a:fld id="{36512AA3-2E20-47C0-BA88-04677EB4993E}" type="datetimeFigureOut">
               <a:rPr lang="zh-CN" altLang="en-US" smtClean="0"/>
-              <a:t>2023/3/1</a:t>
+              <a:t>2023/3/10</a:t>
             </a:fld>
             <a:endParaRPr lang="zh-CN" altLang="en-US"/>
           </a:p>
@@ -763,7 +763,7 @@
           <a:p>
             <a:fld id="{36512AA3-2E20-47C0-BA88-04677EB4993E}" type="datetimeFigureOut">
               <a:rPr lang="zh-CN" altLang="en-US" smtClean="0"/>
-              <a:t>2023/3/1</a:t>
+              <a:t>2023/3/10</a:t>
             </a:fld>
             <a:endParaRPr lang="zh-CN" altLang="en-US"/>
           </a:p>
@@ -1007,7 +1007,7 @@
           <a:p>
             <a:fld id="{36512AA3-2E20-47C0-BA88-04677EB4993E}" type="datetimeFigureOut">
               <a:rPr lang="zh-CN" altLang="en-US" smtClean="0"/>
-              <a:t>2023/3/1</a:t>
+              <a:t>2023/3/10</a:t>
             </a:fld>
             <a:endParaRPr lang="zh-CN" altLang="en-US"/>
           </a:p>
@@ -1239,7 +1239,7 @@
           <a:p>
             <a:fld id="{36512AA3-2E20-47C0-BA88-04677EB4993E}" type="datetimeFigureOut">
               <a:rPr lang="zh-CN" altLang="en-US" smtClean="0"/>
-              <a:t>2023/3/1</a:t>
+              <a:t>2023/3/10</a:t>
             </a:fld>
             <a:endParaRPr lang="zh-CN" altLang="en-US"/>
           </a:p>
@@ -1606,7 +1606,7 @@
           <a:p>
             <a:fld id="{36512AA3-2E20-47C0-BA88-04677EB4993E}" type="datetimeFigureOut">
               <a:rPr lang="zh-CN" altLang="en-US" smtClean="0"/>
-              <a:t>2023/3/1</a:t>
+              <a:t>2023/3/10</a:t>
             </a:fld>
             <a:endParaRPr lang="zh-CN" altLang="en-US"/>
           </a:p>
@@ -1724,7 +1724,7 @@
           <a:p>
             <a:fld id="{36512AA3-2E20-47C0-BA88-04677EB4993E}" type="datetimeFigureOut">
               <a:rPr lang="zh-CN" altLang="en-US" smtClean="0"/>
-              <a:t>2023/3/1</a:t>
+              <a:t>2023/3/10</a:t>
             </a:fld>
             <a:endParaRPr lang="zh-CN" altLang="en-US"/>
           </a:p>
@@ -1819,7 +1819,7 @@
           <a:p>
             <a:fld id="{36512AA3-2E20-47C0-BA88-04677EB4993E}" type="datetimeFigureOut">
               <a:rPr lang="zh-CN" altLang="en-US" smtClean="0"/>
-              <a:t>2023/3/1</a:t>
+              <a:t>2023/3/10</a:t>
             </a:fld>
             <a:endParaRPr lang="zh-CN" altLang="en-US"/>
           </a:p>
@@ -2096,7 +2096,7 @@
           <a:p>
             <a:fld id="{36512AA3-2E20-47C0-BA88-04677EB4993E}" type="datetimeFigureOut">
               <a:rPr lang="zh-CN" altLang="en-US" smtClean="0"/>
-              <a:t>2023/3/1</a:t>
+              <a:t>2023/3/10</a:t>
             </a:fld>
             <a:endParaRPr lang="zh-CN" altLang="en-US"/>
           </a:p>
@@ -2353,7 +2353,7 @@
           <a:p>
             <a:fld id="{36512AA3-2E20-47C0-BA88-04677EB4993E}" type="datetimeFigureOut">
               <a:rPr lang="zh-CN" altLang="en-US" smtClean="0"/>
-              <a:t>2023/3/1</a:t>
+              <a:t>2023/3/10</a:t>
             </a:fld>
             <a:endParaRPr lang="zh-CN" altLang="en-US"/>
           </a:p>
@@ -2566,7 +2566,7 @@
           <a:p>
             <a:fld id="{06F60DB7-6E48-4466-B7A9-24611520A472}" type="datetimeFigureOut">
               <a:rPr lang="zh-CN" altLang="en-US" smtClean="0"/>
-              <a:t>2023/3/1</a:t>
+              <a:t>2023/3/10</a:t>
             </a:fld>
             <a:endParaRPr lang="zh-CN" altLang="en-US"/>
           </a:p>
@@ -2979,7 +2979,7 @@
         </p:nvSpPr>
         <p:spPr>
           <a:xfrm>
-            <a:off x="3918958" y="4013754"/>
+            <a:off x="3925331" y="3991558"/>
             <a:ext cx="302160" cy="193036"/>
           </a:xfrm>
           <a:custGeom>
@@ -3052,7 +3052,7 @@
           <a:solidFill>
             <a:srgbClr val="F4F9F7"/>
           </a:solidFill>
-          <a:ln w="3175" cap="flat">
+          <a:ln w="6350" cap="flat">
             <a:solidFill>
               <a:schemeClr val="tx1"/>
             </a:solidFill>
@@ -3192,7 +3192,7 @@
               <a:lumOff val="60000"/>
             </a:schemeClr>
           </a:solidFill>
-          <a:ln w="3175" cap="flat">
+          <a:ln w="6350" cap="flat">
             <a:solidFill>
               <a:schemeClr val="tx1"/>
             </a:solidFill>
@@ -3315,7 +3315,7 @@
           <a:solidFill>
             <a:srgbClr val="F4F9F7"/>
           </a:solidFill>
-          <a:ln w="3175" cap="flat">
+          <a:ln w="6350" cap="flat">
             <a:solidFill>
               <a:schemeClr val="tx1"/>
             </a:solidFill>
@@ -3438,7 +3438,7 @@
           <a:solidFill>
             <a:srgbClr val="F4F9F7"/>
           </a:solidFill>
-          <a:ln w="3175" cap="flat">
+          <a:ln w="6350" cap="flat">
             <a:solidFill>
               <a:schemeClr val="tx1"/>
             </a:solidFill>
@@ -3493,7 +3493,7 @@
             </a:pathLst>
           </a:custGeom>
           <a:noFill/>
-          <a:ln w="3175" cap="flat">
+          <a:ln w="6350" cap="flat">
             <a:solidFill>
               <a:schemeClr val="tx1"/>
             </a:solidFill>
@@ -3530,7 +3530,7 @@
             </a:pathLst>
           </a:custGeom>
           <a:noFill/>
-          <a:ln w="3175" cap="flat">
+          <a:ln w="6350" cap="flat">
             <a:solidFill>
               <a:schemeClr val="tx1"/>
             </a:solidFill>
@@ -3635,7 +3635,7 @@
           <a:solidFill>
             <a:srgbClr val="F4F9F7"/>
           </a:solidFill>
-          <a:ln w="3175" cap="flat">
+          <a:ln w="6350" cap="flat">
             <a:solidFill>
               <a:schemeClr val="tx1"/>
             </a:solidFill>
@@ -3690,7 +3690,7 @@
             </a:pathLst>
           </a:custGeom>
           <a:noFill/>
-          <a:ln w="3175" cap="flat">
+          <a:ln w="6350" cap="flat">
             <a:solidFill>
               <a:schemeClr val="tx1"/>
             </a:solidFill>
@@ -3727,7 +3727,7 @@
             </a:pathLst>
           </a:custGeom>
           <a:noFill/>
-          <a:ln w="3175" cap="flat">
+          <a:ln w="6350" cap="flat">
             <a:solidFill>
               <a:schemeClr val="tx1"/>
             </a:solidFill>
@@ -3743,7 +3743,7 @@
         </p:nvSpPr>
         <p:spPr>
           <a:xfrm>
-            <a:off x="4773507" y="4017654"/>
+            <a:off x="4822685" y="4050132"/>
             <a:ext cx="197949" cy="115470"/>
           </a:xfrm>
           <a:custGeom>
@@ -3819,7 +3819,7 @@
               <a:lumOff val="60000"/>
             </a:schemeClr>
           </a:solidFill>
-          <a:ln w="3175" cap="flat">
+          <a:ln w="6350" cap="flat">
             <a:solidFill>
               <a:schemeClr val="tx1"/>
             </a:solidFill>
@@ -3847,43 +3847,6 @@
       </p:sp>
       <p:sp>
         <p:nvSpPr>
-          <p:cNvPr id="131" name="ConnectLine"/>
-          <p:cNvSpPr/>
-          <p:nvPr/>
-        </p:nvSpPr>
-        <p:spPr>
-          <a:xfrm>
-            <a:off x="4221118" y="4062612"/>
-            <a:ext cx="552386" cy="47073"/>
-          </a:xfrm>
-          <a:custGeom>
-            <a:avLst/>
-            <a:gdLst/>
-            <a:ahLst/>
-            <a:cxnLst/>
-            <a:rect l="l" t="t" r="r" b="b"/>
-            <a:pathLst>
-              <a:path w="1092739" h="1401844" fill="none">
-                <a:moveTo>
-                  <a:pt x="1092739" y="0"/>
-                </a:moveTo>
-                <a:lnTo>
-                  <a:pt x="0" y="1401844"/>
-                </a:lnTo>
-              </a:path>
-            </a:pathLst>
-          </a:custGeom>
-          <a:noFill/>
-          <a:ln w="3175" cap="flat">
-            <a:solidFill>
-              <a:schemeClr val="tx1"/>
-            </a:solidFill>
-            <a:miter/>
-          </a:ln>
-        </p:spPr>
-      </p:sp>
-      <p:sp>
-        <p:nvSpPr>
           <p:cNvPr id="133" name="Key Attribute"/>
           <p:cNvSpPr/>
           <p:nvPr/>
@@ -3979,7 +3942,7 @@
           <a:solidFill>
             <a:srgbClr val="F4F9F7"/>
           </a:solidFill>
-          <a:ln w="3175" cap="flat">
+          <a:ln w="6350" cap="flat">
             <a:solidFill>
               <a:schemeClr val="tx1"/>
             </a:solidFill>
@@ -4013,7 +3976,7 @@
         </p:nvSpPr>
         <p:spPr>
           <a:xfrm>
-            <a:off x="4622985" y="4281623"/>
+            <a:off x="4672163" y="4314101"/>
             <a:ext cx="197949" cy="115470"/>
           </a:xfrm>
           <a:custGeom>
@@ -4102,7 +4065,7 @@
           <a:solidFill>
             <a:srgbClr val="F4F9F7"/>
           </a:solidFill>
-          <a:ln w="3175" cap="flat">
+          <a:ln w="6350" cap="flat">
             <a:solidFill>
               <a:schemeClr val="tx1"/>
             </a:solidFill>
@@ -4136,7 +4099,7 @@
         </p:nvSpPr>
         <p:spPr>
           <a:xfrm>
-            <a:off x="4835496" y="4272060"/>
+            <a:off x="4884674" y="4304538"/>
             <a:ext cx="197949" cy="115470"/>
           </a:xfrm>
           <a:custGeom>
@@ -4225,7 +4188,7 @@
           <a:solidFill>
             <a:srgbClr val="F4F9F7"/>
           </a:solidFill>
-          <a:ln w="3175" cap="flat">
+          <a:ln w="6350" cap="flat">
             <a:solidFill>
               <a:schemeClr val="tx1"/>
             </a:solidFill>
@@ -4259,7 +4222,7 @@
         </p:nvSpPr>
         <p:spPr>
           <a:xfrm>
-            <a:off x="4477000" y="4198689"/>
+            <a:off x="4526178" y="4231167"/>
             <a:ext cx="197949" cy="115470"/>
           </a:xfrm>
           <a:custGeom>
@@ -4348,7 +4311,7 @@
           <a:solidFill>
             <a:srgbClr val="F4F9F7"/>
           </a:solidFill>
-          <a:ln w="3175" cap="flat">
+          <a:ln w="6350" cap="flat">
             <a:solidFill>
               <a:schemeClr val="tx1"/>
             </a:solidFill>
@@ -4458,7 +4421,7 @@
               <a:lumOff val="60000"/>
             </a:schemeClr>
           </a:solidFill>
-          <a:ln w="3175" cap="flat">
+          <a:ln w="6350" cap="flat">
             <a:solidFill>
               <a:schemeClr val="tx1"/>
             </a:solidFill>
@@ -4479,7 +4442,7 @@
                 <a:ea typeface="Arial"/>
                 <a:cs typeface="Arial"/>
               </a:rPr>
-              <a:t>Products</a:t>
+              <a:t>Product</a:t>
             </a:r>
           </a:p>
         </p:txBody>
@@ -4581,7 +4544,7 @@
           <a:solidFill>
             <a:srgbClr val="F4F9F7"/>
           </a:solidFill>
-          <a:ln w="3175" cap="flat">
+          <a:ln w="6350" cap="flat">
             <a:solidFill>
               <a:schemeClr val="tx1"/>
             </a:solidFill>
@@ -4704,7 +4667,7 @@
           <a:solidFill>
             <a:srgbClr val="F4F9F7"/>
           </a:solidFill>
-          <a:ln w="3175" cap="flat">
+          <a:ln w="6350" cap="flat">
             <a:solidFill>
               <a:schemeClr val="tx1"/>
             </a:solidFill>
@@ -4827,7 +4790,7 @@
           <a:solidFill>
             <a:srgbClr val="F4F9F7"/>
           </a:solidFill>
-          <a:ln w="3175" cap="flat">
+          <a:ln w="6350" cap="flat">
             <a:solidFill>
               <a:schemeClr val="tx1"/>
             </a:solidFill>
@@ -4950,7 +4913,7 @@
           <a:solidFill>
             <a:srgbClr val="F4F9F7"/>
           </a:solidFill>
-          <a:ln w="3175" cap="flat">
+          <a:ln w="6350" cap="flat">
             <a:solidFill>
               <a:schemeClr val="tx1"/>
             </a:solidFill>
@@ -5073,7 +5036,7 @@
           <a:solidFill>
             <a:srgbClr val="F4F9F7"/>
           </a:solidFill>
-          <a:ln w="3175" cap="flat">
+          <a:ln w="6350" cap="flat">
             <a:solidFill>
               <a:schemeClr val="tx1"/>
             </a:solidFill>
@@ -5128,7 +5091,7 @@
             </a:pathLst>
           </a:custGeom>
           <a:noFill/>
-          <a:ln w="3175" cap="flat">
+          <a:ln w="6350" cap="flat">
             <a:solidFill>
               <a:schemeClr val="tx1"/>
             </a:solidFill>
@@ -5165,7 +5128,7 @@
             </a:pathLst>
           </a:custGeom>
           <a:noFill/>
-          <a:ln w="3175" cap="flat">
+          <a:ln w="6350" cap="flat">
             <a:solidFill>
               <a:schemeClr val="tx1"/>
             </a:solidFill>
@@ -5202,7 +5165,7 @@
             </a:pathLst>
           </a:custGeom>
           <a:noFill/>
-          <a:ln w="3175" cap="flat">
+          <a:ln w="6350" cap="flat">
             <a:solidFill>
               <a:schemeClr val="tx1"/>
             </a:solidFill>
@@ -5239,7 +5202,7 @@
             </a:pathLst>
           </a:custGeom>
           <a:noFill/>
-          <a:ln w="3175" cap="flat">
+          <a:ln w="6350" cap="flat">
             <a:solidFill>
               <a:schemeClr val="tx1"/>
             </a:solidFill>
@@ -5276,7 +5239,7 @@
             </a:pathLst>
           </a:custGeom>
           <a:noFill/>
-          <a:ln w="3175" cap="flat">
+          <a:ln w="6350" cap="flat">
             <a:solidFill>
               <a:schemeClr val="tx1"/>
             </a:solidFill>
@@ -5365,7 +5328,7 @@
           <a:solidFill>
             <a:srgbClr val="F4F9F7"/>
           </a:solidFill>
-          <a:ln w="3175" cap="flat">
+          <a:ln w="6350" cap="flat">
             <a:solidFill>
               <a:schemeClr val="tx1"/>
             </a:solidFill>
@@ -5475,7 +5438,7 @@
               <a:lumOff val="60000"/>
             </a:schemeClr>
           </a:solidFill>
-          <a:ln w="3175" cap="flat">
+          <a:ln w="6350" cap="flat">
             <a:solidFill>
               <a:schemeClr val="tx1"/>
             </a:solidFill>
@@ -5598,7 +5561,7 @@
           <a:solidFill>
             <a:srgbClr val="F4F9F7"/>
           </a:solidFill>
-          <a:ln w="3175" cap="flat">
+          <a:ln w="6350" cap="flat">
             <a:solidFill>
               <a:schemeClr val="tx1"/>
             </a:solidFill>
@@ -5721,7 +5684,7 @@
           <a:solidFill>
             <a:srgbClr val="F4F9F7"/>
           </a:solidFill>
-          <a:ln w="3175" cap="flat">
+          <a:ln w="6350" cap="flat">
             <a:solidFill>
               <a:schemeClr val="tx1"/>
             </a:solidFill>
@@ -5844,7 +5807,7 @@
           <a:solidFill>
             <a:srgbClr val="F4F9F7"/>
           </a:solidFill>
-          <a:ln w="3175" cap="flat">
+          <a:ln w="6350" cap="flat">
             <a:solidFill>
               <a:schemeClr val="tx1"/>
             </a:solidFill>
@@ -5967,7 +5930,7 @@
           <a:solidFill>
             <a:srgbClr val="F4F9F7"/>
           </a:solidFill>
-          <a:ln w="3175" cap="flat">
+          <a:ln w="6350" cap="flat">
             <a:solidFill>
               <a:schemeClr val="tx1"/>
             </a:solidFill>
@@ -6090,7 +6053,7 @@
           <a:solidFill>
             <a:srgbClr val="F4F9F7"/>
           </a:solidFill>
-          <a:ln w="3175" cap="flat">
+          <a:ln w="6350" cap="flat">
             <a:solidFill>
               <a:schemeClr val="tx1"/>
             </a:solidFill>
@@ -6213,7 +6176,7 @@
           <a:solidFill>
             <a:srgbClr val="F4F9F7"/>
           </a:solidFill>
-          <a:ln w="3175" cap="flat">
+          <a:ln w="6350" cap="flat">
             <a:solidFill>
               <a:schemeClr val="tx1"/>
             </a:solidFill>
@@ -6336,7 +6299,7 @@
           <a:solidFill>
             <a:srgbClr val="F4F9F7"/>
           </a:solidFill>
-          <a:ln w="3175" cap="flat">
+          <a:ln w="6350" cap="flat">
             <a:solidFill>
               <a:schemeClr val="tx1"/>
             </a:solidFill>
@@ -6391,7 +6354,7 @@
             </a:pathLst>
           </a:custGeom>
           <a:noFill/>
-          <a:ln w="3175" cap="flat">
+          <a:ln w="6350" cap="flat">
             <a:solidFill>
               <a:schemeClr val="tx1"/>
             </a:solidFill>
@@ -6428,7 +6391,7 @@
             </a:pathLst>
           </a:custGeom>
           <a:noFill/>
-          <a:ln w="3175" cap="flat">
+          <a:ln w="6350" cap="flat">
             <a:solidFill>
               <a:schemeClr val="tx1"/>
             </a:solidFill>
@@ -6465,7 +6428,7 @@
             </a:pathLst>
           </a:custGeom>
           <a:noFill/>
-          <a:ln w="3175" cap="flat">
+          <a:ln w="6350" cap="flat">
             <a:solidFill>
               <a:schemeClr val="tx1"/>
             </a:solidFill>
@@ -6502,7 +6465,7 @@
             </a:pathLst>
           </a:custGeom>
           <a:noFill/>
-          <a:ln w="3175" cap="flat">
+          <a:ln w="6350" cap="flat">
             <a:solidFill>
               <a:schemeClr val="tx1"/>
             </a:solidFill>
@@ -6539,7 +6502,7 @@
             </a:pathLst>
           </a:custGeom>
           <a:noFill/>
-          <a:ln w="3175" cap="flat">
+          <a:ln w="6350" cap="flat">
             <a:solidFill>
               <a:schemeClr val="tx1"/>
             </a:solidFill>
@@ -6576,7 +6539,7 @@
             </a:pathLst>
           </a:custGeom>
           <a:noFill/>
-          <a:ln w="3175" cap="flat">
+          <a:ln w="6350" cap="flat">
             <a:solidFill>
               <a:schemeClr val="tx1"/>
             </a:solidFill>
@@ -6613,7 +6576,7 @@
             </a:pathLst>
           </a:custGeom>
           <a:noFill/>
-          <a:ln w="3175" cap="flat">
+          <a:ln w="6350" cap="flat">
             <a:solidFill>
               <a:schemeClr val="tx1"/>
             </a:solidFill>
@@ -6629,7 +6592,7 @@
         </p:nvSpPr>
         <p:spPr>
           <a:xfrm>
-            <a:off x="4572000" y="4136246"/>
+            <a:off x="4621178" y="4168724"/>
             <a:ext cx="294488" cy="65941"/>
           </a:xfrm>
           <a:custGeom>
@@ -6650,7 +6613,7 @@
             </a:pathLst>
           </a:custGeom>
           <a:noFill/>
-          <a:ln w="3175" cap="flat">
+          <a:ln w="6350" cap="flat">
             <a:solidFill>
               <a:schemeClr val="tx1"/>
             </a:solidFill>
@@ -6666,7 +6629,7 @@
         </p:nvSpPr>
         <p:spPr>
           <a:xfrm>
-            <a:off x="4733720" y="4140245"/>
+            <a:off x="4782898" y="4172723"/>
             <a:ext cx="123761" cy="142584"/>
           </a:xfrm>
           <a:custGeom>
@@ -6687,7 +6650,7 @@
             </a:pathLst>
           </a:custGeom>
           <a:noFill/>
-          <a:ln w="3175" cap="flat">
+          <a:ln w="6350" cap="flat">
             <a:solidFill>
               <a:schemeClr val="tx1"/>
             </a:solidFill>
@@ -6703,7 +6666,7 @@
         </p:nvSpPr>
         <p:spPr>
           <a:xfrm flipH="1">
-            <a:off x="4861666" y="4133808"/>
+            <a:off x="4910844" y="4166286"/>
             <a:ext cx="74248" cy="138249"/>
           </a:xfrm>
           <a:custGeom>
@@ -6724,7 +6687,7 @@
             </a:pathLst>
           </a:custGeom>
           <a:noFill/>
-          <a:ln w="3175" cap="flat">
+          <a:ln w="6350" cap="flat">
             <a:solidFill>
               <a:schemeClr val="tx1"/>
             </a:solidFill>
@@ -6829,7 +6792,7 @@
           <a:solidFill>
             <a:srgbClr val="F4F9F7"/>
           </a:solidFill>
-          <a:ln w="3175" cap="flat">
+          <a:ln w="6350" cap="flat">
             <a:solidFill>
               <a:schemeClr val="tx1"/>
             </a:solidFill>
@@ -6952,7 +6915,7 @@
           <a:solidFill>
             <a:srgbClr val="F4F9F7"/>
           </a:solidFill>
-          <a:ln w="3175" cap="flat">
+          <a:ln w="6350" cap="flat">
             <a:solidFill>
               <a:schemeClr val="tx1"/>
             </a:solidFill>
@@ -7075,7 +7038,7 @@
           <a:solidFill>
             <a:srgbClr val="F4F9F7"/>
           </a:solidFill>
-          <a:ln w="3175" cap="flat">
+          <a:ln w="6350" cap="flat">
             <a:solidFill>
               <a:schemeClr val="tx1"/>
             </a:solidFill>
@@ -7130,7 +7093,7 @@
             </a:pathLst>
           </a:custGeom>
           <a:noFill/>
-          <a:ln w="3175" cap="flat">
+          <a:ln w="6350" cap="flat">
             <a:solidFill>
               <a:schemeClr val="tx1"/>
             </a:solidFill>
@@ -7167,7 +7130,7 @@
             </a:pathLst>
           </a:custGeom>
           <a:noFill/>
-          <a:ln w="3175" cap="flat">
+          <a:ln w="6350" cap="flat">
             <a:solidFill>
               <a:schemeClr val="tx1"/>
             </a:solidFill>
@@ -7204,7 +7167,7 @@
             </a:pathLst>
           </a:custGeom>
           <a:noFill/>
-          <a:ln w="3175" cap="flat">
+          <a:ln w="6350" cap="flat">
             <a:solidFill>
               <a:schemeClr val="tx1"/>
             </a:solidFill>
@@ -7220,7 +7183,7 @@
         </p:nvSpPr>
         <p:spPr>
           <a:xfrm>
-            <a:off x="4639739" y="4603715"/>
+            <a:off x="4126871" y="4544439"/>
             <a:ext cx="197949" cy="115470"/>
           </a:xfrm>
           <a:custGeom>
@@ -7296,7 +7259,7 @@
               <a:lumOff val="60000"/>
             </a:schemeClr>
           </a:solidFill>
-          <a:ln w="3175" cap="flat">
+          <a:ln w="6350" cap="flat">
             <a:solidFill>
               <a:schemeClr val="tx1"/>
             </a:solidFill>
@@ -7330,7 +7293,7 @@
         </p:nvSpPr>
         <p:spPr>
           <a:xfrm>
-            <a:off x="4261864" y="4755596"/>
+            <a:off x="3756886" y="4847580"/>
             <a:ext cx="197949" cy="115470"/>
           </a:xfrm>
           <a:custGeom>
@@ -7419,7 +7382,7 @@
           <a:solidFill>
             <a:srgbClr val="F4F9F7"/>
           </a:solidFill>
-          <a:ln w="3175" cap="flat">
+          <a:ln w="6350" cap="flat">
             <a:solidFill>
               <a:schemeClr val="tx1"/>
             </a:solidFill>
@@ -7453,7 +7416,7 @@
         </p:nvSpPr>
         <p:spPr>
           <a:xfrm>
-            <a:off x="5116076" y="4763462"/>
+            <a:off x="4590652" y="4861650"/>
             <a:ext cx="197949" cy="115470"/>
           </a:xfrm>
           <a:custGeom>
@@ -7542,7 +7505,7 @@
           <a:solidFill>
             <a:srgbClr val="F4F9F7"/>
           </a:solidFill>
-          <a:ln w="3175" cap="flat">
+          <a:ln w="6350" cap="flat">
             <a:solidFill>
               <a:schemeClr val="tx1"/>
             </a:solidFill>
@@ -7576,7 +7539,7 @@
         </p:nvSpPr>
         <p:spPr>
           <a:xfrm>
-            <a:off x="5093314" y="4894521"/>
+            <a:off x="4521901" y="4998354"/>
             <a:ext cx="197949" cy="115470"/>
           </a:xfrm>
           <a:custGeom>
@@ -7665,7 +7628,7 @@
           <a:solidFill>
             <a:srgbClr val="F4F9F7"/>
           </a:solidFill>
-          <a:ln w="3175" cap="flat">
+          <a:ln w="6350" cap="flat">
             <a:solidFill>
               <a:schemeClr val="tx1"/>
             </a:solidFill>
@@ -7699,7 +7662,7 @@
         </p:nvSpPr>
         <p:spPr>
           <a:xfrm>
-            <a:off x="4990173" y="5032600"/>
+            <a:off x="4415295" y="5119492"/>
             <a:ext cx="197949" cy="115470"/>
           </a:xfrm>
           <a:custGeom>
@@ -7788,7 +7751,7 @@
           <a:solidFill>
             <a:srgbClr val="F4F9F7"/>
           </a:solidFill>
-          <a:ln w="3175" cap="flat">
+          <a:ln w="6350" cap="flat">
             <a:solidFill>
               <a:schemeClr val="tx1"/>
             </a:solidFill>
@@ -7822,7 +7785,7 @@
         </p:nvSpPr>
         <p:spPr>
           <a:xfrm>
-            <a:off x="4801214" y="5125778"/>
+            <a:off x="4238850" y="5224984"/>
             <a:ext cx="197949" cy="115470"/>
           </a:xfrm>
           <a:custGeom>
@@ -7911,7 +7874,7 @@
           <a:solidFill>
             <a:srgbClr val="F4F9F7"/>
           </a:solidFill>
-          <a:ln w="3175" cap="flat">
+          <a:ln w="6350" cap="flat">
             <a:solidFill>
               <a:schemeClr val="tx1"/>
             </a:solidFill>
@@ -7945,7 +7908,7 @@
         </p:nvSpPr>
         <p:spPr>
           <a:xfrm>
-            <a:off x="4572006" y="5132896"/>
+            <a:off x="4032511" y="5215252"/>
             <a:ext cx="197949" cy="115470"/>
           </a:xfrm>
           <a:custGeom>
@@ -8034,7 +7997,7 @@
           <a:solidFill>
             <a:srgbClr val="F4F9F7"/>
           </a:solidFill>
-          <a:ln w="3175" cap="flat">
+          <a:ln w="6350" cap="flat">
             <a:solidFill>
               <a:schemeClr val="tx1"/>
             </a:solidFill>
@@ -8068,7 +8031,7 @@
         </p:nvSpPr>
         <p:spPr>
           <a:xfrm>
-            <a:off x="4419042" y="5017427"/>
+            <a:off x="3891486" y="5109514"/>
             <a:ext cx="197949" cy="115470"/>
           </a:xfrm>
           <a:custGeom>
@@ -8157,7 +8120,7 @@
           <a:solidFill>
             <a:srgbClr val="F4F9F7"/>
           </a:solidFill>
-          <a:ln w="3175" cap="flat">
+          <a:ln w="6350" cap="flat">
             <a:solidFill>
               <a:schemeClr val="tx1"/>
             </a:solidFill>
@@ -8191,7 +8154,7 @@
         </p:nvSpPr>
         <p:spPr>
           <a:xfrm>
-            <a:off x="4331206" y="4894521"/>
+            <a:off x="3806748" y="4996631"/>
             <a:ext cx="197949" cy="115470"/>
           </a:xfrm>
           <a:custGeom>
@@ -8280,7 +8243,7 @@
           <a:solidFill>
             <a:srgbClr val="F4F9F7"/>
           </a:solidFill>
-          <a:ln w="3175" cap="flat">
+          <a:ln w="6350" cap="flat">
             <a:solidFill>
               <a:schemeClr val="tx1"/>
             </a:solidFill>
@@ -8308,272 +8271,13 @@
       </p:sp>
       <p:sp>
         <p:nvSpPr>
-          <p:cNvPr id="263" name="ConnectLine"/>
-          <p:cNvSpPr/>
-          <p:nvPr/>
-        </p:nvSpPr>
-        <p:spPr>
-          <a:xfrm flipV="1">
-            <a:off x="4736090" y="4716635"/>
-            <a:ext cx="378725" cy="113447"/>
-          </a:xfrm>
-          <a:custGeom>
-            <a:avLst/>
-            <a:gdLst/>
-            <a:ahLst/>
-            <a:cxnLst/>
-            <a:rect l="l" t="t" r="r" b="b"/>
-            <a:pathLst>
-              <a:path w="646000" h="979585" fill="none">
-                <a:moveTo>
-                  <a:pt x="0" y="979585"/>
-                </a:moveTo>
-                <a:lnTo>
-                  <a:pt x="646000" y="0"/>
-                </a:lnTo>
-              </a:path>
-            </a:pathLst>
-          </a:custGeom>
-          <a:noFill/>
-          <a:ln w="3175" cap="flat">
-            <a:solidFill>
-              <a:schemeClr val="tx1"/>
-            </a:solidFill>
-            <a:miter/>
-          </a:ln>
-        </p:spPr>
-      </p:sp>
-      <p:sp>
-        <p:nvSpPr>
-          <p:cNvPr id="264" name="ConnectLine"/>
-          <p:cNvSpPr/>
-          <p:nvPr/>
-        </p:nvSpPr>
-        <p:spPr>
-          <a:xfrm flipV="1">
-            <a:off x="4745865" y="4720747"/>
-            <a:ext cx="354889" cy="216176"/>
-          </a:xfrm>
-          <a:custGeom>
-            <a:avLst/>
-            <a:gdLst/>
-            <a:ahLst/>
-            <a:cxnLst/>
-            <a:rect l="l" t="t" r="r" b="b"/>
-            <a:pathLst>
-              <a:path w="1732803" h="91189" fill="none">
-                <a:moveTo>
-                  <a:pt x="0" y="91189"/>
-                </a:moveTo>
-                <a:lnTo>
-                  <a:pt x="1732803" y="0"/>
-                </a:lnTo>
-              </a:path>
-            </a:pathLst>
-          </a:custGeom>
-          <a:noFill/>
-          <a:ln w="3175" cap="flat">
-            <a:solidFill>
-              <a:schemeClr val="tx1"/>
-            </a:solidFill>
-            <a:miter/>
-          </a:ln>
-        </p:spPr>
-      </p:sp>
-      <p:sp>
-        <p:nvSpPr>
-          <p:cNvPr id="266" name="ConnectLine"/>
-          <p:cNvSpPr/>
-          <p:nvPr/>
-        </p:nvSpPr>
-        <p:spPr>
-          <a:xfrm>
-            <a:off x="4730476" y="4720750"/>
-            <a:ext cx="339468" cy="311847"/>
-          </a:xfrm>
-          <a:custGeom>
-            <a:avLst/>
-            <a:gdLst/>
-            <a:ahLst/>
-            <a:cxnLst/>
-            <a:rect l="l" t="t" r="r" b="b"/>
-            <a:pathLst>
-              <a:path w="1097026" h="295662" fill="none">
-                <a:moveTo>
-                  <a:pt x="0" y="0"/>
-                </a:moveTo>
-                <a:lnTo>
-                  <a:pt x="1097026" y="295662"/>
-                </a:lnTo>
-              </a:path>
-            </a:pathLst>
-          </a:custGeom>
-          <a:noFill/>
-          <a:ln w="3175" cap="flat">
-            <a:solidFill>
-              <a:schemeClr val="tx1"/>
-            </a:solidFill>
-            <a:miter/>
-          </a:ln>
-        </p:spPr>
-      </p:sp>
-      <p:sp>
-        <p:nvSpPr>
-          <p:cNvPr id="267" name="ConnectLine"/>
-          <p:cNvSpPr/>
-          <p:nvPr/>
-        </p:nvSpPr>
-        <p:spPr>
-          <a:xfrm>
-            <a:off x="4738964" y="4720750"/>
-            <a:ext cx="152032" cy="405026"/>
-          </a:xfrm>
-          <a:custGeom>
-            <a:avLst/>
-            <a:gdLst/>
-            <a:ahLst/>
-            <a:cxnLst/>
-            <a:rect l="l" t="t" r="r" b="b"/>
-            <a:pathLst>
-              <a:path w="945026" h="954259" fill="none">
-                <a:moveTo>
-                  <a:pt x="0" y="0"/>
-                </a:moveTo>
-                <a:lnTo>
-                  <a:pt x="945026" y="954259"/>
-                </a:lnTo>
-              </a:path>
-            </a:pathLst>
-          </a:custGeom>
-          <a:noFill/>
-          <a:ln w="3175" cap="flat">
-            <a:solidFill>
-              <a:schemeClr val="tx1"/>
-            </a:solidFill>
-            <a:miter/>
-          </a:ln>
-        </p:spPr>
-      </p:sp>
-      <p:sp>
-        <p:nvSpPr>
-          <p:cNvPr id="268" name="ConnectLine"/>
-          <p:cNvSpPr/>
-          <p:nvPr/>
-        </p:nvSpPr>
-        <p:spPr>
-          <a:xfrm flipH="1">
-            <a:off x="4692991" y="4725621"/>
-            <a:ext cx="45720" cy="407274"/>
-          </a:xfrm>
-          <a:custGeom>
-            <a:avLst/>
-            <a:gdLst/>
-            <a:ahLst/>
-            <a:cxnLst/>
-            <a:rect l="l" t="t" r="r" b="b"/>
-            <a:pathLst>
-              <a:path w="904400" h="1252367" fill="none">
-                <a:moveTo>
-                  <a:pt x="0" y="0"/>
-                </a:moveTo>
-                <a:lnTo>
-                  <a:pt x="904400" y="1252367"/>
-                </a:lnTo>
-              </a:path>
-            </a:pathLst>
-          </a:custGeom>
-          <a:noFill/>
-          <a:ln w="3175" cap="flat">
-            <a:solidFill>
-              <a:schemeClr val="tx1"/>
-            </a:solidFill>
-            <a:miter/>
-          </a:ln>
-        </p:spPr>
-      </p:sp>
-      <p:sp>
-        <p:nvSpPr>
-          <p:cNvPr id="269" name="ConnectLine"/>
-          <p:cNvSpPr/>
-          <p:nvPr/>
-        </p:nvSpPr>
-        <p:spPr>
-          <a:xfrm flipH="1">
-            <a:off x="4558786" y="4719181"/>
-            <a:ext cx="179928" cy="298248"/>
-          </a:xfrm>
-          <a:custGeom>
-            <a:avLst/>
-            <a:gdLst/>
-            <a:ahLst/>
-            <a:cxnLst/>
-            <a:rect l="l" t="t" r="r" b="b"/>
-            <a:pathLst>
-              <a:path w="243200" h="1244767" fill="none">
-                <a:moveTo>
-                  <a:pt x="0" y="0"/>
-                </a:moveTo>
-                <a:lnTo>
-                  <a:pt x="243200" y="1244767"/>
-                </a:lnTo>
-              </a:path>
-            </a:pathLst>
-          </a:custGeom>
-          <a:noFill/>
-          <a:ln w="3175" cap="flat">
-            <a:solidFill>
-              <a:schemeClr val="tx1"/>
-            </a:solidFill>
-            <a:miter/>
-          </a:ln>
-        </p:spPr>
-      </p:sp>
-      <p:sp>
-        <p:nvSpPr>
-          <p:cNvPr id="270" name="ConnectLine"/>
-          <p:cNvSpPr/>
-          <p:nvPr/>
-        </p:nvSpPr>
-        <p:spPr>
-          <a:xfrm>
-            <a:off x="4449539" y="4719186"/>
-            <a:ext cx="289172" cy="179641"/>
-          </a:xfrm>
-          <a:custGeom>
-            <a:avLst/>
-            <a:gdLst/>
-            <a:ahLst/>
-            <a:cxnLst/>
-            <a:rect l="l" t="t" r="r" b="b"/>
-            <a:pathLst>
-              <a:path w="646000" h="986367" fill="none">
-                <a:moveTo>
-                  <a:pt x="646000" y="0"/>
-                </a:moveTo>
-                <a:lnTo>
-                  <a:pt x="0" y="986367"/>
-                </a:lnTo>
-              </a:path>
-            </a:pathLst>
-          </a:custGeom>
-          <a:noFill/>
-          <a:ln w="3175" cap="flat">
-            <a:solidFill>
-              <a:schemeClr val="tx1"/>
-            </a:solidFill>
-            <a:miter/>
-          </a:ln>
-        </p:spPr>
-      </p:sp>
-      <p:sp>
-        <p:nvSpPr>
           <p:cNvPr id="274" name="Freeform: Shape 273"/>
           <p:cNvSpPr/>
           <p:nvPr/>
         </p:nvSpPr>
         <p:spPr>
           <a:xfrm>
-            <a:off x="4847484" y="3460347"/>
+            <a:off x="5610815" y="3328181"/>
             <a:ext cx="197949" cy="115470"/>
           </a:xfrm>
           <a:custGeom>
@@ -8649,7 +8353,7 @@
               <a:lumOff val="60000"/>
             </a:schemeClr>
           </a:solidFill>
-          <a:ln w="3175" cap="flat">
+          <a:ln w="6350" cap="flat">
             <a:solidFill>
               <a:schemeClr val="tx1"/>
             </a:solidFill>
@@ -8683,7 +8387,7 @@
         </p:nvSpPr>
         <p:spPr>
           <a:xfrm>
-            <a:off x="4613244" y="3288792"/>
+            <a:off x="5395040" y="3149994"/>
             <a:ext cx="197949" cy="115470"/>
           </a:xfrm>
           <a:custGeom>
@@ -8772,7 +8476,7 @@
           <a:solidFill>
             <a:srgbClr val="F4F9F7"/>
           </a:solidFill>
-          <a:ln w="3175" cap="flat">
+          <a:ln w="6350" cap="flat">
             <a:solidFill>
               <a:schemeClr val="tx1"/>
             </a:solidFill>
@@ -8806,7 +8510,7 @@
         </p:nvSpPr>
         <p:spPr>
           <a:xfrm>
-            <a:off x="4769955" y="3179919"/>
+            <a:off x="5574818" y="3040642"/>
             <a:ext cx="197949" cy="115470"/>
           </a:xfrm>
           <a:custGeom>
@@ -8895,7 +8599,7 @@
           <a:solidFill>
             <a:srgbClr val="F4F9F7"/>
           </a:solidFill>
-          <a:ln w="3175" cap="flat">
+          <a:ln w="6350" cap="flat">
             <a:solidFill>
               <a:schemeClr val="tx1"/>
             </a:solidFill>
@@ -8929,7 +8633,7 @@
         </p:nvSpPr>
         <p:spPr>
           <a:xfrm>
-            <a:off x="4990173" y="3255141"/>
+            <a:off x="5772767" y="3140417"/>
             <a:ext cx="197949" cy="115470"/>
           </a:xfrm>
           <a:custGeom>
@@ -9018,7 +8722,7 @@
           <a:solidFill>
             <a:srgbClr val="F4F9F7"/>
           </a:solidFill>
-          <a:ln w="3175" cap="flat">
+          <a:ln w="6350" cap="flat">
             <a:solidFill>
               <a:schemeClr val="tx1"/>
             </a:solidFill>
@@ -9046,124 +8750,13 @@
       </p:sp>
       <p:sp>
         <p:nvSpPr>
-          <p:cNvPr id="280" name="ConnectLine"/>
-          <p:cNvSpPr/>
-          <p:nvPr/>
-        </p:nvSpPr>
-        <p:spPr>
-          <a:xfrm>
-            <a:off x="4712216" y="3404260"/>
-            <a:ext cx="234240" cy="56086"/>
-          </a:xfrm>
-          <a:custGeom>
-            <a:avLst/>
-            <a:gdLst/>
-            <a:ahLst/>
-            <a:cxnLst/>
-            <a:rect l="l" t="t" r="r" b="b"/>
-            <a:pathLst>
-              <a:path w="1079200" h="258400" fill="none">
-                <a:moveTo>
-                  <a:pt x="1079200" y="258400"/>
-                </a:moveTo>
-                <a:lnTo>
-                  <a:pt x="0" y="0"/>
-                </a:lnTo>
-              </a:path>
-            </a:pathLst>
-          </a:custGeom>
-          <a:noFill/>
-          <a:ln w="3175" cap="flat">
-            <a:solidFill>
-              <a:schemeClr val="tx1"/>
-            </a:solidFill>
-            <a:miter/>
-          </a:ln>
-        </p:spPr>
-      </p:sp>
-      <p:sp>
-        <p:nvSpPr>
-          <p:cNvPr id="281" name="ConnectLine"/>
-          <p:cNvSpPr/>
-          <p:nvPr/>
-        </p:nvSpPr>
-        <p:spPr>
-          <a:xfrm>
-            <a:off x="4868928" y="3295385"/>
-            <a:ext cx="77530" cy="164958"/>
-          </a:xfrm>
-          <a:custGeom>
-            <a:avLst/>
-            <a:gdLst/>
-            <a:ahLst/>
-            <a:cxnLst/>
-            <a:rect l="l" t="t" r="r" b="b"/>
-            <a:pathLst>
-              <a:path w="357200" h="760000" fill="none">
-                <a:moveTo>
-                  <a:pt x="357200" y="760000"/>
-                </a:moveTo>
-                <a:lnTo>
-                  <a:pt x="0" y="0"/>
-                </a:lnTo>
-              </a:path>
-            </a:pathLst>
-          </a:custGeom>
-          <a:noFill/>
-          <a:ln w="3175" cap="flat">
-            <a:solidFill>
-              <a:schemeClr val="tx1"/>
-            </a:solidFill>
-            <a:miter/>
-          </a:ln>
-        </p:spPr>
-      </p:sp>
-      <p:sp>
-        <p:nvSpPr>
-          <p:cNvPr id="282" name="ConnectLine"/>
-          <p:cNvSpPr/>
-          <p:nvPr/>
-        </p:nvSpPr>
-        <p:spPr>
-          <a:xfrm>
-            <a:off x="4946458" y="3370610"/>
-            <a:ext cx="142689" cy="89737"/>
-          </a:xfrm>
-          <a:custGeom>
-            <a:avLst/>
-            <a:gdLst/>
-            <a:ahLst/>
-            <a:cxnLst/>
-            <a:rect l="l" t="t" r="r" b="b"/>
-            <a:pathLst>
-              <a:path w="657400" h="413437" fill="none">
-                <a:moveTo>
-                  <a:pt x="0" y="413437"/>
-                </a:moveTo>
-                <a:lnTo>
-                  <a:pt x="657400" y="0"/>
-                </a:lnTo>
-              </a:path>
-            </a:pathLst>
-          </a:custGeom>
-          <a:noFill/>
-          <a:ln w="3175" cap="flat">
-            <a:solidFill>
-              <a:schemeClr val="tx1"/>
-            </a:solidFill>
-            <a:miter/>
-          </a:ln>
-        </p:spPr>
-      </p:sp>
-      <p:sp>
-        <p:nvSpPr>
           <p:cNvPr id="283" name="Freeform: Shape 282"/>
           <p:cNvSpPr/>
           <p:nvPr/>
         </p:nvSpPr>
         <p:spPr>
           <a:xfrm>
-            <a:off x="5422414" y="3405134"/>
+            <a:off x="4837651" y="3429000"/>
             <a:ext cx="197949" cy="115470"/>
           </a:xfrm>
           <a:custGeom>
@@ -9239,7 +8832,7 @@
               <a:lumOff val="60000"/>
             </a:schemeClr>
           </a:solidFill>
-          <a:ln w="3175" cap="flat">
+          <a:ln w="6350" cap="flat">
             <a:solidFill>
               <a:schemeClr val="tx1"/>
             </a:solidFill>
@@ -9273,7 +8866,7 @@
         </p:nvSpPr>
         <p:spPr>
           <a:xfrm>
-            <a:off x="5258230" y="3122184"/>
+            <a:off x="4665061" y="3185995"/>
             <a:ext cx="197949" cy="115470"/>
           </a:xfrm>
           <a:custGeom>
@@ -9362,7 +8955,7 @@
           <a:solidFill>
             <a:srgbClr val="F4F9F7"/>
           </a:solidFill>
-          <a:ln w="3175" cap="flat">
+          <a:ln w="6350" cap="flat">
             <a:solidFill>
               <a:schemeClr val="tx1"/>
             </a:solidFill>
@@ -9396,7 +8989,7 @@
         </p:nvSpPr>
         <p:spPr>
           <a:xfrm>
-            <a:off x="5482936" y="3054550"/>
+            <a:off x="4863493" y="3082682"/>
             <a:ext cx="197949" cy="115470"/>
           </a:xfrm>
           <a:custGeom>
@@ -9485,7 +9078,7 @@
           <a:solidFill>
             <a:srgbClr val="F4F9F7"/>
           </a:solidFill>
-          <a:ln w="3175" cap="flat">
+          <a:ln w="6350" cap="flat">
             <a:solidFill>
               <a:schemeClr val="tx1"/>
             </a:solidFill>
@@ -9519,7 +9112,7 @@
         </p:nvSpPr>
         <p:spPr>
           <a:xfrm>
-            <a:off x="5806619" y="3173612"/>
+            <a:off x="5029618" y="3193121"/>
             <a:ext cx="197949" cy="115470"/>
           </a:xfrm>
           <a:custGeom>
@@ -9608,7 +9201,7 @@
           <a:solidFill>
             <a:srgbClr val="F4F9F7"/>
           </a:solidFill>
-          <a:ln w="3175" cap="flat">
+          <a:ln w="6350" cap="flat">
             <a:solidFill>
               <a:schemeClr val="tx1"/>
             </a:solidFill>
@@ -9642,7 +9235,7 @@
         </p:nvSpPr>
         <p:spPr>
           <a:xfrm>
-            <a:off x="5424867" y="3583063"/>
+            <a:off x="5196800" y="3428680"/>
             <a:ext cx="197949" cy="115470"/>
           </a:xfrm>
           <a:custGeom>
@@ -9715,7 +9308,7 @@
           <a:solidFill>
             <a:srgbClr val="F4F9F7"/>
           </a:solidFill>
-          <a:ln w="3175" cap="flat">
+          <a:ln w="6350" cap="flat">
             <a:solidFill>
               <a:schemeClr val="tx1"/>
             </a:solidFill>
@@ -9749,7 +9342,7 @@
         </p:nvSpPr>
         <p:spPr>
           <a:xfrm>
-            <a:off x="4854257" y="3646601"/>
+            <a:off x="5610815" y="3505952"/>
             <a:ext cx="197949" cy="115470"/>
           </a:xfrm>
           <a:custGeom>
@@ -9822,7 +9415,7 @@
           <a:solidFill>
             <a:srgbClr val="F4F9F7"/>
           </a:solidFill>
-          <a:ln w="3175" cap="flat">
+          <a:ln w="6350" cap="flat">
             <a:solidFill>
               <a:schemeClr val="tx1"/>
             </a:solidFill>
@@ -9850,51 +9443,14 @@
       </p:sp>
       <p:sp>
         <p:nvSpPr>
-          <p:cNvPr id="299" name="ConnectLine"/>
-          <p:cNvSpPr/>
-          <p:nvPr/>
-        </p:nvSpPr>
-        <p:spPr>
-          <a:xfrm>
-            <a:off x="4955971" y="3765514"/>
-            <a:ext cx="472875" cy="161805"/>
-          </a:xfrm>
-          <a:custGeom>
-            <a:avLst/>
-            <a:gdLst/>
-            <a:ahLst/>
-            <a:cxnLst/>
-            <a:rect l="l" t="t" r="r" b="b"/>
-            <a:pathLst>
-              <a:path w="1413153" h="632326" fill="none">
-                <a:moveTo>
-                  <a:pt x="0" y="0"/>
-                </a:moveTo>
-                <a:lnTo>
-                  <a:pt x="1413153" y="632326"/>
-                </a:lnTo>
-              </a:path>
-            </a:pathLst>
-          </a:custGeom>
-          <a:noFill/>
-          <a:ln w="3175" cap="flat">
-            <a:solidFill>
-              <a:schemeClr val="tx1"/>
-            </a:solidFill>
-            <a:miter/>
-          </a:ln>
-        </p:spPr>
-      </p:sp>
-      <p:sp>
-        <p:nvSpPr>
           <p:cNvPr id="304" name="Key Attribute"/>
           <p:cNvSpPr/>
           <p:nvPr/>
         </p:nvSpPr>
         <p:spPr>
           <a:xfrm>
-            <a:off x="5005503" y="4198689"/>
-            <a:ext cx="197949" cy="115470"/>
+            <a:off x="5054681" y="4231167"/>
+            <a:ext cx="197949" cy="106815"/>
           </a:xfrm>
           <a:custGeom>
             <a:avLst/>
@@ -9982,7 +9538,7 @@
           <a:solidFill>
             <a:srgbClr val="F4F9F7"/>
           </a:solidFill>
-          <a:ln w="3175" cap="flat">
+          <a:ln w="6350" cap="flat">
             <a:solidFill>
               <a:schemeClr val="tx1"/>
             </a:solidFill>
@@ -10016,7 +9572,7 @@
         </p:nvSpPr>
         <p:spPr>
           <a:xfrm>
-            <a:off x="4865214" y="4137925"/>
+            <a:off x="4914392" y="4170403"/>
             <a:ext cx="219882" cy="60762"/>
           </a:xfrm>
           <a:custGeom>
@@ -10037,7 +9593,7 @@
             </a:pathLst>
           </a:custGeom>
           <a:noFill/>
-          <a:ln w="3175" cap="flat">
+          <a:ln w="6350" cap="flat">
             <a:solidFill>
               <a:schemeClr val="tx1"/>
             </a:solidFill>
@@ -10053,7 +9609,7 @@
         </p:nvSpPr>
         <p:spPr>
           <a:xfrm>
-            <a:off x="5475234" y="4339905"/>
+            <a:off x="5591539" y="4560996"/>
             <a:ext cx="197949" cy="115470"/>
           </a:xfrm>
           <a:custGeom>
@@ -10129,7 +9685,7 @@
               <a:lumOff val="60000"/>
             </a:schemeClr>
           </a:solidFill>
-          <a:ln w="3175" cap="flat">
+          <a:ln w="6350" cap="flat">
             <a:solidFill>
               <a:schemeClr val="tx1"/>
             </a:solidFill>
@@ -10163,7 +9719,7 @@
         </p:nvSpPr>
         <p:spPr>
           <a:xfrm>
-            <a:off x="5208000" y="4531595"/>
+            <a:off x="5278309" y="4755196"/>
             <a:ext cx="197949" cy="115470"/>
           </a:xfrm>
           <a:custGeom>
@@ -10252,7 +9808,7 @@
           <a:solidFill>
             <a:srgbClr val="F4F9F7"/>
           </a:solidFill>
-          <a:ln w="3175" cap="flat">
+          <a:ln w="6350" cap="flat">
             <a:solidFill>
               <a:schemeClr val="tx1"/>
             </a:solidFill>
@@ -10286,7 +9842,7 @@
         </p:nvSpPr>
         <p:spPr>
           <a:xfrm>
-            <a:off x="5908158" y="4560666"/>
+            <a:off x="5929080" y="4759770"/>
             <a:ext cx="197949" cy="115470"/>
           </a:xfrm>
           <a:custGeom>
@@ -10375,7 +9931,7 @@
           <a:solidFill>
             <a:srgbClr val="F4F9F7"/>
           </a:solidFill>
-          <a:ln w="3175" cap="flat">
+          <a:ln w="6350" cap="flat">
             <a:solidFill>
               <a:schemeClr val="tx1"/>
             </a:solidFill>
@@ -10409,7 +9965,7 @@
         </p:nvSpPr>
         <p:spPr>
           <a:xfrm>
-            <a:off x="5756844" y="4668667"/>
+            <a:off x="5801198" y="4903522"/>
             <a:ext cx="197949" cy="115470"/>
           </a:xfrm>
           <a:custGeom>
@@ -10498,7 +10054,7 @@
           <a:solidFill>
             <a:srgbClr val="F4F9F7"/>
           </a:solidFill>
-          <a:ln w="3175" cap="flat">
+          <a:ln w="6350" cap="flat">
             <a:solidFill>
               <a:schemeClr val="tx1"/>
             </a:solidFill>
@@ -10532,7 +10088,7 @@
         </p:nvSpPr>
         <p:spPr>
           <a:xfrm>
-            <a:off x="5532131" y="4676136"/>
+            <a:off x="5566709" y="4988933"/>
             <a:ext cx="197949" cy="115470"/>
           </a:xfrm>
           <a:custGeom>
@@ -10621,7 +10177,7 @@
           <a:solidFill>
             <a:srgbClr val="F4F9F7"/>
           </a:solidFill>
-          <a:ln w="3175" cap="flat">
+          <a:ln w="6350" cap="flat">
             <a:solidFill>
               <a:schemeClr val="tx1"/>
             </a:solidFill>
@@ -10655,7 +10211,7 @@
         </p:nvSpPr>
         <p:spPr>
           <a:xfrm>
-            <a:off x="5323436" y="4647065"/>
+            <a:off x="5374828" y="4896156"/>
             <a:ext cx="197949" cy="115470"/>
           </a:xfrm>
           <a:custGeom>
@@ -10744,7 +10300,7 @@
           <a:solidFill>
             <a:srgbClr val="F4F9F7"/>
           </a:solidFill>
-          <a:ln w="3175" cap="flat">
+          <a:ln w="6350" cap="flat">
             <a:solidFill>
               <a:schemeClr val="tx1"/>
             </a:solidFill>
@@ -10772,161 +10328,13 @@
       </p:sp>
       <p:sp>
         <p:nvSpPr>
-          <p:cNvPr id="314" name="ConnectLine"/>
-          <p:cNvSpPr/>
-          <p:nvPr/>
-        </p:nvSpPr>
-        <p:spPr>
-          <a:xfrm flipV="1">
-            <a:off x="5574206" y="4461794"/>
-            <a:ext cx="333951" cy="141920"/>
-          </a:xfrm>
-          <a:custGeom>
-            <a:avLst/>
-            <a:gdLst/>
-            <a:ahLst/>
-            <a:cxnLst/>
-            <a:rect l="l" t="t" r="r" b="b"/>
-            <a:pathLst>
-              <a:path w="337082" h="331207" fill="none">
-                <a:moveTo>
-                  <a:pt x="337082" y="0"/>
-                </a:moveTo>
-                <a:lnTo>
-                  <a:pt x="0" y="331207"/>
-                </a:lnTo>
-              </a:path>
-            </a:pathLst>
-          </a:custGeom>
-          <a:noFill/>
-          <a:ln w="3175" cap="flat">
-            <a:solidFill>
-              <a:schemeClr val="tx1"/>
-            </a:solidFill>
-            <a:miter/>
-          </a:ln>
-        </p:spPr>
-      </p:sp>
-      <p:sp>
-        <p:nvSpPr>
-          <p:cNvPr id="315" name="ConnectLine"/>
-          <p:cNvSpPr/>
-          <p:nvPr/>
-        </p:nvSpPr>
-        <p:spPr>
-          <a:xfrm flipV="1">
-            <a:off x="5574208" y="4462784"/>
-            <a:ext cx="264181" cy="205881"/>
-          </a:xfrm>
-          <a:custGeom>
-            <a:avLst/>
-            <a:gdLst/>
-            <a:ahLst/>
-            <a:cxnLst/>
-            <a:rect l="l" t="t" r="r" b="b"/>
-            <a:pathLst>
-              <a:path w="605318" h="411141" fill="none">
-                <a:moveTo>
-                  <a:pt x="605318" y="0"/>
-                </a:moveTo>
-                <a:lnTo>
-                  <a:pt x="0" y="411141"/>
-                </a:lnTo>
-              </a:path>
-            </a:pathLst>
-          </a:custGeom>
-          <a:noFill/>
-          <a:ln w="3175" cap="flat">
-            <a:solidFill>
-              <a:schemeClr val="tx1"/>
-            </a:solidFill>
-            <a:miter/>
-          </a:ln>
-        </p:spPr>
-      </p:sp>
-      <p:sp>
-        <p:nvSpPr>
-          <p:cNvPr id="316" name="ConnectLine"/>
-          <p:cNvSpPr/>
-          <p:nvPr/>
-        </p:nvSpPr>
-        <p:spPr>
-          <a:xfrm flipV="1">
-            <a:off x="5570580" y="4455178"/>
-            <a:ext cx="58051" cy="220957"/>
-          </a:xfrm>
-          <a:custGeom>
-            <a:avLst/>
-            <a:gdLst/>
-            <a:ahLst/>
-            <a:cxnLst/>
-            <a:rect l="l" t="t" r="r" b="b"/>
-            <a:pathLst>
-              <a:path w="1284847" h="210501" fill="none">
-                <a:moveTo>
-                  <a:pt x="1284847" y="0"/>
-                </a:moveTo>
-                <a:lnTo>
-                  <a:pt x="0" y="210501"/>
-                </a:lnTo>
-              </a:path>
-            </a:pathLst>
-          </a:custGeom>
-          <a:noFill/>
-          <a:ln w="3175" cap="flat">
-            <a:solidFill>
-              <a:schemeClr val="tx1"/>
-            </a:solidFill>
-            <a:miter/>
-          </a:ln>
-        </p:spPr>
-      </p:sp>
-      <p:sp>
-        <p:nvSpPr>
-          <p:cNvPr id="317" name="ConnectLine"/>
-          <p:cNvSpPr/>
-          <p:nvPr/>
-        </p:nvSpPr>
-        <p:spPr>
-          <a:xfrm flipH="1">
-            <a:off x="5419978" y="4455179"/>
-            <a:ext cx="147829" cy="198838"/>
-          </a:xfrm>
-          <a:custGeom>
-            <a:avLst/>
-            <a:gdLst/>
-            <a:ahLst/>
-            <a:cxnLst/>
-            <a:rect l="l" t="t" r="r" b="b"/>
-            <a:pathLst>
-              <a:path w="1064000" h="113616" fill="none">
-                <a:moveTo>
-                  <a:pt x="1064000" y="113616"/>
-                </a:moveTo>
-                <a:lnTo>
-                  <a:pt x="0" y="0"/>
-                </a:lnTo>
-              </a:path>
-            </a:pathLst>
-          </a:custGeom>
-          <a:noFill/>
-          <a:ln w="3175" cap="flat">
-            <a:solidFill>
-              <a:schemeClr val="tx1"/>
-            </a:solidFill>
-            <a:miter/>
-          </a:ln>
-        </p:spPr>
-      </p:sp>
-      <p:sp>
-        <p:nvSpPr>
           <p:cNvPr id="318" name="Freeform: Shape 317"/>
           <p:cNvSpPr/>
           <p:nvPr/>
         </p:nvSpPr>
         <p:spPr>
           <a:xfrm>
-            <a:off x="4560398" y="3763482"/>
+            <a:off x="4768422" y="3807201"/>
             <a:ext cx="319548" cy="186402"/>
           </a:xfrm>
           <a:custGeom>
@@ -10999,7 +10407,7 @@
           <a:solidFill>
             <a:srgbClr val="F4F9F7"/>
           </a:solidFill>
-          <a:ln w="3175" cap="flat">
+          <a:ln w="6350" cap="flat">
             <a:solidFill>
               <a:schemeClr val="tx1"/>
             </a:solidFill>
@@ -11052,198 +10460,13 @@
       </p:sp>
       <p:sp>
         <p:nvSpPr>
-          <p:cNvPr id="319" name="ConnectLine"/>
-          <p:cNvSpPr/>
-          <p:nvPr/>
-        </p:nvSpPr>
-        <p:spPr>
-          <a:xfrm>
-            <a:off x="5357200" y="3237655"/>
-            <a:ext cx="164185" cy="160540"/>
-          </a:xfrm>
-          <a:custGeom>
-            <a:avLst/>
-            <a:gdLst/>
-            <a:ahLst/>
-            <a:cxnLst/>
-            <a:rect l="l" t="t" r="r" b="b"/>
-            <a:pathLst>
-              <a:path w="501600" h="615600" fill="none">
-                <a:moveTo>
-                  <a:pt x="501600" y="615600"/>
-                </a:moveTo>
-                <a:lnTo>
-                  <a:pt x="0" y="0"/>
-                </a:lnTo>
-              </a:path>
-            </a:pathLst>
-          </a:custGeom>
-          <a:noFill/>
-          <a:ln w="3175" cap="flat">
-            <a:solidFill>
-              <a:schemeClr val="tx1"/>
-            </a:solidFill>
-            <a:miter/>
-          </a:ln>
-        </p:spPr>
-      </p:sp>
-      <p:sp>
-        <p:nvSpPr>
-          <p:cNvPr id="320" name="ConnectLine"/>
-          <p:cNvSpPr/>
-          <p:nvPr/>
-        </p:nvSpPr>
-        <p:spPr>
-          <a:xfrm>
-            <a:off x="5521388" y="3170021"/>
-            <a:ext cx="60521" cy="238278"/>
-          </a:xfrm>
-          <a:custGeom>
-            <a:avLst/>
-            <a:gdLst/>
-            <a:ahLst/>
-            <a:cxnLst/>
-            <a:rect l="l" t="t" r="r" b="b"/>
-            <a:pathLst>
-              <a:path w="533676" h="927200" fill="none">
-                <a:moveTo>
-                  <a:pt x="0" y="927200"/>
-                </a:moveTo>
-                <a:lnTo>
-                  <a:pt x="533676" y="0"/>
-                </a:lnTo>
-              </a:path>
-            </a:pathLst>
-          </a:custGeom>
-          <a:noFill/>
-          <a:ln w="3175" cap="flat">
-            <a:solidFill>
-              <a:schemeClr val="tx1"/>
-            </a:solidFill>
-            <a:miter/>
-          </a:ln>
-        </p:spPr>
-      </p:sp>
-      <p:sp>
-        <p:nvSpPr>
-          <p:cNvPr id="321" name="ConnectLine"/>
-          <p:cNvSpPr/>
-          <p:nvPr/>
-        </p:nvSpPr>
-        <p:spPr>
-          <a:xfrm>
-            <a:off x="5523840" y="3237655"/>
-            <a:ext cx="282777" cy="162421"/>
-          </a:xfrm>
-          <a:custGeom>
-            <a:avLst/>
-            <a:gdLst/>
-            <a:ahLst/>
-            <a:cxnLst/>
-            <a:rect l="l" t="t" r="r" b="b"/>
-            <a:pathLst>
-              <a:path w="1568953" h="615600" fill="none">
-                <a:moveTo>
-                  <a:pt x="0" y="615600"/>
-                </a:moveTo>
-                <a:lnTo>
-                  <a:pt x="1568953" y="0"/>
-                </a:lnTo>
-              </a:path>
-            </a:pathLst>
-          </a:custGeom>
-          <a:noFill/>
-          <a:ln w="3175" cap="flat">
-            <a:solidFill>
-              <a:schemeClr val="tx1"/>
-            </a:solidFill>
-            <a:miter/>
-          </a:ln>
-        </p:spPr>
-      </p:sp>
-      <p:sp>
-        <p:nvSpPr>
-          <p:cNvPr id="323" name="ConnectLine"/>
-          <p:cNvSpPr/>
-          <p:nvPr/>
-        </p:nvSpPr>
-        <p:spPr>
-          <a:xfrm>
-            <a:off x="5523841" y="3518692"/>
-            <a:ext cx="1650" cy="61694"/>
-          </a:xfrm>
-          <a:custGeom>
-            <a:avLst/>
-            <a:gdLst/>
-            <a:ahLst/>
-            <a:cxnLst/>
-            <a:rect l="l" t="t" r="r" b="b"/>
-            <a:pathLst>
-              <a:path w="7600" h="284237" fill="none">
-                <a:moveTo>
-                  <a:pt x="0" y="284237"/>
-                </a:moveTo>
-                <a:lnTo>
-                  <a:pt x="0" y="0"/>
-                </a:lnTo>
-              </a:path>
-            </a:pathLst>
-          </a:custGeom>
-          <a:noFill/>
-          <a:ln w="3175" cap="flat">
-            <a:solidFill>
-              <a:schemeClr val="tx1"/>
-            </a:solidFill>
-            <a:miter/>
-          </a:ln>
-        </p:spPr>
-      </p:sp>
-      <p:sp>
-        <p:nvSpPr>
-          <p:cNvPr id="325" name="ConnectLine"/>
-          <p:cNvSpPr/>
-          <p:nvPr/>
-        </p:nvSpPr>
-        <p:spPr>
-          <a:xfrm>
-            <a:off x="4875966" y="3855250"/>
-            <a:ext cx="552167" cy="109598"/>
-          </a:xfrm>
-          <a:custGeom>
-            <a:avLst/>
-            <a:gdLst/>
-            <a:ahLst/>
-            <a:cxnLst/>
-            <a:rect l="l" t="t" r="r" b="b"/>
-            <a:pathLst>
-              <a:path w="2184553" h="307808" fill="none">
-                <a:moveTo>
-                  <a:pt x="0" y="0"/>
-                </a:moveTo>
-                <a:lnTo>
-                  <a:pt x="2184553" y="307808"/>
-                </a:lnTo>
-              </a:path>
-            </a:pathLst>
-          </a:custGeom>
-          <a:noFill/>
-          <a:ln w="3175" cap="flat">
-            <a:solidFill>
-              <a:schemeClr val="tx1"/>
-            </a:solidFill>
-            <a:miter/>
-          </a:ln>
-        </p:spPr>
-      </p:sp>
-      <p:sp>
-        <p:nvSpPr>
           <p:cNvPr id="329" name="Freeform: Shape 328"/>
           <p:cNvSpPr/>
           <p:nvPr/>
         </p:nvSpPr>
         <p:spPr>
           <a:xfrm>
-            <a:off x="3556926" y="4704667"/>
+            <a:off x="3240062" y="4719181"/>
             <a:ext cx="197949" cy="115470"/>
           </a:xfrm>
           <a:custGeom>
@@ -11319,7 +10542,7 @@
               <a:lumOff val="60000"/>
             </a:schemeClr>
           </a:solidFill>
-          <a:ln w="3175" cap="flat">
+          <a:ln w="6350" cap="flat">
             <a:solidFill>
               <a:schemeClr val="tx1"/>
             </a:solidFill>
@@ -11353,7 +10576,7 @@
         </p:nvSpPr>
         <p:spPr>
           <a:xfrm>
-            <a:off x="3267137" y="4811463"/>
+            <a:off x="2876699" y="4853161"/>
             <a:ext cx="197949" cy="115470"/>
           </a:xfrm>
           <a:custGeom>
@@ -11442,7 +10665,7 @@
           <a:solidFill>
             <a:srgbClr val="F4F9F7"/>
           </a:solidFill>
-          <a:ln w="3175" cap="flat">
+          <a:ln w="6350" cap="flat">
             <a:solidFill>
               <a:schemeClr val="tx1"/>
             </a:solidFill>
@@ -11476,7 +10699,7 @@
         </p:nvSpPr>
         <p:spPr>
           <a:xfrm>
-            <a:off x="3773268" y="4995076"/>
+            <a:off x="3240062" y="5119590"/>
             <a:ext cx="197949" cy="115470"/>
           </a:xfrm>
           <a:custGeom>
@@ -11565,7 +10788,7 @@
           <a:solidFill>
             <a:srgbClr val="F4F9F7"/>
           </a:solidFill>
-          <a:ln w="3175" cap="flat">
+          <a:ln w="6350" cap="flat">
             <a:solidFill>
               <a:schemeClr val="tx1"/>
             </a:solidFill>
@@ -11599,7 +10822,7 @@
         </p:nvSpPr>
         <p:spPr>
           <a:xfrm>
-            <a:off x="3551798" y="5009993"/>
+            <a:off x="3034960" y="5094817"/>
             <a:ext cx="197949" cy="115470"/>
           </a:xfrm>
           <a:custGeom>
@@ -11688,7 +10911,7 @@
           <a:solidFill>
             <a:srgbClr val="F4F9F7"/>
           </a:solidFill>
-          <a:ln w="3175" cap="flat">
+          <a:ln w="6350" cap="flat">
             <a:solidFill>
               <a:schemeClr val="tx1"/>
             </a:solidFill>
@@ -11722,7 +10945,7 @@
         </p:nvSpPr>
         <p:spPr>
           <a:xfrm>
-            <a:off x="3357575" y="4963225"/>
+            <a:off x="2901591" y="4996631"/>
             <a:ext cx="197949" cy="115470"/>
           </a:xfrm>
           <a:custGeom>
@@ -11811,7 +11034,7 @@
           <a:solidFill>
             <a:srgbClr val="F4F9F7"/>
           </a:solidFill>
-          <a:ln w="3175" cap="flat">
+          <a:ln w="6350" cap="flat">
             <a:solidFill>
               <a:schemeClr val="tx1"/>
             </a:solidFill>
@@ -11839,191 +11062,6 @@
       </p:sp>
       <p:sp>
         <p:nvSpPr>
-          <p:cNvPr id="337" name="ConnectLine"/>
-          <p:cNvSpPr/>
-          <p:nvPr/>
-        </p:nvSpPr>
-        <p:spPr>
-          <a:xfrm>
-            <a:off x="3465087" y="4820136"/>
-            <a:ext cx="190816" cy="49062"/>
-          </a:xfrm>
-          <a:custGeom>
-            <a:avLst/>
-            <a:gdLst/>
-            <a:ahLst/>
-            <a:cxnLst/>
-            <a:rect l="l" t="t" r="r" b="b"/>
-            <a:pathLst>
-              <a:path w="879132" h="226042" fill="none">
-                <a:moveTo>
-                  <a:pt x="879132" y="0"/>
-                </a:moveTo>
-                <a:lnTo>
-                  <a:pt x="0" y="226042"/>
-                </a:lnTo>
-              </a:path>
-            </a:pathLst>
-          </a:custGeom>
-          <a:noFill/>
-          <a:ln w="3175" cap="flat">
-            <a:solidFill>
-              <a:schemeClr val="tx1"/>
-            </a:solidFill>
-            <a:miter/>
-          </a:ln>
-        </p:spPr>
-      </p:sp>
-      <p:sp>
-        <p:nvSpPr>
-          <p:cNvPr id="339" name="ConnectLine"/>
-          <p:cNvSpPr/>
-          <p:nvPr/>
-        </p:nvSpPr>
-        <p:spPr>
-          <a:xfrm>
-            <a:off x="3655900" y="4820135"/>
-            <a:ext cx="1650" cy="188794"/>
-          </a:xfrm>
-          <a:custGeom>
-            <a:avLst/>
-            <a:gdLst/>
-            <a:ahLst/>
-            <a:cxnLst/>
-            <a:rect l="l" t="t" r="r" b="b"/>
-            <a:pathLst>
-              <a:path w="7600" h="869822" fill="none">
-                <a:moveTo>
-                  <a:pt x="0" y="0"/>
-                </a:moveTo>
-                <a:lnTo>
-                  <a:pt x="0" y="869822"/>
-                </a:lnTo>
-              </a:path>
-            </a:pathLst>
-          </a:custGeom>
-          <a:noFill/>
-          <a:ln w="3175" cap="flat">
-            <a:solidFill>
-              <a:schemeClr val="tx1"/>
-            </a:solidFill>
-            <a:miter/>
-          </a:ln>
-        </p:spPr>
-      </p:sp>
-      <p:sp>
-        <p:nvSpPr>
-          <p:cNvPr id="340" name="ConnectLine"/>
-          <p:cNvSpPr/>
-          <p:nvPr/>
-        </p:nvSpPr>
-        <p:spPr>
-          <a:xfrm>
-            <a:off x="3456550" y="4820136"/>
-            <a:ext cx="199352" cy="143088"/>
-          </a:xfrm>
-          <a:custGeom>
-            <a:avLst/>
-            <a:gdLst/>
-            <a:ahLst/>
-            <a:cxnLst/>
-            <a:rect l="l" t="t" r="r" b="b"/>
-            <a:pathLst>
-              <a:path w="918465" h="659242" fill="none">
-                <a:moveTo>
-                  <a:pt x="918465" y="0"/>
-                </a:moveTo>
-                <a:lnTo>
-                  <a:pt x="0" y="659242"/>
-                </a:lnTo>
-              </a:path>
-            </a:pathLst>
-          </a:custGeom>
-          <a:noFill/>
-          <a:ln w="3175" cap="flat">
-            <a:solidFill>
-              <a:schemeClr val="tx1"/>
-            </a:solidFill>
-            <a:miter/>
-          </a:ln>
-        </p:spPr>
-      </p:sp>
-      <p:sp>
-        <p:nvSpPr>
-          <p:cNvPr id="341" name="ConnectLine"/>
-          <p:cNvSpPr/>
-          <p:nvPr/>
-        </p:nvSpPr>
-        <p:spPr>
-          <a:xfrm>
-            <a:off x="3655902" y="4820137"/>
-            <a:ext cx="216342" cy="174938"/>
-          </a:xfrm>
-          <a:custGeom>
-            <a:avLst/>
-            <a:gdLst/>
-            <a:ahLst/>
-            <a:cxnLst/>
-            <a:rect l="l" t="t" r="r" b="b"/>
-            <a:pathLst>
-              <a:path w="996735" h="805985" fill="none">
-                <a:moveTo>
-                  <a:pt x="0" y="0"/>
-                </a:moveTo>
-                <a:lnTo>
-                  <a:pt x="996735" y="805985"/>
-                </a:lnTo>
-              </a:path>
-            </a:pathLst>
-          </a:custGeom>
-          <a:noFill/>
-          <a:ln w="3175" cap="flat">
-            <a:solidFill>
-              <a:schemeClr val="tx1"/>
-            </a:solidFill>
-            <a:miter/>
-          </a:ln>
-        </p:spPr>
-      </p:sp>
-      <p:sp>
-        <p:nvSpPr>
-          <p:cNvPr id="343" name="ConnectLine"/>
-          <p:cNvSpPr/>
-          <p:nvPr/>
-        </p:nvSpPr>
-        <p:spPr>
-          <a:xfrm>
-            <a:off x="4457779" y="4719185"/>
-            <a:ext cx="280935" cy="93339"/>
-          </a:xfrm>
-          <a:custGeom>
-            <a:avLst/>
-            <a:gdLst/>
-            <a:ahLst/>
-            <a:cxnLst/>
-            <a:rect l="l" t="t" r="r" b="b"/>
-            <a:pathLst>
-              <a:path w="1246400" h="422259" fill="none">
-                <a:moveTo>
-                  <a:pt x="0" y="422259"/>
-                </a:moveTo>
-                <a:lnTo>
-                  <a:pt x="1246400" y="0"/>
-                </a:lnTo>
-              </a:path>
-            </a:pathLst>
-          </a:custGeom>
-          <a:noFill/>
-          <a:ln w="3175" cap="flat">
-            <a:solidFill>
-              <a:schemeClr val="tx1"/>
-            </a:solidFill>
-            <a:miter/>
-          </a:ln>
-        </p:spPr>
-      </p:sp>
-      <p:sp>
-        <p:nvSpPr>
           <p:cNvPr id="2" name="Attribute">
             <a:extLst>
               <a:ext uri="{FF2B5EF4-FFF2-40B4-BE49-F238E27FC236}">
@@ -12036,7 +11074,7 @@
         </p:nvSpPr>
         <p:spPr>
           <a:xfrm>
-            <a:off x="3945075" y="4902815"/>
+            <a:off x="3443202" y="5070112"/>
             <a:ext cx="197949" cy="115470"/>
           </a:xfrm>
           <a:custGeom>
@@ -12125,7 +11163,7 @@
           <a:solidFill>
             <a:srgbClr val="F4F9F7"/>
           </a:solidFill>
-          <a:ln w="3175" cap="flat">
+          <a:ln w="6350" cap="flat">
             <a:solidFill>
               <a:schemeClr val="tx1"/>
             </a:solidFill>
@@ -12173,7 +11211,7 @@
         </p:nvSpPr>
         <p:spPr>
           <a:xfrm>
-            <a:off x="3880614" y="4755077"/>
+            <a:off x="3546835" y="4946385"/>
             <a:ext cx="197949" cy="115470"/>
           </a:xfrm>
           <a:custGeom>
@@ -12262,7 +11300,7 @@
           <a:solidFill>
             <a:srgbClr val="F4F9F7"/>
           </a:solidFill>
-          <a:ln w="3175" cap="flat">
+          <a:ln w="6350" cap="flat">
             <a:solidFill>
               <a:schemeClr val="tx1"/>
             </a:solidFill>
@@ -12296,92 +11334,6 @@
           </a:p>
         </p:txBody>
       </p:sp>
-      <p:cxnSp>
-        <p:nvCxnSpPr>
-          <p:cNvPr id="5" name="Straight Connector 4">
-            <a:extLst>
-              <a:ext uri="{FF2B5EF4-FFF2-40B4-BE49-F238E27FC236}">
-                <a16:creationId xmlns:a16="http://schemas.microsoft.com/office/drawing/2014/main" id="{D7D1847D-89BF-9607-1D08-BFBE5EEAB96E}"/>
-              </a:ext>
-            </a:extLst>
-          </p:cNvPr>
-          <p:cNvCxnSpPr>
-            <a:endCxn id="2" idx="0"/>
-          </p:cNvCxnSpPr>
-          <p:nvPr/>
-        </p:nvCxnSpPr>
-        <p:spPr>
-          <a:xfrm>
-            <a:off x="3655899" y="4820135"/>
-            <a:ext cx="289172" cy="140412"/>
-          </a:xfrm>
-          <a:prstGeom prst="line">
-            <a:avLst/>
-          </a:prstGeom>
-          <a:ln w="3175">
-            <a:solidFill>
-              <a:schemeClr val="tx1"/>
-            </a:solidFill>
-          </a:ln>
-        </p:spPr>
-        <p:style>
-          <a:lnRef idx="1">
-            <a:schemeClr val="dk1"/>
-          </a:lnRef>
-          <a:fillRef idx="0">
-            <a:schemeClr val="dk1"/>
-          </a:fillRef>
-          <a:effectRef idx="0">
-            <a:schemeClr val="dk1"/>
-          </a:effectRef>
-          <a:fontRef idx="minor">
-            <a:schemeClr val="tx1"/>
-          </a:fontRef>
-        </p:style>
-      </p:cxnSp>
-      <p:cxnSp>
-        <p:nvCxnSpPr>
-          <p:cNvPr id="7" name="Straight Connector 6">
-            <a:extLst>
-              <a:ext uri="{FF2B5EF4-FFF2-40B4-BE49-F238E27FC236}">
-                <a16:creationId xmlns:a16="http://schemas.microsoft.com/office/drawing/2014/main" id="{3FFD3022-74CE-C490-A280-235E3B8A90EA}"/>
-              </a:ext>
-            </a:extLst>
-          </p:cNvPr>
-          <p:cNvCxnSpPr>
-            <a:endCxn id="3" idx="3"/>
-          </p:cNvCxnSpPr>
-          <p:nvPr/>
-        </p:nvCxnSpPr>
-        <p:spPr>
-          <a:xfrm>
-            <a:off x="3646277" y="4820135"/>
-            <a:ext cx="333309" cy="50412"/>
-          </a:xfrm>
-          <a:prstGeom prst="line">
-            <a:avLst/>
-          </a:prstGeom>
-          <a:ln w="3175">
-            <a:solidFill>
-              <a:schemeClr val="tx1"/>
-            </a:solidFill>
-          </a:ln>
-        </p:spPr>
-        <p:style>
-          <a:lnRef idx="1">
-            <a:schemeClr val="dk1"/>
-          </a:lnRef>
-          <a:fillRef idx="0">
-            <a:schemeClr val="dk1"/>
-          </a:fillRef>
-          <a:effectRef idx="0">
-            <a:schemeClr val="dk1"/>
-          </a:effectRef>
-          <a:fontRef idx="minor">
-            <a:schemeClr val="tx1"/>
-          </a:fontRef>
-        </p:style>
-      </p:cxnSp>
       <p:sp>
         <p:nvSpPr>
           <p:cNvPr id="8" name="Freeform: Shape 7">
@@ -12396,7 +11348,7 @@
         </p:nvSpPr>
         <p:spPr>
           <a:xfrm>
-            <a:off x="3573266" y="4295214"/>
+            <a:off x="3667137" y="4546001"/>
             <a:ext cx="197949" cy="115470"/>
           </a:xfrm>
           <a:custGeom>
@@ -12469,7 +11421,7 @@
           <a:solidFill>
             <a:srgbClr val="F4F9F7"/>
           </a:solidFill>
-          <a:ln w="3175" cap="flat">
+          <a:ln w="6350" cap="flat">
             <a:solidFill>
               <a:schemeClr val="tx1"/>
             </a:solidFill>
@@ -12495,229 +11447,6 @@
           </a:p>
         </p:txBody>
       </p:sp>
-      <p:cxnSp>
-        <p:nvCxnSpPr>
-          <p:cNvPr id="10" name="Straight Connector 9">
-            <a:extLst>
-              <a:ext uri="{FF2B5EF4-FFF2-40B4-BE49-F238E27FC236}">
-                <a16:creationId xmlns:a16="http://schemas.microsoft.com/office/drawing/2014/main" id="{EBDE6E1B-B40D-56D2-1264-68F2A5C471E1}"/>
-              </a:ext>
-            </a:extLst>
-          </p:cNvPr>
-          <p:cNvCxnSpPr>
-            <a:cxnSpLocks/>
-            <a:stCxn id="251" idx="0"/>
-            <a:endCxn id="8" idx="2"/>
-          </p:cNvCxnSpPr>
-          <p:nvPr/>
-        </p:nvCxnSpPr>
-        <p:spPr>
-          <a:xfrm flipH="1" flipV="1">
-            <a:off x="3771215" y="4352949"/>
-            <a:ext cx="868524" cy="308501"/>
-          </a:xfrm>
-          <a:prstGeom prst="line">
-            <a:avLst/>
-          </a:prstGeom>
-          <a:ln w="3175">
-            <a:solidFill>
-              <a:schemeClr val="tx1"/>
-            </a:solidFill>
-          </a:ln>
-        </p:spPr>
-        <p:style>
-          <a:lnRef idx="1">
-            <a:schemeClr val="dk1"/>
-          </a:lnRef>
-          <a:fillRef idx="0">
-            <a:schemeClr val="dk1"/>
-          </a:fillRef>
-          <a:effectRef idx="0">
-            <a:schemeClr val="dk1"/>
-          </a:effectRef>
-          <a:fontRef idx="minor">
-            <a:schemeClr val="tx1"/>
-          </a:fontRef>
-        </p:style>
-      </p:cxnSp>
-      <p:cxnSp>
-        <p:nvCxnSpPr>
-          <p:cNvPr id="12" name="Straight Connector 11">
-            <a:extLst>
-              <a:ext uri="{FF2B5EF4-FFF2-40B4-BE49-F238E27FC236}">
-                <a16:creationId xmlns:a16="http://schemas.microsoft.com/office/drawing/2014/main" id="{39DD6CA3-287B-32F2-FB63-9A3622EF80D5}"/>
-              </a:ext>
-            </a:extLst>
-          </p:cNvPr>
-          <p:cNvCxnSpPr>
-            <a:cxnSpLocks/>
-            <a:stCxn id="200" idx="2"/>
-            <a:endCxn id="8" idx="0"/>
-          </p:cNvCxnSpPr>
-          <p:nvPr/>
-        </p:nvCxnSpPr>
-        <p:spPr>
-          <a:xfrm>
-            <a:off x="3468897" y="4347201"/>
-            <a:ext cx="104369" cy="5748"/>
-          </a:xfrm>
-          <a:prstGeom prst="line">
-            <a:avLst/>
-          </a:prstGeom>
-          <a:ln w="3175">
-            <a:solidFill>
-              <a:schemeClr val="tx1"/>
-            </a:solidFill>
-          </a:ln>
-        </p:spPr>
-        <p:style>
-          <a:lnRef idx="1">
-            <a:schemeClr val="dk1"/>
-          </a:lnRef>
-          <a:fillRef idx="0">
-            <a:schemeClr val="dk1"/>
-          </a:fillRef>
-          <a:effectRef idx="0">
-            <a:schemeClr val="dk1"/>
-          </a:effectRef>
-          <a:fontRef idx="minor">
-            <a:schemeClr val="tx1"/>
-          </a:fontRef>
-        </p:style>
-      </p:cxnSp>
-      <p:cxnSp>
-        <p:nvCxnSpPr>
-          <p:cNvPr id="14" name="Straight Connector 13">
-            <a:extLst>
-              <a:ext uri="{FF2B5EF4-FFF2-40B4-BE49-F238E27FC236}">
-                <a16:creationId xmlns:a16="http://schemas.microsoft.com/office/drawing/2014/main" id="{BC2EA885-99A6-FD67-6F1E-C1511B6BCAA8}"/>
-              </a:ext>
-            </a:extLst>
-          </p:cNvPr>
-          <p:cNvCxnSpPr>
-            <a:cxnSpLocks/>
-            <a:stCxn id="8" idx="3"/>
-            <a:endCxn id="329" idx="1"/>
-          </p:cNvCxnSpPr>
-          <p:nvPr/>
-        </p:nvCxnSpPr>
-        <p:spPr>
-          <a:xfrm flipH="1">
-            <a:off x="3655901" y="4410684"/>
-            <a:ext cx="16340" cy="293983"/>
-          </a:xfrm>
-          <a:prstGeom prst="line">
-            <a:avLst/>
-          </a:prstGeom>
-          <a:ln w="3175">
-            <a:solidFill>
-              <a:schemeClr val="tx1"/>
-            </a:solidFill>
-          </a:ln>
-        </p:spPr>
-        <p:style>
-          <a:lnRef idx="1">
-            <a:schemeClr val="dk1"/>
-          </a:lnRef>
-          <a:fillRef idx="0">
-            <a:schemeClr val="dk1"/>
-          </a:fillRef>
-          <a:effectRef idx="0">
-            <a:schemeClr val="dk1"/>
-          </a:effectRef>
-          <a:fontRef idx="minor">
-            <a:schemeClr val="tx1"/>
-          </a:fontRef>
-        </p:style>
-      </p:cxnSp>
-      <p:cxnSp>
-        <p:nvCxnSpPr>
-          <p:cNvPr id="20" name="Straight Connector 19">
-            <a:extLst>
-              <a:ext uri="{FF2B5EF4-FFF2-40B4-BE49-F238E27FC236}">
-                <a16:creationId xmlns:a16="http://schemas.microsoft.com/office/drawing/2014/main" id="{BE55D2A6-AB29-6255-E67D-515782870C73}"/>
-              </a:ext>
-            </a:extLst>
-          </p:cNvPr>
-          <p:cNvCxnSpPr>
-            <a:cxnSpLocks/>
-            <a:stCxn id="110" idx="3"/>
-          </p:cNvCxnSpPr>
-          <p:nvPr/>
-        </p:nvCxnSpPr>
-        <p:spPr>
-          <a:xfrm>
-            <a:off x="4070038" y="4206790"/>
-            <a:ext cx="649030" cy="217915"/>
-          </a:xfrm>
-          <a:prstGeom prst="line">
-            <a:avLst/>
-          </a:prstGeom>
-          <a:ln w="3175">
-            <a:solidFill>
-              <a:schemeClr val="tx1"/>
-            </a:solidFill>
-          </a:ln>
-        </p:spPr>
-        <p:style>
-          <a:lnRef idx="1">
-            <a:schemeClr val="dk1"/>
-          </a:lnRef>
-          <a:fillRef idx="0">
-            <a:schemeClr val="dk1"/>
-          </a:fillRef>
-          <a:effectRef idx="0">
-            <a:schemeClr val="dk1"/>
-          </a:effectRef>
-          <a:fontRef idx="minor">
-            <a:schemeClr val="tx1"/>
-          </a:fontRef>
-        </p:style>
-      </p:cxnSp>
-      <p:cxnSp>
-        <p:nvCxnSpPr>
-          <p:cNvPr id="22" name="Straight Connector 21">
-            <a:extLst>
-              <a:ext uri="{FF2B5EF4-FFF2-40B4-BE49-F238E27FC236}">
-                <a16:creationId xmlns:a16="http://schemas.microsoft.com/office/drawing/2014/main" id="{C83C3926-A9C1-805F-7F9F-5AEB1C0A9BF8}"/>
-              </a:ext>
-            </a:extLst>
-          </p:cNvPr>
-          <p:cNvCxnSpPr>
-            <a:stCxn id="306" idx="3"/>
-            <a:endCxn id="307" idx="1"/>
-          </p:cNvCxnSpPr>
-          <p:nvPr/>
-        </p:nvCxnSpPr>
-        <p:spPr>
-          <a:xfrm flipH="1">
-            <a:off x="5306975" y="4455375"/>
-            <a:ext cx="267234" cy="76220"/>
-          </a:xfrm>
-          <a:prstGeom prst="line">
-            <a:avLst/>
-          </a:prstGeom>
-          <a:ln w="3175">
-            <a:solidFill>
-              <a:schemeClr val="tx1"/>
-            </a:solidFill>
-          </a:ln>
-        </p:spPr>
-        <p:style>
-          <a:lnRef idx="1">
-            <a:schemeClr val="dk1"/>
-          </a:lnRef>
-          <a:fillRef idx="0">
-            <a:schemeClr val="dk1"/>
-          </a:fillRef>
-          <a:effectRef idx="0">
-            <a:schemeClr val="dk1"/>
-          </a:effectRef>
-          <a:fontRef idx="minor">
-            <a:schemeClr val="tx1"/>
-          </a:fontRef>
-        </p:style>
-      </p:cxnSp>
       <p:sp>
         <p:nvSpPr>
           <p:cNvPr id="24" name="Freeform: Shape 23">
@@ -12732,7 +11461,7 @@
         </p:nvSpPr>
         <p:spPr>
           <a:xfrm>
-            <a:off x="5475234" y="4158479"/>
+            <a:off x="5592989" y="4325352"/>
             <a:ext cx="197949" cy="115470"/>
           </a:xfrm>
           <a:custGeom>
@@ -12805,7 +11534,7 @@
           <a:solidFill>
             <a:srgbClr val="F4F9F7"/>
           </a:solidFill>
-          <a:ln w="3175" cap="flat">
+          <a:ln w="6350" cap="flat">
             <a:solidFill>
               <a:schemeClr val="tx1"/>
             </a:solidFill>
@@ -12845,7 +11574,7 @@
         </p:nvSpPr>
         <p:spPr>
           <a:xfrm>
-            <a:off x="5149164" y="4021538"/>
+            <a:off x="5194452" y="4052094"/>
             <a:ext cx="197949" cy="115470"/>
           </a:xfrm>
           <a:custGeom>
@@ -12918,7 +11647,7 @@
           <a:solidFill>
             <a:srgbClr val="F4F9F7"/>
           </a:solidFill>
-          <a:ln w="3175" cap="flat">
+          <a:ln w="6350" cap="flat">
             <a:solidFill>
               <a:schemeClr val="tx1"/>
             </a:solidFill>
@@ -12969,14 +11698,14 @@
         </p:nvCxnSpPr>
         <p:spPr>
           <a:xfrm>
-            <a:off x="4971456" y="4075389"/>
+            <a:off x="5020634" y="4107867"/>
             <a:ext cx="179128" cy="3570"/>
           </a:xfrm>
           <a:prstGeom prst="line">
             <a:avLst/>
           </a:prstGeom>
           <a:noFill/>
-          <a:ln w="3175" cap="flat">
+          <a:ln w="6350" cap="flat">
             <a:solidFill>
               <a:schemeClr val="tx1"/>
             </a:solidFill>
@@ -13001,47 +11730,15 @@
           <p:nvPr/>
         </p:nvCxnSpPr>
         <p:spPr>
-          <a:xfrm flipH="1">
-            <a:off x="4070038" y="3912990"/>
-            <a:ext cx="3795" cy="100764"/>
+          <a:xfrm>
+            <a:off x="4073833" y="3912990"/>
+            <a:ext cx="2578" cy="78568"/>
           </a:xfrm>
           <a:prstGeom prst="line">
             <a:avLst/>
           </a:prstGeom>
           <a:noFill/>
-          <a:ln w="3175" cap="flat">
-            <a:solidFill>
-              <a:schemeClr val="tx1"/>
-            </a:solidFill>
-            <a:miter/>
-          </a:ln>
-        </p:spPr>
-      </p:cxnSp>
-      <p:cxnSp>
-        <p:nvCxnSpPr>
-          <p:cNvPr id="35" name="Straight Connector 34">
-            <a:extLst>
-              <a:ext uri="{FF2B5EF4-FFF2-40B4-BE49-F238E27FC236}">
-                <a16:creationId xmlns:a16="http://schemas.microsoft.com/office/drawing/2014/main" id="{AE151F05-98D0-1E40-6985-B7009ACF0EE1}"/>
-              </a:ext>
-            </a:extLst>
-          </p:cNvPr>
-          <p:cNvCxnSpPr>
-            <a:cxnSpLocks/>
-            <a:endCxn id="199" idx="2"/>
-          </p:cNvCxnSpPr>
-          <p:nvPr/>
-        </p:nvCxnSpPr>
-        <p:spPr>
-          <a:xfrm flipH="1" flipV="1">
-            <a:off x="3805452" y="4083587"/>
-            <a:ext cx="118827" cy="30848"/>
-          </a:xfrm>
-          <a:prstGeom prst="line">
-            <a:avLst/>
-          </a:prstGeom>
-          <a:noFill/>
-          <a:ln w="3175" cap="flat">
+          <a:ln w="6350" cap="flat">
             <a:solidFill>
               <a:schemeClr val="tx1"/>
             </a:solidFill>
@@ -13064,15 +11761,15 @@
           <p:nvPr/>
         </p:nvCxnSpPr>
         <p:spPr>
-          <a:xfrm flipV="1">
+          <a:xfrm flipH="1" flipV="1">
             <a:off x="3369923" y="4083587"/>
-            <a:ext cx="0" cy="154015"/>
+            <a:ext cx="6690" cy="162182"/>
           </a:xfrm>
           <a:prstGeom prst="line">
             <a:avLst/>
           </a:prstGeom>
           <a:noFill/>
-          <a:ln w="3175" cap="flat">
+          <a:ln w="6350" cap="flat">
             <a:solidFill>
               <a:schemeClr val="tx1"/>
             </a:solidFill>
@@ -13103,90 +11800,13 @@
             <a:avLst/>
           </a:prstGeom>
           <a:noFill/>
-          <a:ln w="3175" cap="flat">
+          <a:ln w="6350" cap="flat">
             <a:solidFill>
               <a:schemeClr val="tx1"/>
             </a:solidFill>
             <a:miter/>
           </a:ln>
         </p:spPr>
-      </p:cxnSp>
-      <p:cxnSp>
-        <p:nvCxnSpPr>
-          <p:cNvPr id="79" name="Straight Connector 78">
-            <a:extLst>
-              <a:ext uri="{FF2B5EF4-FFF2-40B4-BE49-F238E27FC236}">
-                <a16:creationId xmlns:a16="http://schemas.microsoft.com/office/drawing/2014/main" id="{3796D0B2-AEC5-C005-D8C7-88AF26F9D7F8}"/>
-              </a:ext>
-            </a:extLst>
-          </p:cNvPr>
-          <p:cNvCxnSpPr>
-            <a:cxnSpLocks/>
-            <a:stCxn id="294" idx="3"/>
-          </p:cNvCxnSpPr>
-          <p:nvPr/>
-        </p:nvCxnSpPr>
-        <p:spPr>
-          <a:xfrm>
-            <a:off x="5523842" y="3698533"/>
-            <a:ext cx="723" cy="125461"/>
-          </a:xfrm>
-          <a:prstGeom prst="line">
-            <a:avLst/>
-          </a:prstGeom>
-          <a:noFill/>
-          <a:ln w="3175" cap="flat">
-            <a:solidFill>
-              <a:schemeClr val="tx1"/>
-            </a:solidFill>
-            <a:miter/>
-          </a:ln>
-        </p:spPr>
-      </p:cxnSp>
-      <p:cxnSp>
-        <p:nvCxnSpPr>
-          <p:cNvPr id="86" name="Straight Connector 85">
-            <a:extLst>
-              <a:ext uri="{FF2B5EF4-FFF2-40B4-BE49-F238E27FC236}">
-                <a16:creationId xmlns:a16="http://schemas.microsoft.com/office/drawing/2014/main" id="{88BF6DEC-42B8-4A7D-0D51-93C1F1E2D7FB}"/>
-              </a:ext>
-            </a:extLst>
-          </p:cNvPr>
-          <p:cNvCxnSpPr>
-            <a:cxnSpLocks/>
-            <a:stCxn id="24" idx="3"/>
-            <a:endCxn id="306" idx="1"/>
-          </p:cNvCxnSpPr>
-          <p:nvPr/>
-        </p:nvCxnSpPr>
-        <p:spPr>
-          <a:xfrm>
-            <a:off x="5574209" y="4273949"/>
-            <a:ext cx="0" cy="65956"/>
-          </a:xfrm>
-          <a:prstGeom prst="line">
-            <a:avLst/>
-          </a:prstGeom>
-          <a:ln w="3175">
-            <a:solidFill>
-              <a:schemeClr val="tx1"/>
-            </a:solidFill>
-          </a:ln>
-        </p:spPr>
-        <p:style>
-          <a:lnRef idx="1">
-            <a:schemeClr val="dk1"/>
-          </a:lnRef>
-          <a:fillRef idx="0">
-            <a:schemeClr val="dk1"/>
-          </a:fillRef>
-          <a:effectRef idx="0">
-            <a:schemeClr val="dk1"/>
-          </a:effectRef>
-          <a:fontRef idx="minor">
-            <a:schemeClr val="tx1"/>
-          </a:fontRef>
-        </p:style>
       </p:cxnSp>
       <p:cxnSp>
         <p:nvCxnSpPr>
@@ -13206,13 +11826,13 @@
         <p:spPr>
           <a:xfrm>
             <a:off x="4172807" y="3855255"/>
-            <a:ext cx="387591" cy="1428"/>
+            <a:ext cx="595615" cy="45147"/>
           </a:xfrm>
           <a:prstGeom prst="line">
             <a:avLst/>
           </a:prstGeom>
           <a:noFill/>
-          <a:ln w="3175" cap="flat">
+          <a:ln w="6350" cap="flat">
             <a:solidFill>
               <a:schemeClr val="tx1"/>
             </a:solidFill>
@@ -13230,6 +11850,7 @@
             </a:extLst>
           </p:cNvPr>
           <p:cNvCxnSpPr>
+            <a:cxnSpLocks/>
             <a:stCxn id="274" idx="3"/>
             <a:endCxn id="297" idx="1"/>
           </p:cNvCxnSpPr>
@@ -13237,14 +11858,14 @@
         </p:nvCxnSpPr>
         <p:spPr>
           <a:xfrm>
-            <a:off x="4946459" y="3575817"/>
-            <a:ext cx="6773" cy="70784"/>
+            <a:off x="5709790" y="3443651"/>
+            <a:ext cx="0" cy="62301"/>
           </a:xfrm>
           <a:prstGeom prst="line">
             <a:avLst/>
           </a:prstGeom>
           <a:noFill/>
-          <a:ln w="3175" cap="flat">
+          <a:ln w="6350" cap="flat">
             <a:solidFill>
               <a:schemeClr val="tx1"/>
             </a:solidFill>
@@ -13252,181 +11873,6 @@
           </a:ln>
         </p:spPr>
       </p:cxnSp>
-      <p:cxnSp>
-        <p:nvCxnSpPr>
-          <p:cNvPr id="121" name="Straight Connector 120">
-            <a:extLst>
-              <a:ext uri="{FF2B5EF4-FFF2-40B4-BE49-F238E27FC236}">
-                <a16:creationId xmlns:a16="http://schemas.microsoft.com/office/drawing/2014/main" id="{88ECE3AB-03EF-B017-981A-CD2AC3F459F1}"/>
-              </a:ext>
-            </a:extLst>
-          </p:cNvPr>
-          <p:cNvCxnSpPr/>
-          <p:nvPr/>
-        </p:nvCxnSpPr>
-        <p:spPr>
-          <a:xfrm>
-            <a:off x="5411146" y="3908748"/>
-            <a:ext cx="0" cy="29732"/>
-          </a:xfrm>
-          <a:prstGeom prst="line">
-            <a:avLst/>
-          </a:prstGeom>
-        </p:spPr>
-        <p:style>
-          <a:lnRef idx="1">
-            <a:schemeClr val="accent1"/>
-          </a:lnRef>
-          <a:fillRef idx="0">
-            <a:schemeClr val="accent1"/>
-          </a:fillRef>
-          <a:effectRef idx="0">
-            <a:schemeClr val="accent1"/>
-          </a:effectRef>
-          <a:fontRef idx="minor">
-            <a:schemeClr val="tx1"/>
-          </a:fontRef>
-        </p:style>
-      </p:cxnSp>
-      <p:cxnSp>
-        <p:nvCxnSpPr>
-          <p:cNvPr id="122" name="Straight Connector 121">
-            <a:extLst>
-              <a:ext uri="{FF2B5EF4-FFF2-40B4-BE49-F238E27FC236}">
-                <a16:creationId xmlns:a16="http://schemas.microsoft.com/office/drawing/2014/main" id="{061C142A-1D74-427F-57F1-FD79D6F846C4}"/>
-              </a:ext>
-            </a:extLst>
-          </p:cNvPr>
-          <p:cNvCxnSpPr/>
-          <p:nvPr/>
-        </p:nvCxnSpPr>
-        <p:spPr>
-          <a:xfrm>
-            <a:off x="5407329" y="3949884"/>
-            <a:ext cx="0" cy="29732"/>
-          </a:xfrm>
-          <a:prstGeom prst="line">
-            <a:avLst/>
-          </a:prstGeom>
-        </p:spPr>
-        <p:style>
-          <a:lnRef idx="1">
-            <a:schemeClr val="accent1"/>
-          </a:lnRef>
-          <a:fillRef idx="0">
-            <a:schemeClr val="accent1"/>
-          </a:fillRef>
-          <a:effectRef idx="0">
-            <a:schemeClr val="accent1"/>
-          </a:effectRef>
-          <a:fontRef idx="minor">
-            <a:schemeClr val="tx1"/>
-          </a:fontRef>
-        </p:style>
-      </p:cxnSp>
-      <p:cxnSp>
-        <p:nvCxnSpPr>
-          <p:cNvPr id="123" name="Straight Connector 122">
-            <a:extLst>
-              <a:ext uri="{FF2B5EF4-FFF2-40B4-BE49-F238E27FC236}">
-                <a16:creationId xmlns:a16="http://schemas.microsoft.com/office/drawing/2014/main" id="{CE0DA4D5-9370-077C-3394-183C51CA6FCF}"/>
-              </a:ext>
-            </a:extLst>
-          </p:cNvPr>
-          <p:cNvCxnSpPr>
-            <a:cxnSpLocks/>
-          </p:cNvCxnSpPr>
-          <p:nvPr/>
-        </p:nvCxnSpPr>
-        <p:spPr>
-          <a:xfrm flipH="1">
-            <a:off x="5506922" y="3530845"/>
-            <a:ext cx="28926" cy="0"/>
-          </a:xfrm>
-          <a:prstGeom prst="line">
-            <a:avLst/>
-          </a:prstGeom>
-        </p:spPr>
-        <p:style>
-          <a:lnRef idx="1">
-            <a:schemeClr val="accent1"/>
-          </a:lnRef>
-          <a:fillRef idx="0">
-            <a:schemeClr val="accent1"/>
-          </a:fillRef>
-          <a:effectRef idx="0">
-            <a:schemeClr val="accent1"/>
-          </a:effectRef>
-          <a:fontRef idx="minor">
-            <a:schemeClr val="tx1"/>
-          </a:fontRef>
-        </p:style>
-      </p:cxnSp>
-      <p:sp>
-        <p:nvSpPr>
-          <p:cNvPr id="142" name="Freeform: Shape 141">
-            <a:extLst>
-              <a:ext uri="{FF2B5EF4-FFF2-40B4-BE49-F238E27FC236}">
-                <a16:creationId xmlns:a16="http://schemas.microsoft.com/office/drawing/2014/main" id="{086F8018-7CEC-F4A0-D987-CEE476E89753}"/>
-              </a:ext>
-            </a:extLst>
-          </p:cNvPr>
-          <p:cNvSpPr/>
-          <p:nvPr/>
-        </p:nvSpPr>
-        <p:spPr>
-          <a:xfrm>
-            <a:off x="5570580" y="3988594"/>
-            <a:ext cx="8689" cy="169069"/>
-          </a:xfrm>
-          <a:custGeom>
-            <a:avLst/>
-            <a:gdLst>
-              <a:gd name="connsiteX0" fmla="*/ 1545 w 8689"/>
-              <a:gd name="connsiteY0" fmla="*/ 0 h 169069"/>
-              <a:gd name="connsiteX1" fmla="*/ 8689 w 8689"/>
-              <a:gd name="connsiteY1" fmla="*/ 169069 h 169069"/>
-            </a:gdLst>
-            <a:ahLst/>
-            <a:cxnLst>
-              <a:cxn ang="0">
-                <a:pos x="connsiteX0" y="connsiteY0"/>
-              </a:cxn>
-              <a:cxn ang="0">
-                <a:pos x="connsiteX1" y="connsiteY1"/>
-              </a:cxn>
-            </a:cxnLst>
-            <a:rect l="l" t="t" r="r" b="b"/>
-            <a:pathLst>
-              <a:path w="8689" h="169069">
-                <a:moveTo>
-                  <a:pt x="1545" y="0"/>
-                </a:moveTo>
-                <a:cubicBezTo>
-                  <a:pt x="-440" y="73025"/>
-                  <a:pt x="-2424" y="146050"/>
-                  <a:pt x="8689" y="169069"/>
-                </a:cubicBezTo>
-              </a:path>
-            </a:pathLst>
-          </a:custGeom>
-          <a:noFill/>
-          <a:ln w="3175" cap="flat">
-            <a:solidFill>
-              <a:schemeClr val="tx1"/>
-            </a:solidFill>
-            <a:miter/>
-          </a:ln>
-        </p:spPr>
-        <p:txBody>
-          <a:bodyPr rtlCol="0" anchor="ctr"/>
-          <a:lstStyle/>
-          <a:p>
-            <a:pPr algn="ctr"/>
-            <a:endParaRPr lang="en-IN"/>
-          </a:p>
-        </p:txBody>
-      </p:sp>
       <p:cxnSp>
         <p:nvCxnSpPr>
           <p:cNvPr id="144" name="Straight Connector 143">
@@ -13445,13 +11891,13 @@
         <p:spPr>
           <a:xfrm>
             <a:off x="5523842" y="3989448"/>
-            <a:ext cx="4430" cy="71350"/>
+            <a:ext cx="0" cy="131591"/>
           </a:xfrm>
           <a:prstGeom prst="line">
             <a:avLst/>
           </a:prstGeom>
           <a:noFill/>
-          <a:ln w="3175" cap="flat">
+          <a:ln w="6350" cap="flat">
             <a:solidFill>
               <a:schemeClr val="tx1"/>
             </a:solidFill>
@@ -13475,15 +11921,15 @@
           <p:nvPr/>
         </p:nvCxnSpPr>
         <p:spPr>
-          <a:xfrm flipV="1">
-            <a:off x="5347113" y="4057228"/>
-            <a:ext cx="185018" cy="22045"/>
+          <a:xfrm>
+            <a:off x="5392401" y="4109829"/>
+            <a:ext cx="135656" cy="4606"/>
           </a:xfrm>
           <a:prstGeom prst="line">
             <a:avLst/>
           </a:prstGeom>
           <a:noFill/>
-          <a:ln w="3175" cap="flat">
+          <a:ln w="6350" cap="flat">
             <a:solidFill>
               <a:schemeClr val="tx1"/>
             </a:solidFill>
@@ -13501,19 +11947,23 @@
             </a:extLst>
           </p:cNvPr>
           <p:cNvCxnSpPr>
-            <a:stCxn id="142" idx="0"/>
-            <a:endCxn id="142" idx="0"/>
+            <a:cxnSpLocks/>
           </p:cNvCxnSpPr>
           <p:nvPr/>
         </p:nvCxnSpPr>
         <p:spPr>
           <a:xfrm>
-            <a:off x="5572125" y="3988594"/>
+            <a:off x="5578709" y="3988594"/>
             <a:ext cx="0" cy="0"/>
           </a:xfrm>
           <a:prstGeom prst="line">
             <a:avLst/>
           </a:prstGeom>
+          <a:ln w="6350">
+            <a:solidFill>
+              <a:schemeClr val="tx1"/>
+            </a:solidFill>
+          </a:ln>
         </p:spPr>
         <p:style>
           <a:lnRef idx="1">
@@ -13524,271 +11974,6 @@
           </a:fillRef>
           <a:effectRef idx="0">
             <a:schemeClr val="accent1"/>
-          </a:effectRef>
-          <a:fontRef idx="minor">
-            <a:schemeClr val="tx1"/>
-          </a:fontRef>
-        </p:style>
-      </p:cxnSp>
-      <p:cxnSp>
-        <p:nvCxnSpPr>
-          <p:cNvPr id="158" name="Straight Connector 157">
-            <a:extLst>
-              <a:ext uri="{FF2B5EF4-FFF2-40B4-BE49-F238E27FC236}">
-                <a16:creationId xmlns:a16="http://schemas.microsoft.com/office/drawing/2014/main" id="{9E283681-FC4B-B511-9FE9-7DAE05918963}"/>
-              </a:ext>
-            </a:extLst>
-          </p:cNvPr>
-          <p:cNvCxnSpPr>
-            <a:cxnSpLocks/>
-          </p:cNvCxnSpPr>
-          <p:nvPr/>
-        </p:nvCxnSpPr>
-        <p:spPr>
-          <a:xfrm flipH="1">
-            <a:off x="5561891" y="4000363"/>
-            <a:ext cx="23986" cy="0"/>
-          </a:xfrm>
-          <a:prstGeom prst="line">
-            <a:avLst/>
-          </a:prstGeom>
-        </p:spPr>
-        <p:style>
-          <a:lnRef idx="1">
-            <a:schemeClr val="accent1"/>
-          </a:lnRef>
-          <a:fillRef idx="0">
-            <a:schemeClr val="accent1"/>
-          </a:fillRef>
-          <a:effectRef idx="0">
-            <a:schemeClr val="accent1"/>
-          </a:effectRef>
-          <a:fontRef idx="minor">
-            <a:schemeClr val="tx1"/>
-          </a:fontRef>
-        </p:style>
-      </p:cxnSp>
-      <p:cxnSp>
-        <p:nvCxnSpPr>
-          <p:cNvPr id="165" name="Straight Connector 164">
-            <a:extLst>
-              <a:ext uri="{FF2B5EF4-FFF2-40B4-BE49-F238E27FC236}">
-                <a16:creationId xmlns:a16="http://schemas.microsoft.com/office/drawing/2014/main" id="{5945D114-982A-7F10-1A2C-393DB93E6F69}"/>
-              </a:ext>
-            </a:extLst>
-          </p:cNvPr>
-          <p:cNvCxnSpPr/>
-          <p:nvPr/>
-        </p:nvCxnSpPr>
-        <p:spPr>
-          <a:xfrm>
-            <a:off x="4627075" y="4638935"/>
-            <a:ext cx="0" cy="29732"/>
-          </a:xfrm>
-          <a:prstGeom prst="line">
-            <a:avLst/>
-          </a:prstGeom>
-        </p:spPr>
-        <p:style>
-          <a:lnRef idx="1">
-            <a:schemeClr val="accent1"/>
-          </a:lnRef>
-          <a:fillRef idx="0">
-            <a:schemeClr val="accent1"/>
-          </a:fillRef>
-          <a:effectRef idx="0">
-            <a:schemeClr val="accent1"/>
-          </a:effectRef>
-          <a:fontRef idx="minor">
-            <a:schemeClr val="tx1"/>
-          </a:fontRef>
-        </p:style>
-      </p:cxnSp>
-      <p:cxnSp>
-        <p:nvCxnSpPr>
-          <p:cNvPr id="167" name="Straight Connector 166">
-            <a:extLst>
-              <a:ext uri="{FF2B5EF4-FFF2-40B4-BE49-F238E27FC236}">
-                <a16:creationId xmlns:a16="http://schemas.microsoft.com/office/drawing/2014/main" id="{D811B1E5-F773-8F78-1B89-9D88F9B1F348}"/>
-              </a:ext>
-            </a:extLst>
-          </p:cNvPr>
-          <p:cNvCxnSpPr/>
-          <p:nvPr/>
-        </p:nvCxnSpPr>
-        <p:spPr>
-          <a:xfrm>
-            <a:off x="3481547" y="4335654"/>
-            <a:ext cx="0" cy="29732"/>
-          </a:xfrm>
-          <a:prstGeom prst="line">
-            <a:avLst/>
-          </a:prstGeom>
-        </p:spPr>
-        <p:style>
-          <a:lnRef idx="1">
-            <a:schemeClr val="accent1"/>
-          </a:lnRef>
-          <a:fillRef idx="0">
-            <a:schemeClr val="accent1"/>
-          </a:fillRef>
-          <a:effectRef idx="0">
-            <a:schemeClr val="accent1"/>
-          </a:effectRef>
-          <a:fontRef idx="minor">
-            <a:schemeClr val="tx1"/>
-          </a:fontRef>
-        </p:style>
-      </p:cxnSp>
-      <p:cxnSp>
-        <p:nvCxnSpPr>
-          <p:cNvPr id="171" name="Straight Connector 170">
-            <a:extLst>
-              <a:ext uri="{FF2B5EF4-FFF2-40B4-BE49-F238E27FC236}">
-                <a16:creationId xmlns:a16="http://schemas.microsoft.com/office/drawing/2014/main" id="{F4B0B945-E182-0E6E-79EA-CD58A4EBE16E}"/>
-              </a:ext>
-            </a:extLst>
-          </p:cNvPr>
-          <p:cNvCxnSpPr/>
-          <p:nvPr/>
-        </p:nvCxnSpPr>
-        <p:spPr>
-          <a:xfrm>
-            <a:off x="3918958" y="4095280"/>
-            <a:ext cx="0" cy="29732"/>
-          </a:xfrm>
-          <a:prstGeom prst="line">
-            <a:avLst/>
-          </a:prstGeom>
-        </p:spPr>
-        <p:style>
-          <a:lnRef idx="1">
-            <a:schemeClr val="accent1"/>
-          </a:lnRef>
-          <a:fillRef idx="0">
-            <a:schemeClr val="accent1"/>
-          </a:fillRef>
-          <a:effectRef idx="0">
-            <a:schemeClr val="accent1"/>
-          </a:effectRef>
-          <a:fontRef idx="minor">
-            <a:schemeClr val="tx1"/>
-          </a:fontRef>
-        </p:style>
-      </p:cxnSp>
-      <p:cxnSp>
-        <p:nvCxnSpPr>
-          <p:cNvPr id="173" name="Straight Connector 172">
-            <a:extLst>
-              <a:ext uri="{FF2B5EF4-FFF2-40B4-BE49-F238E27FC236}">
-                <a16:creationId xmlns:a16="http://schemas.microsoft.com/office/drawing/2014/main" id="{6FDBF4AC-5387-13DF-82D7-EBBF59DB2825}"/>
-              </a:ext>
-            </a:extLst>
-          </p:cNvPr>
-          <p:cNvCxnSpPr>
-            <a:cxnSpLocks/>
-          </p:cNvCxnSpPr>
-          <p:nvPr/>
-        </p:nvCxnSpPr>
-        <p:spPr>
-          <a:xfrm>
-            <a:off x="4052544" y="3923614"/>
-            <a:ext cx="39202" cy="0"/>
-          </a:xfrm>
-          <a:prstGeom prst="line">
-            <a:avLst/>
-          </a:prstGeom>
-        </p:spPr>
-        <p:style>
-          <a:lnRef idx="1">
-            <a:schemeClr val="accent1"/>
-          </a:lnRef>
-          <a:fillRef idx="0">
-            <a:schemeClr val="accent1"/>
-          </a:fillRef>
-          <a:effectRef idx="0">
-            <a:schemeClr val="accent1"/>
-          </a:effectRef>
-          <a:fontRef idx="minor">
-            <a:schemeClr val="tx1"/>
-          </a:fontRef>
-        </p:style>
-      </p:cxnSp>
-      <p:cxnSp>
-        <p:nvCxnSpPr>
-          <p:cNvPr id="201" name="Straight Connector 200">
-            <a:extLst>
-              <a:ext uri="{FF2B5EF4-FFF2-40B4-BE49-F238E27FC236}">
-                <a16:creationId xmlns:a16="http://schemas.microsoft.com/office/drawing/2014/main" id="{5FC178E0-3381-362D-F73C-0C45F7E741FE}"/>
-              </a:ext>
-            </a:extLst>
-          </p:cNvPr>
-          <p:cNvCxnSpPr>
-            <a:cxnSpLocks/>
-          </p:cNvCxnSpPr>
-          <p:nvPr/>
-        </p:nvCxnSpPr>
-        <p:spPr>
-          <a:xfrm>
-            <a:off x="4749353" y="4046329"/>
-            <a:ext cx="0" cy="37258"/>
-          </a:xfrm>
-          <a:prstGeom prst="line">
-            <a:avLst/>
-          </a:prstGeom>
-        </p:spPr>
-        <p:style>
-          <a:lnRef idx="1">
-            <a:schemeClr val="accent1"/>
-          </a:lnRef>
-          <a:fillRef idx="0">
-            <a:schemeClr val="accent1"/>
-          </a:fillRef>
-          <a:effectRef idx="0">
-            <a:schemeClr val="accent1"/>
-          </a:effectRef>
-          <a:fontRef idx="minor">
-            <a:schemeClr val="tx1"/>
-          </a:fontRef>
-        </p:style>
-      </p:cxnSp>
-      <p:cxnSp>
-        <p:nvCxnSpPr>
-          <p:cNvPr id="205" name="Straight Connector 204">
-            <a:extLst>
-              <a:ext uri="{FF2B5EF4-FFF2-40B4-BE49-F238E27FC236}">
-                <a16:creationId xmlns:a16="http://schemas.microsoft.com/office/drawing/2014/main" id="{32DA618D-50D7-E667-F187-9167AB0EFBC3}"/>
-              </a:ext>
-            </a:extLst>
-          </p:cNvPr>
-          <p:cNvCxnSpPr>
-            <a:cxnSpLocks/>
-          </p:cNvCxnSpPr>
-          <p:nvPr/>
-        </p:nvCxnSpPr>
-        <p:spPr>
-          <a:xfrm>
-            <a:off x="4715851" y="4424705"/>
-            <a:ext cx="14625" cy="128772"/>
-          </a:xfrm>
-          <a:prstGeom prst="line">
-            <a:avLst/>
-          </a:prstGeom>
-          <a:ln w="3175">
-            <a:solidFill>
-              <a:schemeClr val="tx1"/>
-            </a:solidFill>
-          </a:ln>
-        </p:spPr>
-        <p:style>
-          <a:lnRef idx="1">
-            <a:schemeClr val="dk1"/>
-          </a:lnRef>
-          <a:fillRef idx="0">
-            <a:schemeClr val="dk1"/>
-          </a:fillRef>
-          <a:effectRef idx="0">
-            <a:schemeClr val="dk1"/>
           </a:effectRef>
           <a:fontRef idx="minor">
             <a:schemeClr val="tx1"/>
@@ -13811,14 +11996,14 @@
         </p:nvCxnSpPr>
         <p:spPr>
           <a:xfrm flipH="1">
-            <a:off x="5495315" y="3824380"/>
+            <a:off x="5492547" y="3826920"/>
             <a:ext cx="30487" cy="44377"/>
           </a:xfrm>
           <a:prstGeom prst="line">
             <a:avLst/>
           </a:prstGeom>
           <a:noFill/>
-          <a:ln w="3175" cap="flat">
+          <a:ln w="6350" cap="flat">
             <a:solidFill>
               <a:schemeClr val="tx1"/>
             </a:solidFill>
@@ -13849,7 +12034,7 @@
             <a:avLst/>
           </a:prstGeom>
           <a:noFill/>
-          <a:ln w="3175" cap="flat">
+          <a:ln w="6350" cap="flat">
             <a:solidFill>
               <a:schemeClr val="tx1"/>
             </a:solidFill>
@@ -13880,69 +12065,7 @@
             <a:avLst/>
           </a:prstGeom>
           <a:noFill/>
-          <a:ln w="3175" cap="flat">
-            <a:solidFill>
-              <a:schemeClr val="tx1"/>
-            </a:solidFill>
-            <a:miter/>
-          </a:ln>
-        </p:spPr>
-      </p:cxnSp>
-      <p:cxnSp>
-        <p:nvCxnSpPr>
-          <p:cNvPr id="42" name="Straight Connector 41">
-            <a:extLst>
-              <a:ext uri="{FF2B5EF4-FFF2-40B4-BE49-F238E27FC236}">
-                <a16:creationId xmlns:a16="http://schemas.microsoft.com/office/drawing/2014/main" id="{9C2268BE-375A-77C0-A530-833734B44B4B}"/>
-              </a:ext>
-            </a:extLst>
-          </p:cNvPr>
-          <p:cNvCxnSpPr>
-            <a:cxnSpLocks/>
-          </p:cNvCxnSpPr>
-          <p:nvPr/>
-        </p:nvCxnSpPr>
-        <p:spPr>
-          <a:xfrm flipH="1">
-            <a:off x="4953232" y="3571490"/>
-            <a:ext cx="30487" cy="44377"/>
-          </a:xfrm>
-          <a:prstGeom prst="line">
-            <a:avLst/>
-          </a:prstGeom>
-          <a:noFill/>
-          <a:ln w="3175" cap="flat">
-            <a:solidFill>
-              <a:schemeClr val="tx1"/>
-            </a:solidFill>
-            <a:miter/>
-          </a:ln>
-        </p:spPr>
-      </p:cxnSp>
-      <p:cxnSp>
-        <p:nvCxnSpPr>
-          <p:cNvPr id="43" name="Straight Connector 42">
-            <a:extLst>
-              <a:ext uri="{FF2B5EF4-FFF2-40B4-BE49-F238E27FC236}">
-                <a16:creationId xmlns:a16="http://schemas.microsoft.com/office/drawing/2014/main" id="{7ECDED7C-EA57-C80F-1CA6-87459A9F43CB}"/>
-              </a:ext>
-            </a:extLst>
-          </p:cNvPr>
-          <p:cNvCxnSpPr>
-            <a:cxnSpLocks/>
-          </p:cNvCxnSpPr>
-          <p:nvPr/>
-        </p:nvCxnSpPr>
-        <p:spPr>
-          <a:xfrm>
-            <a:off x="4913986" y="3573228"/>
-            <a:ext cx="35859" cy="46917"/>
-          </a:xfrm>
-          <a:prstGeom prst="line">
-            <a:avLst/>
-          </a:prstGeom>
-          <a:noFill/>
-          <a:ln w="3175" cap="flat">
+          <a:ln w="6350" cap="flat">
             <a:solidFill>
               <a:schemeClr val="tx1"/>
             </a:solidFill>
@@ -13973,7 +12096,7 @@
             <a:avLst/>
           </a:prstGeom>
           <a:noFill/>
-          <a:ln w="3175" cap="flat">
+          <a:ln w="6350" cap="flat">
             <a:solidFill>
               <a:schemeClr val="tx1"/>
             </a:solidFill>
@@ -14004,38 +12127,7 @@
             <a:avLst/>
           </a:prstGeom>
           <a:noFill/>
-          <a:ln w="3175" cap="flat">
-            <a:solidFill>
-              <a:schemeClr val="tx1"/>
-            </a:solidFill>
-            <a:miter/>
-          </a:ln>
-        </p:spPr>
-      </p:cxnSp>
-      <p:cxnSp>
-        <p:nvCxnSpPr>
-          <p:cNvPr id="49" name="Straight Connector 48">
-            <a:extLst>
-              <a:ext uri="{FF2B5EF4-FFF2-40B4-BE49-F238E27FC236}">
-                <a16:creationId xmlns:a16="http://schemas.microsoft.com/office/drawing/2014/main" id="{5DFB18C2-89CD-9AC8-C352-CF08A86AFE89}"/>
-              </a:ext>
-            </a:extLst>
-          </p:cNvPr>
-          <p:cNvCxnSpPr>
-            <a:cxnSpLocks/>
-          </p:cNvCxnSpPr>
-          <p:nvPr/>
-        </p:nvCxnSpPr>
-        <p:spPr>
-          <a:xfrm flipH="1">
-            <a:off x="4699989" y="4549678"/>
-            <a:ext cx="30487" cy="44377"/>
-          </a:xfrm>
-          <a:prstGeom prst="line">
-            <a:avLst/>
-          </a:prstGeom>
-          <a:noFill/>
-          <a:ln w="3175" cap="flat">
+          <a:ln w="6350" cap="flat">
             <a:solidFill>
               <a:schemeClr val="tx1"/>
             </a:solidFill>
@@ -14059,20 +12151,32 @@
         </p:nvCxnSpPr>
         <p:spPr>
           <a:xfrm>
-            <a:off x="4730476" y="4549678"/>
+            <a:off x="4217608" y="4490402"/>
             <a:ext cx="35859" cy="46917"/>
           </a:xfrm>
           <a:prstGeom prst="line">
             <a:avLst/>
           </a:prstGeom>
-          <a:noFill/>
-          <a:ln w="3175" cap="flat">
-            <a:solidFill>
-              <a:schemeClr val="tx1"/>
-            </a:solidFill>
-            <a:miter/>
-          </a:ln>
-        </p:spPr>
+          <a:ln w="6350">
+            <a:solidFill>
+              <a:schemeClr val="tx1"/>
+            </a:solidFill>
+          </a:ln>
+        </p:spPr>
+        <p:style>
+          <a:lnRef idx="1">
+            <a:schemeClr val="accent1"/>
+          </a:lnRef>
+          <a:fillRef idx="0">
+            <a:schemeClr val="accent1"/>
+          </a:fillRef>
+          <a:effectRef idx="0">
+            <a:schemeClr val="accent1"/>
+          </a:effectRef>
+          <a:fontRef idx="minor">
+            <a:schemeClr val="tx1"/>
+          </a:fontRef>
+        </p:style>
       </p:cxnSp>
       <p:cxnSp>
         <p:nvCxnSpPr>
@@ -14090,14 +12194,14 @@
         </p:nvCxnSpPr>
         <p:spPr>
           <a:xfrm>
-            <a:off x="4729906" y="4551837"/>
+            <a:off x="4217038" y="4492561"/>
             <a:ext cx="0" cy="51877"/>
           </a:xfrm>
           <a:prstGeom prst="line">
             <a:avLst/>
           </a:prstGeom>
           <a:noFill/>
-          <a:ln w="3175" cap="flat">
+          <a:ln w="6350" cap="flat">
             <a:solidFill>
               <a:schemeClr val="tx1"/>
             </a:solidFill>
@@ -14121,14 +12225,14 @@
         </p:nvCxnSpPr>
         <p:spPr>
           <a:xfrm flipH="1">
-            <a:off x="5546613" y="4295214"/>
+            <a:off x="5662918" y="4516305"/>
             <a:ext cx="30487" cy="44377"/>
           </a:xfrm>
           <a:prstGeom prst="line">
             <a:avLst/>
           </a:prstGeom>
           <a:noFill/>
-          <a:ln w="3175" cap="flat">
+          <a:ln w="6350" cap="flat">
             <a:solidFill>
               <a:schemeClr val="tx1"/>
             </a:solidFill>
@@ -14152,89 +12256,20 @@
         </p:nvCxnSpPr>
         <p:spPr>
           <a:xfrm>
-            <a:off x="5577100" y="4295214"/>
+            <a:off x="5693405" y="4516305"/>
             <a:ext cx="35859" cy="46917"/>
           </a:xfrm>
           <a:prstGeom prst="line">
             <a:avLst/>
           </a:prstGeom>
           <a:noFill/>
-          <a:ln w="3175" cap="flat">
+          <a:ln w="6350" cap="flat">
             <a:solidFill>
               <a:schemeClr val="tx1"/>
             </a:solidFill>
             <a:miter/>
           </a:ln>
         </p:spPr>
-      </p:cxnSp>
-      <p:cxnSp>
-        <p:nvCxnSpPr>
-          <p:cNvPr id="54" name="Straight Connector 53">
-            <a:extLst>
-              <a:ext uri="{FF2B5EF4-FFF2-40B4-BE49-F238E27FC236}">
-                <a16:creationId xmlns:a16="http://schemas.microsoft.com/office/drawing/2014/main" id="{A10E7B5E-7023-AF64-19CF-D44A059BE8EC}"/>
-              </a:ext>
-            </a:extLst>
-          </p:cNvPr>
-          <p:cNvCxnSpPr>
-            <a:cxnSpLocks/>
-          </p:cNvCxnSpPr>
-          <p:nvPr/>
-        </p:nvCxnSpPr>
-        <p:spPr>
-          <a:xfrm>
-            <a:off x="5577100" y="4295214"/>
-            <a:ext cx="0" cy="51877"/>
-          </a:xfrm>
-          <a:prstGeom prst="line">
-            <a:avLst/>
-          </a:prstGeom>
-          <a:noFill/>
-          <a:ln w="3175" cap="flat">
-            <a:solidFill>
-              <a:schemeClr val="tx1"/>
-            </a:solidFill>
-            <a:miter/>
-          </a:ln>
-        </p:spPr>
-      </p:cxnSp>
-      <p:cxnSp>
-        <p:nvCxnSpPr>
-          <p:cNvPr id="69" name="Straight Connector 68">
-            <a:extLst>
-              <a:ext uri="{FF2B5EF4-FFF2-40B4-BE49-F238E27FC236}">
-                <a16:creationId xmlns:a16="http://schemas.microsoft.com/office/drawing/2014/main" id="{09337F47-D463-61FA-FEFF-6ECCE15F7DF8}"/>
-              </a:ext>
-            </a:extLst>
-          </p:cNvPr>
-          <p:cNvCxnSpPr>
-            <a:cxnSpLocks/>
-          </p:cNvCxnSpPr>
-          <p:nvPr/>
-        </p:nvCxnSpPr>
-        <p:spPr>
-          <a:xfrm flipH="1">
-            <a:off x="3636752" y="4676690"/>
-            <a:ext cx="38293" cy="0"/>
-          </a:xfrm>
-          <a:prstGeom prst="line">
-            <a:avLst/>
-          </a:prstGeom>
-        </p:spPr>
-        <p:style>
-          <a:lnRef idx="1">
-            <a:schemeClr val="accent1"/>
-          </a:lnRef>
-          <a:fillRef idx="0">
-            <a:schemeClr val="accent1"/>
-          </a:fillRef>
-          <a:effectRef idx="0">
-            <a:schemeClr val="accent1"/>
-          </a:effectRef>
-          <a:fontRef idx="minor">
-            <a:schemeClr val="tx1"/>
-          </a:fontRef>
-        </p:style>
       </p:cxnSp>
       <p:cxnSp>
         <p:nvCxnSpPr>
@@ -14259,7 +12294,7 @@
             <a:avLst/>
           </a:prstGeom>
           <a:noFill/>
-          <a:ln w="3175" cap="flat">
+          <a:ln w="6350" cap="flat">
             <a:solidFill>
               <a:schemeClr val="tx1"/>
             </a:solidFill>
@@ -14290,7 +12325,7 @@
             <a:avLst/>
           </a:prstGeom>
           <a:noFill/>
-          <a:ln w="3175" cap="flat">
+          <a:ln w="6350" cap="flat">
             <a:solidFill>
               <a:schemeClr val="tx1"/>
             </a:solidFill>
@@ -14321,7 +12356,7 @@
             <a:avLst/>
           </a:prstGeom>
           <a:noFill/>
-          <a:ln w="3175" cap="flat">
+          <a:ln w="6350" cap="flat">
             <a:solidFill>
               <a:schemeClr val="tx1"/>
             </a:solidFill>
@@ -14345,12 +12380,2286 @@
         </p:nvCxnSpPr>
         <p:spPr>
           <a:xfrm>
-            <a:off x="4987241" y="4050761"/>
+            <a:off x="5045433" y="4087754"/>
             <a:ext cx="0" cy="37258"/>
           </a:xfrm>
           <a:prstGeom prst="line">
             <a:avLst/>
           </a:prstGeom>
+          <a:ln w="6350">
+            <a:solidFill>
+              <a:schemeClr val="tx1"/>
+            </a:solidFill>
+          </a:ln>
+        </p:spPr>
+        <p:style>
+          <a:lnRef idx="1">
+            <a:schemeClr val="accent1"/>
+          </a:lnRef>
+          <a:fillRef idx="0">
+            <a:schemeClr val="accent1"/>
+          </a:fillRef>
+          <a:effectRef idx="0">
+            <a:schemeClr val="accent1"/>
+          </a:effectRef>
+          <a:fontRef idx="minor">
+            <a:schemeClr val="tx1"/>
+          </a:fontRef>
+        </p:style>
+      </p:cxnSp>
+      <p:cxnSp>
+        <p:nvCxnSpPr>
+          <p:cNvPr id="4" name="Straight Connector 3">
+            <a:extLst>
+              <a:ext uri="{FF2B5EF4-FFF2-40B4-BE49-F238E27FC236}">
+                <a16:creationId xmlns:a16="http://schemas.microsoft.com/office/drawing/2014/main" id="{AEBE98EC-DF8A-F9A8-99DF-034FAB399A15}"/>
+              </a:ext>
+            </a:extLst>
+          </p:cNvPr>
+          <p:cNvCxnSpPr>
+            <a:cxnSpLocks/>
+          </p:cNvCxnSpPr>
+          <p:nvPr/>
+        </p:nvCxnSpPr>
+        <p:spPr>
+          <a:xfrm flipH="1">
+            <a:off x="5676905" y="3460453"/>
+            <a:ext cx="59643" cy="0"/>
+          </a:xfrm>
+          <a:prstGeom prst="line">
+            <a:avLst/>
+          </a:prstGeom>
+          <a:ln w="6350">
+            <a:solidFill>
+              <a:schemeClr val="tx1"/>
+            </a:solidFill>
+          </a:ln>
+        </p:spPr>
+        <p:style>
+          <a:lnRef idx="1">
+            <a:schemeClr val="accent1"/>
+          </a:lnRef>
+          <a:fillRef idx="0">
+            <a:schemeClr val="accent1"/>
+          </a:fillRef>
+          <a:effectRef idx="0">
+            <a:schemeClr val="accent1"/>
+          </a:effectRef>
+          <a:fontRef idx="minor">
+            <a:schemeClr val="tx1"/>
+          </a:fontRef>
+        </p:style>
+      </p:cxnSp>
+      <p:cxnSp>
+        <p:nvCxnSpPr>
+          <p:cNvPr id="33" name="Straight Connector 32">
+            <a:extLst>
+              <a:ext uri="{FF2B5EF4-FFF2-40B4-BE49-F238E27FC236}">
+                <a16:creationId xmlns:a16="http://schemas.microsoft.com/office/drawing/2014/main" id="{055C1E03-17BF-0415-AF8B-7179E4F8879F}"/>
+              </a:ext>
+            </a:extLst>
+          </p:cNvPr>
+          <p:cNvCxnSpPr>
+            <a:cxnSpLocks/>
+            <a:stCxn id="110" idx="2"/>
+            <a:endCxn id="130" idx="0"/>
+          </p:cNvCxnSpPr>
+          <p:nvPr/>
+        </p:nvCxnSpPr>
+        <p:spPr>
+          <a:xfrm>
+            <a:off x="4227491" y="4088076"/>
+            <a:ext cx="595194" cy="19791"/>
+          </a:xfrm>
+          <a:prstGeom prst="line">
+            <a:avLst/>
+          </a:prstGeom>
+          <a:ln w="6350">
+            <a:solidFill>
+              <a:schemeClr val="tx1"/>
+            </a:solidFill>
+          </a:ln>
+        </p:spPr>
+        <p:style>
+          <a:lnRef idx="1">
+            <a:schemeClr val="accent1"/>
+          </a:lnRef>
+          <a:fillRef idx="0">
+            <a:schemeClr val="accent1"/>
+          </a:fillRef>
+          <a:effectRef idx="0">
+            <a:schemeClr val="accent1"/>
+          </a:effectRef>
+          <a:fontRef idx="minor">
+            <a:schemeClr val="tx1"/>
+          </a:fontRef>
+        </p:style>
+      </p:cxnSp>
+      <p:cxnSp>
+        <p:nvCxnSpPr>
+          <p:cNvPr id="36" name="Straight Connector 35">
+            <a:extLst>
+              <a:ext uri="{FF2B5EF4-FFF2-40B4-BE49-F238E27FC236}">
+                <a16:creationId xmlns:a16="http://schemas.microsoft.com/office/drawing/2014/main" id="{4BE25226-F4B1-90D8-D819-4F07F758736E}"/>
+              </a:ext>
+            </a:extLst>
+          </p:cNvPr>
+          <p:cNvCxnSpPr>
+            <a:cxnSpLocks/>
+          </p:cNvCxnSpPr>
+          <p:nvPr/>
+        </p:nvCxnSpPr>
+        <p:spPr>
+          <a:xfrm>
+            <a:off x="4801214" y="4085986"/>
+            <a:ext cx="0" cy="40793"/>
+          </a:xfrm>
+          <a:prstGeom prst="line">
+            <a:avLst/>
+          </a:prstGeom>
+          <a:ln w="6350">
+            <a:solidFill>
+              <a:schemeClr val="tx1"/>
+            </a:solidFill>
+          </a:ln>
+        </p:spPr>
+        <p:style>
+          <a:lnRef idx="1">
+            <a:schemeClr val="accent1"/>
+          </a:lnRef>
+          <a:fillRef idx="0">
+            <a:schemeClr val="accent1"/>
+          </a:fillRef>
+          <a:effectRef idx="0">
+            <a:schemeClr val="accent1"/>
+          </a:effectRef>
+          <a:fontRef idx="minor">
+            <a:schemeClr val="tx1"/>
+          </a:fontRef>
+        </p:style>
+      </p:cxnSp>
+      <p:cxnSp>
+        <p:nvCxnSpPr>
+          <p:cNvPr id="44" name="Straight Connector 43">
+            <a:extLst>
+              <a:ext uri="{FF2B5EF4-FFF2-40B4-BE49-F238E27FC236}">
+                <a16:creationId xmlns:a16="http://schemas.microsoft.com/office/drawing/2014/main" id="{62D26FC9-A403-A69D-2CDF-38263B6C1083}"/>
+              </a:ext>
+            </a:extLst>
+          </p:cNvPr>
+          <p:cNvCxnSpPr>
+            <a:cxnSpLocks/>
+            <a:stCxn id="318" idx="1"/>
+            <a:endCxn id="283" idx="3"/>
+          </p:cNvCxnSpPr>
+          <p:nvPr/>
+        </p:nvCxnSpPr>
+        <p:spPr>
+          <a:xfrm flipV="1">
+            <a:off x="4928196" y="3544470"/>
+            <a:ext cx="8430" cy="262731"/>
+          </a:xfrm>
+          <a:prstGeom prst="line">
+            <a:avLst/>
+          </a:prstGeom>
+          <a:ln w="6350">
+            <a:solidFill>
+              <a:schemeClr val="tx1"/>
+            </a:solidFill>
+          </a:ln>
+        </p:spPr>
+        <p:style>
+          <a:lnRef idx="1">
+            <a:schemeClr val="accent1"/>
+          </a:lnRef>
+          <a:fillRef idx="0">
+            <a:schemeClr val="accent1"/>
+          </a:fillRef>
+          <a:effectRef idx="0">
+            <a:schemeClr val="accent1"/>
+          </a:effectRef>
+          <a:fontRef idx="minor">
+            <a:schemeClr val="tx1"/>
+          </a:fontRef>
+        </p:style>
+      </p:cxnSp>
+      <p:cxnSp>
+        <p:nvCxnSpPr>
+          <p:cNvPr id="59" name="Straight Connector 58">
+            <a:extLst>
+              <a:ext uri="{FF2B5EF4-FFF2-40B4-BE49-F238E27FC236}">
+                <a16:creationId xmlns:a16="http://schemas.microsoft.com/office/drawing/2014/main" id="{01A79F76-7552-4695-38D8-3FBA628488C1}"/>
+              </a:ext>
+            </a:extLst>
+          </p:cNvPr>
+          <p:cNvCxnSpPr>
+            <a:stCxn id="318" idx="2"/>
+            <a:endCxn id="172" idx="0"/>
+          </p:cNvCxnSpPr>
+          <p:nvPr/>
+        </p:nvCxnSpPr>
+        <p:spPr>
+          <a:xfrm>
+            <a:off x="5087970" y="3900402"/>
+            <a:ext cx="336897" cy="31311"/>
+          </a:xfrm>
+          <a:prstGeom prst="line">
+            <a:avLst/>
+          </a:prstGeom>
+          <a:ln w="6350">
+            <a:solidFill>
+              <a:schemeClr val="tx1"/>
+            </a:solidFill>
+          </a:ln>
+        </p:spPr>
+        <p:style>
+          <a:lnRef idx="1">
+            <a:schemeClr val="accent1"/>
+          </a:lnRef>
+          <a:fillRef idx="0">
+            <a:schemeClr val="accent1"/>
+          </a:fillRef>
+          <a:effectRef idx="0">
+            <a:schemeClr val="accent1"/>
+          </a:effectRef>
+          <a:fontRef idx="minor">
+            <a:schemeClr val="tx1"/>
+          </a:fontRef>
+        </p:style>
+      </p:cxnSp>
+      <p:cxnSp>
+        <p:nvCxnSpPr>
+          <p:cNvPr id="76" name="Straight Connector 75">
+            <a:extLst>
+              <a:ext uri="{FF2B5EF4-FFF2-40B4-BE49-F238E27FC236}">
+                <a16:creationId xmlns:a16="http://schemas.microsoft.com/office/drawing/2014/main" id="{B9E45526-8902-2B01-8B59-AEDC77664117}"/>
+              </a:ext>
+            </a:extLst>
+          </p:cNvPr>
+          <p:cNvCxnSpPr>
+            <a:stCxn id="330" idx="2"/>
+            <a:endCxn id="329" idx="3"/>
+          </p:cNvCxnSpPr>
+          <p:nvPr/>
+        </p:nvCxnSpPr>
+        <p:spPr>
+          <a:xfrm flipV="1">
+            <a:off x="3074648" y="4834651"/>
+            <a:ext cx="264389" cy="76245"/>
+          </a:xfrm>
+          <a:prstGeom prst="line">
+            <a:avLst/>
+          </a:prstGeom>
+          <a:ln w="6350">
+            <a:solidFill>
+              <a:schemeClr val="tx1"/>
+            </a:solidFill>
+          </a:ln>
+        </p:spPr>
+        <p:style>
+          <a:lnRef idx="1">
+            <a:schemeClr val="accent1"/>
+          </a:lnRef>
+          <a:fillRef idx="0">
+            <a:schemeClr val="accent1"/>
+          </a:fillRef>
+          <a:effectRef idx="0">
+            <a:schemeClr val="accent1"/>
+          </a:effectRef>
+          <a:fontRef idx="minor">
+            <a:schemeClr val="tx1"/>
+          </a:fontRef>
+        </p:style>
+      </p:cxnSp>
+      <p:cxnSp>
+        <p:nvCxnSpPr>
+          <p:cNvPr id="80" name="Straight Connector 79">
+            <a:extLst>
+              <a:ext uri="{FF2B5EF4-FFF2-40B4-BE49-F238E27FC236}">
+                <a16:creationId xmlns:a16="http://schemas.microsoft.com/office/drawing/2014/main" id="{ABFDD56A-FCDE-6B9C-B94A-F7196C0EF9D5}"/>
+              </a:ext>
+            </a:extLst>
+          </p:cNvPr>
+          <p:cNvCxnSpPr>
+            <a:stCxn id="333" idx="2"/>
+            <a:endCxn id="329" idx="3"/>
+          </p:cNvCxnSpPr>
+          <p:nvPr/>
+        </p:nvCxnSpPr>
+        <p:spPr>
+          <a:xfrm flipV="1">
+            <a:off x="3099540" y="4834651"/>
+            <a:ext cx="239497" cy="219715"/>
+          </a:xfrm>
+          <a:prstGeom prst="line">
+            <a:avLst/>
+          </a:prstGeom>
+          <a:ln w="6350">
+            <a:solidFill>
+              <a:schemeClr val="tx1"/>
+            </a:solidFill>
+          </a:ln>
+        </p:spPr>
+        <p:style>
+          <a:lnRef idx="1">
+            <a:schemeClr val="accent1"/>
+          </a:lnRef>
+          <a:fillRef idx="0">
+            <a:schemeClr val="accent1"/>
+          </a:fillRef>
+          <a:effectRef idx="0">
+            <a:schemeClr val="accent1"/>
+          </a:effectRef>
+          <a:fontRef idx="minor">
+            <a:schemeClr val="tx1"/>
+          </a:fontRef>
+        </p:style>
+      </p:cxnSp>
+      <p:cxnSp>
+        <p:nvCxnSpPr>
+          <p:cNvPr id="82" name="Straight Connector 81">
+            <a:extLst>
+              <a:ext uri="{FF2B5EF4-FFF2-40B4-BE49-F238E27FC236}">
+                <a16:creationId xmlns:a16="http://schemas.microsoft.com/office/drawing/2014/main" id="{A8ED7780-F205-FD52-DA8D-26A4EC3A57E2}"/>
+              </a:ext>
+            </a:extLst>
+          </p:cNvPr>
+          <p:cNvCxnSpPr>
+            <a:stCxn id="332" idx="1"/>
+            <a:endCxn id="329" idx="3"/>
+          </p:cNvCxnSpPr>
+          <p:nvPr/>
+        </p:nvCxnSpPr>
+        <p:spPr>
+          <a:xfrm flipV="1">
+            <a:off x="3133935" y="4834651"/>
+            <a:ext cx="205102" cy="260166"/>
+          </a:xfrm>
+          <a:prstGeom prst="line">
+            <a:avLst/>
+          </a:prstGeom>
+          <a:ln w="6350">
+            <a:solidFill>
+              <a:schemeClr val="tx1"/>
+            </a:solidFill>
+          </a:ln>
+        </p:spPr>
+        <p:style>
+          <a:lnRef idx="1">
+            <a:schemeClr val="accent1"/>
+          </a:lnRef>
+          <a:fillRef idx="0">
+            <a:schemeClr val="accent1"/>
+          </a:fillRef>
+          <a:effectRef idx="0">
+            <a:schemeClr val="accent1"/>
+          </a:effectRef>
+          <a:fontRef idx="minor">
+            <a:schemeClr val="tx1"/>
+          </a:fontRef>
+        </p:style>
+      </p:cxnSp>
+      <p:cxnSp>
+        <p:nvCxnSpPr>
+          <p:cNvPr id="85" name="Straight Connector 84">
+            <a:extLst>
+              <a:ext uri="{FF2B5EF4-FFF2-40B4-BE49-F238E27FC236}">
+                <a16:creationId xmlns:a16="http://schemas.microsoft.com/office/drawing/2014/main" id="{9AFD549A-3232-3810-3918-835AD4738BFE}"/>
+              </a:ext>
+            </a:extLst>
+          </p:cNvPr>
+          <p:cNvCxnSpPr>
+            <a:stCxn id="331" idx="1"/>
+            <a:endCxn id="329" idx="3"/>
+          </p:cNvCxnSpPr>
+          <p:nvPr/>
+        </p:nvCxnSpPr>
+        <p:spPr>
+          <a:xfrm flipV="1">
+            <a:off x="3339037" y="4834651"/>
+            <a:ext cx="0" cy="284939"/>
+          </a:xfrm>
+          <a:prstGeom prst="line">
+            <a:avLst/>
+          </a:prstGeom>
+          <a:ln w="6350">
+            <a:solidFill>
+              <a:schemeClr val="tx1"/>
+            </a:solidFill>
+          </a:ln>
+        </p:spPr>
+        <p:style>
+          <a:lnRef idx="1">
+            <a:schemeClr val="accent1"/>
+          </a:lnRef>
+          <a:fillRef idx="0">
+            <a:schemeClr val="accent1"/>
+          </a:fillRef>
+          <a:effectRef idx="0">
+            <a:schemeClr val="accent1"/>
+          </a:effectRef>
+          <a:fontRef idx="minor">
+            <a:schemeClr val="tx1"/>
+          </a:fontRef>
+        </p:style>
+      </p:cxnSp>
+      <p:cxnSp>
+        <p:nvCxnSpPr>
+          <p:cNvPr id="88" name="Straight Connector 87">
+            <a:extLst>
+              <a:ext uri="{FF2B5EF4-FFF2-40B4-BE49-F238E27FC236}">
+                <a16:creationId xmlns:a16="http://schemas.microsoft.com/office/drawing/2014/main" id="{3925A26F-37D9-6A18-A833-7366FA39DEB9}"/>
+              </a:ext>
+            </a:extLst>
+          </p:cNvPr>
+          <p:cNvCxnSpPr>
+            <a:stCxn id="2" idx="1"/>
+            <a:endCxn id="329" idx="3"/>
+          </p:cNvCxnSpPr>
+          <p:nvPr/>
+        </p:nvCxnSpPr>
+        <p:spPr>
+          <a:xfrm flipH="1" flipV="1">
+            <a:off x="3339037" y="4834651"/>
+            <a:ext cx="203140" cy="235461"/>
+          </a:xfrm>
+          <a:prstGeom prst="line">
+            <a:avLst/>
+          </a:prstGeom>
+          <a:ln w="6350">
+            <a:solidFill>
+              <a:schemeClr val="tx1"/>
+            </a:solidFill>
+          </a:ln>
+        </p:spPr>
+        <p:style>
+          <a:lnRef idx="1">
+            <a:schemeClr val="accent1"/>
+          </a:lnRef>
+          <a:fillRef idx="0">
+            <a:schemeClr val="accent1"/>
+          </a:fillRef>
+          <a:effectRef idx="0">
+            <a:schemeClr val="accent1"/>
+          </a:effectRef>
+          <a:fontRef idx="minor">
+            <a:schemeClr val="tx1"/>
+          </a:fontRef>
+        </p:style>
+      </p:cxnSp>
+      <p:cxnSp>
+        <p:nvCxnSpPr>
+          <p:cNvPr id="91" name="Straight Connector 90">
+            <a:extLst>
+              <a:ext uri="{FF2B5EF4-FFF2-40B4-BE49-F238E27FC236}">
+                <a16:creationId xmlns:a16="http://schemas.microsoft.com/office/drawing/2014/main" id="{3F635538-03AE-6F5E-12D6-A7B54BB16682}"/>
+              </a:ext>
+            </a:extLst>
+          </p:cNvPr>
+          <p:cNvCxnSpPr>
+            <a:stCxn id="3" idx="0"/>
+            <a:endCxn id="329" idx="3"/>
+          </p:cNvCxnSpPr>
+          <p:nvPr/>
+        </p:nvCxnSpPr>
+        <p:spPr>
+          <a:xfrm flipH="1" flipV="1">
+            <a:off x="3339037" y="4834651"/>
+            <a:ext cx="207798" cy="169469"/>
+          </a:xfrm>
+          <a:prstGeom prst="line">
+            <a:avLst/>
+          </a:prstGeom>
+          <a:ln w="6350">
+            <a:solidFill>
+              <a:schemeClr val="tx1"/>
+            </a:solidFill>
+          </a:ln>
+        </p:spPr>
+        <p:style>
+          <a:lnRef idx="1">
+            <a:schemeClr val="accent1"/>
+          </a:lnRef>
+          <a:fillRef idx="0">
+            <a:schemeClr val="accent1"/>
+          </a:fillRef>
+          <a:effectRef idx="0">
+            <a:schemeClr val="accent1"/>
+          </a:effectRef>
+          <a:fontRef idx="minor">
+            <a:schemeClr val="tx1"/>
+          </a:fontRef>
+        </p:style>
+      </p:cxnSp>
+      <p:cxnSp>
+        <p:nvCxnSpPr>
+          <p:cNvPr id="94" name="Straight Connector 93">
+            <a:extLst>
+              <a:ext uri="{FF2B5EF4-FFF2-40B4-BE49-F238E27FC236}">
+                <a16:creationId xmlns:a16="http://schemas.microsoft.com/office/drawing/2014/main" id="{9E13C5BD-7589-CE2F-E38B-1B0DE9D6D7A2}"/>
+              </a:ext>
+            </a:extLst>
+          </p:cNvPr>
+          <p:cNvCxnSpPr>
+            <a:cxnSpLocks/>
+            <a:stCxn id="8" idx="2"/>
+            <a:endCxn id="251" idx="0"/>
+          </p:cNvCxnSpPr>
+          <p:nvPr/>
+        </p:nvCxnSpPr>
+        <p:spPr>
+          <a:xfrm flipV="1">
+            <a:off x="3865086" y="4602174"/>
+            <a:ext cx="261785" cy="1562"/>
+          </a:xfrm>
+          <a:prstGeom prst="line">
+            <a:avLst/>
+          </a:prstGeom>
+          <a:ln w="6350">
+            <a:solidFill>
+              <a:schemeClr val="tx1"/>
+            </a:solidFill>
+          </a:ln>
+        </p:spPr>
+        <p:style>
+          <a:lnRef idx="1">
+            <a:schemeClr val="accent1"/>
+          </a:lnRef>
+          <a:fillRef idx="0">
+            <a:schemeClr val="accent1"/>
+          </a:fillRef>
+          <a:effectRef idx="0">
+            <a:schemeClr val="accent1"/>
+          </a:effectRef>
+          <a:fontRef idx="minor">
+            <a:schemeClr val="tx1"/>
+          </a:fontRef>
+        </p:style>
+      </p:cxnSp>
+      <p:cxnSp>
+        <p:nvCxnSpPr>
+          <p:cNvPr id="96" name="Straight Connector 95">
+            <a:extLst>
+              <a:ext uri="{FF2B5EF4-FFF2-40B4-BE49-F238E27FC236}">
+                <a16:creationId xmlns:a16="http://schemas.microsoft.com/office/drawing/2014/main" id="{81D231EB-CCB0-8E0A-5C01-857EB4E63E30}"/>
+              </a:ext>
+            </a:extLst>
+          </p:cNvPr>
+          <p:cNvCxnSpPr>
+            <a:stCxn id="200" idx="2"/>
+          </p:cNvCxnSpPr>
+          <p:nvPr/>
+        </p:nvCxnSpPr>
+        <p:spPr>
+          <a:xfrm>
+            <a:off x="3468897" y="4347201"/>
+            <a:ext cx="297214" cy="15072"/>
+          </a:xfrm>
+          <a:prstGeom prst="line">
+            <a:avLst/>
+          </a:prstGeom>
+          <a:ln w="6350">
+            <a:solidFill>
+              <a:schemeClr val="tx1"/>
+            </a:solidFill>
+          </a:ln>
+        </p:spPr>
+        <p:style>
+          <a:lnRef idx="1">
+            <a:schemeClr val="accent1"/>
+          </a:lnRef>
+          <a:fillRef idx="0">
+            <a:schemeClr val="accent1"/>
+          </a:fillRef>
+          <a:effectRef idx="0">
+            <a:schemeClr val="accent1"/>
+          </a:effectRef>
+          <a:fontRef idx="minor">
+            <a:schemeClr val="tx1"/>
+          </a:fontRef>
+        </p:style>
+      </p:cxnSp>
+      <p:cxnSp>
+        <p:nvCxnSpPr>
+          <p:cNvPr id="98" name="Straight Connector 97">
+            <a:extLst>
+              <a:ext uri="{FF2B5EF4-FFF2-40B4-BE49-F238E27FC236}">
+                <a16:creationId xmlns:a16="http://schemas.microsoft.com/office/drawing/2014/main" id="{A02831B7-A4DE-A1EA-A50A-7A7FB6AAF48C}"/>
+              </a:ext>
+            </a:extLst>
+          </p:cNvPr>
+          <p:cNvCxnSpPr>
+            <a:endCxn id="8" idx="1"/>
+          </p:cNvCxnSpPr>
+          <p:nvPr/>
+        </p:nvCxnSpPr>
+        <p:spPr>
+          <a:xfrm>
+            <a:off x="3766111" y="4362273"/>
+            <a:ext cx="1" cy="183728"/>
+          </a:xfrm>
+          <a:prstGeom prst="line">
+            <a:avLst/>
+          </a:prstGeom>
+          <a:ln w="6350">
+            <a:solidFill>
+              <a:schemeClr val="tx1"/>
+            </a:solidFill>
+          </a:ln>
+        </p:spPr>
+        <p:style>
+          <a:lnRef idx="1">
+            <a:schemeClr val="accent1"/>
+          </a:lnRef>
+          <a:fillRef idx="0">
+            <a:schemeClr val="accent1"/>
+          </a:fillRef>
+          <a:effectRef idx="0">
+            <a:schemeClr val="accent1"/>
+          </a:effectRef>
+          <a:fontRef idx="minor">
+            <a:schemeClr val="tx1"/>
+          </a:fontRef>
+        </p:style>
+      </p:cxnSp>
+      <p:cxnSp>
+        <p:nvCxnSpPr>
+          <p:cNvPr id="100" name="Straight Connector 99">
+            <a:extLst>
+              <a:ext uri="{FF2B5EF4-FFF2-40B4-BE49-F238E27FC236}">
+                <a16:creationId xmlns:a16="http://schemas.microsoft.com/office/drawing/2014/main" id="{DA3B9205-5432-D8DE-D928-D895551C5565}"/>
+              </a:ext>
+            </a:extLst>
+          </p:cNvPr>
+          <p:cNvCxnSpPr>
+            <a:stCxn id="8" idx="0"/>
+          </p:cNvCxnSpPr>
+          <p:nvPr/>
+        </p:nvCxnSpPr>
+        <p:spPr>
+          <a:xfrm flipH="1" flipV="1">
+            <a:off x="3339036" y="4602174"/>
+            <a:ext cx="328101" cy="1562"/>
+          </a:xfrm>
+          <a:prstGeom prst="line">
+            <a:avLst/>
+          </a:prstGeom>
+          <a:ln w="6350">
+            <a:solidFill>
+              <a:schemeClr val="tx1"/>
+            </a:solidFill>
+          </a:ln>
+        </p:spPr>
+        <p:style>
+          <a:lnRef idx="1">
+            <a:schemeClr val="accent1"/>
+          </a:lnRef>
+          <a:fillRef idx="0">
+            <a:schemeClr val="accent1"/>
+          </a:fillRef>
+          <a:effectRef idx="0">
+            <a:schemeClr val="accent1"/>
+          </a:effectRef>
+          <a:fontRef idx="minor">
+            <a:schemeClr val="tx1"/>
+          </a:fontRef>
+        </p:style>
+      </p:cxnSp>
+      <p:cxnSp>
+        <p:nvCxnSpPr>
+          <p:cNvPr id="102" name="Straight Connector 101">
+            <a:extLst>
+              <a:ext uri="{FF2B5EF4-FFF2-40B4-BE49-F238E27FC236}">
+                <a16:creationId xmlns:a16="http://schemas.microsoft.com/office/drawing/2014/main" id="{1CBC4B4E-A77E-CF2B-6084-EC3B4321CC67}"/>
+              </a:ext>
+            </a:extLst>
+          </p:cNvPr>
+          <p:cNvCxnSpPr>
+            <a:endCxn id="329" idx="1"/>
+          </p:cNvCxnSpPr>
+          <p:nvPr/>
+        </p:nvCxnSpPr>
+        <p:spPr>
+          <a:xfrm>
+            <a:off x="3339036" y="4602174"/>
+            <a:ext cx="1" cy="117007"/>
+          </a:xfrm>
+          <a:prstGeom prst="line">
+            <a:avLst/>
+          </a:prstGeom>
+          <a:ln w="6350">
+            <a:solidFill>
+              <a:schemeClr val="tx1"/>
+            </a:solidFill>
+          </a:ln>
+        </p:spPr>
+        <p:style>
+          <a:lnRef idx="1">
+            <a:schemeClr val="accent1"/>
+          </a:lnRef>
+          <a:fillRef idx="0">
+            <a:schemeClr val="accent1"/>
+          </a:fillRef>
+          <a:effectRef idx="0">
+            <a:schemeClr val="accent1"/>
+          </a:effectRef>
+          <a:fontRef idx="minor">
+            <a:schemeClr val="tx1"/>
+          </a:fontRef>
+        </p:style>
+      </p:cxnSp>
+      <p:cxnSp>
+        <p:nvCxnSpPr>
+          <p:cNvPr id="105" name="Straight Connector 104">
+            <a:extLst>
+              <a:ext uri="{FF2B5EF4-FFF2-40B4-BE49-F238E27FC236}">
+                <a16:creationId xmlns:a16="http://schemas.microsoft.com/office/drawing/2014/main" id="{C41BC469-E9AC-139B-AA1F-D1C1F36EE3D6}"/>
+              </a:ext>
+            </a:extLst>
+          </p:cNvPr>
+          <p:cNvCxnSpPr>
+            <a:cxnSpLocks/>
+            <a:stCxn id="251" idx="3"/>
+            <a:endCxn id="253" idx="1"/>
+          </p:cNvCxnSpPr>
+          <p:nvPr/>
+        </p:nvCxnSpPr>
+        <p:spPr>
+          <a:xfrm flipH="1">
+            <a:off x="3855861" y="4659909"/>
+            <a:ext cx="369985" cy="187671"/>
+          </a:xfrm>
+          <a:prstGeom prst="line">
+            <a:avLst/>
+          </a:prstGeom>
+          <a:ln w="6350">
+            <a:solidFill>
+              <a:schemeClr val="tx1"/>
+            </a:solidFill>
+          </a:ln>
+        </p:spPr>
+        <p:style>
+          <a:lnRef idx="1">
+            <a:schemeClr val="accent1"/>
+          </a:lnRef>
+          <a:fillRef idx="0">
+            <a:schemeClr val="accent1"/>
+          </a:fillRef>
+          <a:effectRef idx="0">
+            <a:schemeClr val="accent1"/>
+          </a:effectRef>
+          <a:fontRef idx="minor">
+            <a:schemeClr val="tx1"/>
+          </a:fontRef>
+        </p:style>
+      </p:cxnSp>
+      <p:cxnSp>
+        <p:nvCxnSpPr>
+          <p:cNvPr id="108" name="Straight Connector 107">
+            <a:extLst>
+              <a:ext uri="{FF2B5EF4-FFF2-40B4-BE49-F238E27FC236}">
+                <a16:creationId xmlns:a16="http://schemas.microsoft.com/office/drawing/2014/main" id="{61BB1D7B-C952-8C31-D7E5-06F98E6DD8FE}"/>
+              </a:ext>
+            </a:extLst>
+          </p:cNvPr>
+          <p:cNvCxnSpPr>
+            <a:cxnSpLocks/>
+            <a:stCxn id="251" idx="3"/>
+            <a:endCxn id="261" idx="1"/>
+          </p:cNvCxnSpPr>
+          <p:nvPr/>
+        </p:nvCxnSpPr>
+        <p:spPr>
+          <a:xfrm flipH="1">
+            <a:off x="3905723" y="4659909"/>
+            <a:ext cx="320123" cy="336722"/>
+          </a:xfrm>
+          <a:prstGeom prst="line">
+            <a:avLst/>
+          </a:prstGeom>
+          <a:ln w="6350">
+            <a:solidFill>
+              <a:schemeClr val="tx1"/>
+            </a:solidFill>
+          </a:ln>
+        </p:spPr>
+        <p:style>
+          <a:lnRef idx="1">
+            <a:schemeClr val="accent1"/>
+          </a:lnRef>
+          <a:fillRef idx="0">
+            <a:schemeClr val="accent1"/>
+          </a:fillRef>
+          <a:effectRef idx="0">
+            <a:schemeClr val="accent1"/>
+          </a:effectRef>
+          <a:fontRef idx="minor">
+            <a:schemeClr val="tx1"/>
+          </a:fontRef>
+        </p:style>
+      </p:cxnSp>
+      <p:cxnSp>
+        <p:nvCxnSpPr>
+          <p:cNvPr id="112" name="Straight Connector 111">
+            <a:extLst>
+              <a:ext uri="{FF2B5EF4-FFF2-40B4-BE49-F238E27FC236}">
+                <a16:creationId xmlns:a16="http://schemas.microsoft.com/office/drawing/2014/main" id="{D3D44268-FAEE-1E0A-B844-157E5D8B3A84}"/>
+              </a:ext>
+            </a:extLst>
+          </p:cNvPr>
+          <p:cNvCxnSpPr>
+            <a:cxnSpLocks/>
+            <a:stCxn id="251" idx="3"/>
+            <a:endCxn id="260" idx="1"/>
+          </p:cNvCxnSpPr>
+          <p:nvPr/>
+        </p:nvCxnSpPr>
+        <p:spPr>
+          <a:xfrm flipH="1">
+            <a:off x="3990461" y="4659909"/>
+            <a:ext cx="235385" cy="449605"/>
+          </a:xfrm>
+          <a:prstGeom prst="line">
+            <a:avLst/>
+          </a:prstGeom>
+          <a:ln w="6350">
+            <a:solidFill>
+              <a:schemeClr val="tx1"/>
+            </a:solidFill>
+          </a:ln>
+        </p:spPr>
+        <p:style>
+          <a:lnRef idx="1">
+            <a:schemeClr val="accent1"/>
+          </a:lnRef>
+          <a:fillRef idx="0">
+            <a:schemeClr val="accent1"/>
+          </a:fillRef>
+          <a:effectRef idx="0">
+            <a:schemeClr val="accent1"/>
+          </a:effectRef>
+          <a:fontRef idx="minor">
+            <a:schemeClr val="tx1"/>
+          </a:fontRef>
+        </p:style>
+      </p:cxnSp>
+      <p:cxnSp>
+        <p:nvCxnSpPr>
+          <p:cNvPr id="119" name="Straight Connector 118">
+            <a:extLst>
+              <a:ext uri="{FF2B5EF4-FFF2-40B4-BE49-F238E27FC236}">
+                <a16:creationId xmlns:a16="http://schemas.microsoft.com/office/drawing/2014/main" id="{C44510F6-D165-248C-6A94-75CFF14C7D39}"/>
+              </a:ext>
+            </a:extLst>
+          </p:cNvPr>
+          <p:cNvCxnSpPr>
+            <a:stCxn id="251" idx="3"/>
+            <a:endCxn id="258" idx="1"/>
+          </p:cNvCxnSpPr>
+          <p:nvPr/>
+        </p:nvCxnSpPr>
+        <p:spPr>
+          <a:xfrm flipH="1">
+            <a:off x="4131486" y="4659909"/>
+            <a:ext cx="94360" cy="555343"/>
+          </a:xfrm>
+          <a:prstGeom prst="line">
+            <a:avLst/>
+          </a:prstGeom>
+          <a:ln w="6350">
+            <a:solidFill>
+              <a:schemeClr val="tx1"/>
+            </a:solidFill>
+          </a:ln>
+        </p:spPr>
+        <p:style>
+          <a:lnRef idx="1">
+            <a:schemeClr val="accent1"/>
+          </a:lnRef>
+          <a:fillRef idx="0">
+            <a:schemeClr val="accent1"/>
+          </a:fillRef>
+          <a:effectRef idx="0">
+            <a:schemeClr val="accent1"/>
+          </a:effectRef>
+          <a:fontRef idx="minor">
+            <a:schemeClr val="tx1"/>
+          </a:fontRef>
+        </p:style>
+      </p:cxnSp>
+      <p:cxnSp>
+        <p:nvCxnSpPr>
+          <p:cNvPr id="126" name="Straight Connector 125">
+            <a:extLst>
+              <a:ext uri="{FF2B5EF4-FFF2-40B4-BE49-F238E27FC236}">
+                <a16:creationId xmlns:a16="http://schemas.microsoft.com/office/drawing/2014/main" id="{9EB171F2-41E3-85C6-BBA3-8B8287202704}"/>
+              </a:ext>
+            </a:extLst>
+          </p:cNvPr>
+          <p:cNvCxnSpPr>
+            <a:stCxn id="251" idx="3"/>
+            <a:endCxn id="257" idx="1"/>
+          </p:cNvCxnSpPr>
+          <p:nvPr/>
+        </p:nvCxnSpPr>
+        <p:spPr>
+          <a:xfrm>
+            <a:off x="4225846" y="4659909"/>
+            <a:ext cx="111979" cy="565075"/>
+          </a:xfrm>
+          <a:prstGeom prst="line">
+            <a:avLst/>
+          </a:prstGeom>
+          <a:ln w="6350">
+            <a:solidFill>
+              <a:schemeClr val="tx1"/>
+            </a:solidFill>
+          </a:ln>
+        </p:spPr>
+        <p:style>
+          <a:lnRef idx="1">
+            <a:schemeClr val="accent1"/>
+          </a:lnRef>
+          <a:fillRef idx="0">
+            <a:schemeClr val="accent1"/>
+          </a:fillRef>
+          <a:effectRef idx="0">
+            <a:schemeClr val="accent1"/>
+          </a:effectRef>
+          <a:fontRef idx="minor">
+            <a:schemeClr val="tx1"/>
+          </a:fontRef>
+        </p:style>
+      </p:cxnSp>
+      <p:cxnSp>
+        <p:nvCxnSpPr>
+          <p:cNvPr id="128" name="Straight Connector 127">
+            <a:extLst>
+              <a:ext uri="{FF2B5EF4-FFF2-40B4-BE49-F238E27FC236}">
+                <a16:creationId xmlns:a16="http://schemas.microsoft.com/office/drawing/2014/main" id="{5E68C908-A8B0-1775-4BDA-1053DB9A658A}"/>
+              </a:ext>
+            </a:extLst>
+          </p:cNvPr>
+          <p:cNvCxnSpPr>
+            <a:cxnSpLocks/>
+            <a:stCxn id="251" idx="3"/>
+            <a:endCxn id="256" idx="1"/>
+          </p:cNvCxnSpPr>
+          <p:nvPr/>
+        </p:nvCxnSpPr>
+        <p:spPr>
+          <a:xfrm>
+            <a:off x="4225846" y="4659909"/>
+            <a:ext cx="288424" cy="459583"/>
+          </a:xfrm>
+          <a:prstGeom prst="line">
+            <a:avLst/>
+          </a:prstGeom>
+          <a:ln w="6350">
+            <a:solidFill>
+              <a:schemeClr val="tx1"/>
+            </a:solidFill>
+          </a:ln>
+        </p:spPr>
+        <p:style>
+          <a:lnRef idx="1">
+            <a:schemeClr val="accent1"/>
+          </a:lnRef>
+          <a:fillRef idx="0">
+            <a:schemeClr val="accent1"/>
+          </a:fillRef>
+          <a:effectRef idx="0">
+            <a:schemeClr val="accent1"/>
+          </a:effectRef>
+          <a:fontRef idx="minor">
+            <a:schemeClr val="tx1"/>
+          </a:fontRef>
+        </p:style>
+      </p:cxnSp>
+      <p:cxnSp>
+        <p:nvCxnSpPr>
+          <p:cNvPr id="132" name="Straight Connector 131">
+            <a:extLst>
+              <a:ext uri="{FF2B5EF4-FFF2-40B4-BE49-F238E27FC236}">
+                <a16:creationId xmlns:a16="http://schemas.microsoft.com/office/drawing/2014/main" id="{316237BF-4A04-823E-EBD2-E639D40FAA8A}"/>
+              </a:ext>
+            </a:extLst>
+          </p:cNvPr>
+          <p:cNvCxnSpPr>
+            <a:cxnSpLocks/>
+            <a:stCxn id="251" idx="3"/>
+            <a:endCxn id="255" idx="1"/>
+          </p:cNvCxnSpPr>
+          <p:nvPr/>
+        </p:nvCxnSpPr>
+        <p:spPr>
+          <a:xfrm>
+            <a:off x="4225846" y="4659909"/>
+            <a:ext cx="395030" cy="338445"/>
+          </a:xfrm>
+          <a:prstGeom prst="line">
+            <a:avLst/>
+          </a:prstGeom>
+          <a:ln w="6350">
+            <a:solidFill>
+              <a:schemeClr val="tx1"/>
+            </a:solidFill>
+          </a:ln>
+        </p:spPr>
+        <p:style>
+          <a:lnRef idx="1">
+            <a:schemeClr val="accent1"/>
+          </a:lnRef>
+          <a:fillRef idx="0">
+            <a:schemeClr val="accent1"/>
+          </a:fillRef>
+          <a:effectRef idx="0">
+            <a:schemeClr val="accent1"/>
+          </a:effectRef>
+          <a:fontRef idx="minor">
+            <a:schemeClr val="tx1"/>
+          </a:fontRef>
+        </p:style>
+      </p:cxnSp>
+      <p:cxnSp>
+        <p:nvCxnSpPr>
+          <p:cNvPr id="137" name="Straight Connector 136">
+            <a:extLst>
+              <a:ext uri="{FF2B5EF4-FFF2-40B4-BE49-F238E27FC236}">
+                <a16:creationId xmlns:a16="http://schemas.microsoft.com/office/drawing/2014/main" id="{7D47DCDB-5ACB-BE31-A312-4324034105CA}"/>
+              </a:ext>
+            </a:extLst>
+          </p:cNvPr>
+          <p:cNvCxnSpPr>
+            <a:cxnSpLocks/>
+            <a:stCxn id="251" idx="3"/>
+            <a:endCxn id="254" idx="1"/>
+          </p:cNvCxnSpPr>
+          <p:nvPr/>
+        </p:nvCxnSpPr>
+        <p:spPr>
+          <a:xfrm>
+            <a:off x="4225846" y="4659909"/>
+            <a:ext cx="463781" cy="201741"/>
+          </a:xfrm>
+          <a:prstGeom prst="line">
+            <a:avLst/>
+          </a:prstGeom>
+          <a:ln w="6350">
+            <a:solidFill>
+              <a:schemeClr val="tx1"/>
+            </a:solidFill>
+          </a:ln>
+        </p:spPr>
+        <p:style>
+          <a:lnRef idx="1">
+            <a:schemeClr val="accent1"/>
+          </a:lnRef>
+          <a:fillRef idx="0">
+            <a:schemeClr val="accent1"/>
+          </a:fillRef>
+          <a:effectRef idx="0">
+            <a:schemeClr val="accent1"/>
+          </a:effectRef>
+          <a:fontRef idx="minor">
+            <a:schemeClr val="tx1"/>
+          </a:fontRef>
+        </p:style>
+      </p:cxnSp>
+      <p:cxnSp>
+        <p:nvCxnSpPr>
+          <p:cNvPr id="159" name="Straight Connector 158">
+            <a:extLst>
+              <a:ext uri="{FF2B5EF4-FFF2-40B4-BE49-F238E27FC236}">
+                <a16:creationId xmlns:a16="http://schemas.microsoft.com/office/drawing/2014/main" id="{834EDE7E-95C3-387B-5EF0-5C5581FDFD7E}"/>
+              </a:ext>
+            </a:extLst>
+          </p:cNvPr>
+          <p:cNvCxnSpPr>
+            <a:cxnSpLocks/>
+            <a:stCxn id="199" idx="2"/>
+            <a:endCxn id="110" idx="0"/>
+          </p:cNvCxnSpPr>
+          <p:nvPr/>
+        </p:nvCxnSpPr>
+        <p:spPr>
+          <a:xfrm>
+            <a:off x="3805452" y="4083587"/>
+            <a:ext cx="119879" cy="4489"/>
+          </a:xfrm>
+          <a:prstGeom prst="line">
+            <a:avLst/>
+          </a:prstGeom>
+          <a:ln w="6350">
+            <a:solidFill>
+              <a:schemeClr val="tx1"/>
+            </a:solidFill>
+          </a:ln>
+        </p:spPr>
+        <p:style>
+          <a:lnRef idx="1">
+            <a:schemeClr val="accent1"/>
+          </a:lnRef>
+          <a:fillRef idx="0">
+            <a:schemeClr val="accent1"/>
+          </a:fillRef>
+          <a:effectRef idx="0">
+            <a:schemeClr val="accent1"/>
+          </a:effectRef>
+          <a:fontRef idx="minor">
+            <a:schemeClr val="tx1"/>
+          </a:fontRef>
+        </p:style>
+      </p:cxnSp>
+      <p:cxnSp>
+        <p:nvCxnSpPr>
+          <p:cNvPr id="161" name="Straight Connector 160">
+            <a:extLst>
+              <a:ext uri="{FF2B5EF4-FFF2-40B4-BE49-F238E27FC236}">
+                <a16:creationId xmlns:a16="http://schemas.microsoft.com/office/drawing/2014/main" id="{1D9CB0C9-6797-25EE-1B96-CFE22D8A2B82}"/>
+              </a:ext>
+            </a:extLst>
+          </p:cNvPr>
+          <p:cNvCxnSpPr>
+            <a:cxnSpLocks/>
+          </p:cNvCxnSpPr>
+          <p:nvPr/>
+        </p:nvCxnSpPr>
+        <p:spPr>
+          <a:xfrm>
+            <a:off x="3483228" y="4323489"/>
+            <a:ext cx="231" cy="50991"/>
+          </a:xfrm>
+          <a:prstGeom prst="line">
+            <a:avLst/>
+          </a:prstGeom>
+          <a:ln w="6350">
+            <a:solidFill>
+              <a:schemeClr val="tx1"/>
+            </a:solidFill>
+          </a:ln>
+        </p:spPr>
+        <p:style>
+          <a:lnRef idx="1">
+            <a:schemeClr val="accent1"/>
+          </a:lnRef>
+          <a:fillRef idx="0">
+            <a:schemeClr val="accent1"/>
+          </a:fillRef>
+          <a:effectRef idx="0">
+            <a:schemeClr val="accent1"/>
+          </a:effectRef>
+          <a:fontRef idx="minor">
+            <a:schemeClr val="tx1"/>
+          </a:fontRef>
+        </p:style>
+      </p:cxnSp>
+      <p:cxnSp>
+        <p:nvCxnSpPr>
+          <p:cNvPr id="166" name="Straight Connector 165">
+            <a:extLst>
+              <a:ext uri="{FF2B5EF4-FFF2-40B4-BE49-F238E27FC236}">
+                <a16:creationId xmlns:a16="http://schemas.microsoft.com/office/drawing/2014/main" id="{C65C9961-6D33-31EF-F86F-1676B4178497}"/>
+              </a:ext>
+            </a:extLst>
+          </p:cNvPr>
+          <p:cNvCxnSpPr>
+            <a:cxnSpLocks/>
+          </p:cNvCxnSpPr>
+          <p:nvPr/>
+        </p:nvCxnSpPr>
+        <p:spPr>
+          <a:xfrm flipH="1">
+            <a:off x="4186266" y="4493071"/>
+            <a:ext cx="30487" cy="44377"/>
+          </a:xfrm>
+          <a:prstGeom prst="line">
+            <a:avLst/>
+          </a:prstGeom>
+          <a:noFill/>
+          <a:ln w="6350" cap="flat">
+            <a:solidFill>
+              <a:schemeClr val="tx1"/>
+            </a:solidFill>
+            <a:miter/>
+          </a:ln>
+        </p:spPr>
+      </p:cxnSp>
+      <p:cxnSp>
+        <p:nvCxnSpPr>
+          <p:cNvPr id="169" name="Straight Connector 168">
+            <a:extLst>
+              <a:ext uri="{FF2B5EF4-FFF2-40B4-BE49-F238E27FC236}">
+                <a16:creationId xmlns:a16="http://schemas.microsoft.com/office/drawing/2014/main" id="{97EC96E6-63D9-9A2F-750A-24F67BB2958E}"/>
+              </a:ext>
+            </a:extLst>
+          </p:cNvPr>
+          <p:cNvCxnSpPr>
+            <a:cxnSpLocks/>
+            <a:stCxn id="110" idx="3"/>
+          </p:cNvCxnSpPr>
+          <p:nvPr/>
+        </p:nvCxnSpPr>
+        <p:spPr>
+          <a:xfrm>
+            <a:off x="4076411" y="4184594"/>
+            <a:ext cx="145048" cy="319107"/>
+          </a:xfrm>
+          <a:prstGeom prst="line">
+            <a:avLst/>
+          </a:prstGeom>
+          <a:ln w="6350">
+            <a:solidFill>
+              <a:schemeClr val="tx1"/>
+            </a:solidFill>
+          </a:ln>
+        </p:spPr>
+        <p:style>
+          <a:lnRef idx="1">
+            <a:schemeClr val="accent1"/>
+          </a:lnRef>
+          <a:fillRef idx="0">
+            <a:schemeClr val="accent1"/>
+          </a:fillRef>
+          <a:effectRef idx="0">
+            <a:schemeClr val="accent1"/>
+          </a:effectRef>
+          <a:fontRef idx="minor">
+            <a:schemeClr val="tx1"/>
+          </a:fontRef>
+        </p:style>
+      </p:cxnSp>
+      <p:cxnSp>
+        <p:nvCxnSpPr>
+          <p:cNvPr id="174" name="Straight Connector 173">
+            <a:extLst>
+              <a:ext uri="{FF2B5EF4-FFF2-40B4-BE49-F238E27FC236}">
+                <a16:creationId xmlns:a16="http://schemas.microsoft.com/office/drawing/2014/main" id="{9B63361A-5A76-5C30-C47A-8E3BB49C90A7}"/>
+              </a:ext>
+            </a:extLst>
+          </p:cNvPr>
+          <p:cNvCxnSpPr>
+            <a:cxnSpLocks/>
+          </p:cNvCxnSpPr>
+          <p:nvPr/>
+        </p:nvCxnSpPr>
+        <p:spPr>
+          <a:xfrm>
+            <a:off x="4107922" y="4579882"/>
+            <a:ext cx="231" cy="50991"/>
+          </a:xfrm>
+          <a:prstGeom prst="line">
+            <a:avLst/>
+          </a:prstGeom>
+          <a:ln w="6350">
+            <a:solidFill>
+              <a:schemeClr val="tx1"/>
+            </a:solidFill>
+          </a:ln>
+        </p:spPr>
+        <p:style>
+          <a:lnRef idx="1">
+            <a:schemeClr val="accent1"/>
+          </a:lnRef>
+          <a:fillRef idx="0">
+            <a:schemeClr val="accent1"/>
+          </a:fillRef>
+          <a:effectRef idx="0">
+            <a:schemeClr val="accent1"/>
+          </a:effectRef>
+          <a:fontRef idx="minor">
+            <a:schemeClr val="tx1"/>
+          </a:fontRef>
+        </p:style>
+      </p:cxnSp>
+      <p:cxnSp>
+        <p:nvCxnSpPr>
+          <p:cNvPr id="175" name="Straight Connector 174">
+            <a:extLst>
+              <a:ext uri="{FF2B5EF4-FFF2-40B4-BE49-F238E27FC236}">
+                <a16:creationId xmlns:a16="http://schemas.microsoft.com/office/drawing/2014/main" id="{A16ECCEE-B246-8284-80EE-167DF0A017D6}"/>
+              </a:ext>
+            </a:extLst>
+          </p:cNvPr>
+          <p:cNvCxnSpPr>
+            <a:cxnSpLocks/>
+          </p:cNvCxnSpPr>
+          <p:nvPr/>
+        </p:nvCxnSpPr>
+        <p:spPr>
+          <a:xfrm>
+            <a:off x="3308770" y="4698330"/>
+            <a:ext cx="60497" cy="0"/>
+          </a:xfrm>
+          <a:prstGeom prst="line">
+            <a:avLst/>
+          </a:prstGeom>
+          <a:ln w="6350">
+            <a:solidFill>
+              <a:schemeClr val="tx1"/>
+            </a:solidFill>
+          </a:ln>
+        </p:spPr>
+        <p:style>
+          <a:lnRef idx="1">
+            <a:schemeClr val="accent1"/>
+          </a:lnRef>
+          <a:fillRef idx="0">
+            <a:schemeClr val="accent1"/>
+          </a:fillRef>
+          <a:effectRef idx="0">
+            <a:schemeClr val="accent1"/>
+          </a:effectRef>
+          <a:fontRef idx="minor">
+            <a:schemeClr val="tx1"/>
+          </a:fontRef>
+        </p:style>
+      </p:cxnSp>
+      <p:cxnSp>
+        <p:nvCxnSpPr>
+          <p:cNvPr id="180" name="Straight Connector 179">
+            <a:extLst>
+              <a:ext uri="{FF2B5EF4-FFF2-40B4-BE49-F238E27FC236}">
+                <a16:creationId xmlns:a16="http://schemas.microsoft.com/office/drawing/2014/main" id="{FCD5EB79-9C91-99B3-2B3E-5F5061B398C8}"/>
+              </a:ext>
+            </a:extLst>
+          </p:cNvPr>
+          <p:cNvCxnSpPr>
+            <a:cxnSpLocks/>
+          </p:cNvCxnSpPr>
+          <p:nvPr/>
+        </p:nvCxnSpPr>
+        <p:spPr>
+          <a:xfrm flipH="1">
+            <a:off x="4040853" y="3926610"/>
+            <a:ext cx="66216" cy="117"/>
+          </a:xfrm>
+          <a:prstGeom prst="line">
+            <a:avLst/>
+          </a:prstGeom>
+          <a:ln w="6350">
+            <a:solidFill>
+              <a:schemeClr val="tx1"/>
+            </a:solidFill>
+          </a:ln>
+        </p:spPr>
+        <p:style>
+          <a:lnRef idx="1">
+            <a:schemeClr val="accent1"/>
+          </a:lnRef>
+          <a:fillRef idx="0">
+            <a:schemeClr val="accent1"/>
+          </a:fillRef>
+          <a:effectRef idx="0">
+            <a:schemeClr val="accent1"/>
+          </a:effectRef>
+          <a:fontRef idx="minor">
+            <a:schemeClr val="tx1"/>
+          </a:fontRef>
+        </p:style>
+      </p:cxnSp>
+      <p:cxnSp>
+        <p:nvCxnSpPr>
+          <p:cNvPr id="185" name="Straight Connector 184">
+            <a:extLst>
+              <a:ext uri="{FF2B5EF4-FFF2-40B4-BE49-F238E27FC236}">
+                <a16:creationId xmlns:a16="http://schemas.microsoft.com/office/drawing/2014/main" id="{8EE8A70C-D4AE-D8CF-11CE-3242478C640B}"/>
+              </a:ext>
+            </a:extLst>
+          </p:cNvPr>
+          <p:cNvCxnSpPr>
+            <a:stCxn id="251" idx="2"/>
+            <a:endCxn id="24" idx="0"/>
+          </p:cNvCxnSpPr>
+          <p:nvPr/>
+        </p:nvCxnSpPr>
+        <p:spPr>
+          <a:xfrm flipV="1">
+            <a:off x="4324820" y="4383087"/>
+            <a:ext cx="1268169" cy="219087"/>
+          </a:xfrm>
+          <a:prstGeom prst="line">
+            <a:avLst/>
+          </a:prstGeom>
+          <a:ln w="6350">
+            <a:solidFill>
+              <a:schemeClr val="tx1"/>
+            </a:solidFill>
+          </a:ln>
+        </p:spPr>
+        <p:style>
+          <a:lnRef idx="1">
+            <a:schemeClr val="accent1"/>
+          </a:lnRef>
+          <a:fillRef idx="0">
+            <a:schemeClr val="accent1"/>
+          </a:fillRef>
+          <a:effectRef idx="0">
+            <a:schemeClr val="accent1"/>
+          </a:effectRef>
+          <a:fontRef idx="minor">
+            <a:schemeClr val="tx1"/>
+          </a:fontRef>
+        </p:style>
+      </p:cxnSp>
+      <p:cxnSp>
+        <p:nvCxnSpPr>
+          <p:cNvPr id="204" name="Straight Connector 203">
+            <a:extLst>
+              <a:ext uri="{FF2B5EF4-FFF2-40B4-BE49-F238E27FC236}">
+                <a16:creationId xmlns:a16="http://schemas.microsoft.com/office/drawing/2014/main" id="{38CAADCD-EE2C-3CEF-FB56-1949B7EC6682}"/>
+              </a:ext>
+            </a:extLst>
+          </p:cNvPr>
+          <p:cNvCxnSpPr>
+            <a:cxnSpLocks/>
+            <a:stCxn id="24" idx="3"/>
+            <a:endCxn id="306" idx="1"/>
+          </p:cNvCxnSpPr>
+          <p:nvPr/>
+        </p:nvCxnSpPr>
+        <p:spPr>
+          <a:xfrm flipH="1">
+            <a:off x="5690514" y="4440822"/>
+            <a:ext cx="1450" cy="120174"/>
+          </a:xfrm>
+          <a:prstGeom prst="line">
+            <a:avLst/>
+          </a:prstGeom>
+          <a:ln w="6350">
+            <a:solidFill>
+              <a:schemeClr val="tx1"/>
+            </a:solidFill>
+          </a:ln>
+        </p:spPr>
+        <p:style>
+          <a:lnRef idx="1">
+            <a:schemeClr val="accent1"/>
+          </a:lnRef>
+          <a:fillRef idx="0">
+            <a:schemeClr val="accent1"/>
+          </a:fillRef>
+          <a:effectRef idx="0">
+            <a:schemeClr val="accent1"/>
+          </a:effectRef>
+          <a:fontRef idx="minor">
+            <a:schemeClr val="tx1"/>
+          </a:fontRef>
+        </p:style>
+      </p:cxnSp>
+      <p:cxnSp>
+        <p:nvCxnSpPr>
+          <p:cNvPr id="225" name="Straight Connector 224">
+            <a:extLst>
+              <a:ext uri="{FF2B5EF4-FFF2-40B4-BE49-F238E27FC236}">
+                <a16:creationId xmlns:a16="http://schemas.microsoft.com/office/drawing/2014/main" id="{7F8680C2-F04B-05D4-DAB3-CCFDD246DE22}"/>
+              </a:ext>
+            </a:extLst>
+          </p:cNvPr>
+          <p:cNvCxnSpPr>
+            <a:cxnSpLocks/>
+          </p:cNvCxnSpPr>
+          <p:nvPr/>
+        </p:nvCxnSpPr>
+        <p:spPr>
+          <a:xfrm>
+            <a:off x="4337824" y="4578281"/>
+            <a:ext cx="0" cy="40793"/>
+          </a:xfrm>
+          <a:prstGeom prst="line">
+            <a:avLst/>
+          </a:prstGeom>
+          <a:ln w="6350">
+            <a:solidFill>
+              <a:schemeClr val="tx1"/>
+            </a:solidFill>
+          </a:ln>
+        </p:spPr>
+        <p:style>
+          <a:lnRef idx="1">
+            <a:schemeClr val="accent1"/>
+          </a:lnRef>
+          <a:fillRef idx="0">
+            <a:schemeClr val="accent1"/>
+          </a:fillRef>
+          <a:effectRef idx="0">
+            <a:schemeClr val="accent1"/>
+          </a:effectRef>
+          <a:fontRef idx="minor">
+            <a:schemeClr val="tx1"/>
+          </a:fontRef>
+        </p:style>
+      </p:cxnSp>
+      <p:cxnSp>
+        <p:nvCxnSpPr>
+          <p:cNvPr id="235" name="Straight Connector 234">
+            <a:extLst>
+              <a:ext uri="{FF2B5EF4-FFF2-40B4-BE49-F238E27FC236}">
+                <a16:creationId xmlns:a16="http://schemas.microsoft.com/office/drawing/2014/main" id="{6E0EB01C-29CA-CE64-0E83-31399A94BA49}"/>
+              </a:ext>
+            </a:extLst>
+          </p:cNvPr>
+          <p:cNvCxnSpPr>
+            <a:cxnSpLocks/>
+            <a:stCxn id="306" idx="3"/>
+          </p:cNvCxnSpPr>
+          <p:nvPr/>
+        </p:nvCxnSpPr>
+        <p:spPr>
+          <a:xfrm flipH="1">
+            <a:off x="5385638" y="4676466"/>
+            <a:ext cx="304876" cy="76220"/>
+          </a:xfrm>
+          <a:prstGeom prst="line">
+            <a:avLst/>
+          </a:prstGeom>
+          <a:ln w="6350">
+            <a:solidFill>
+              <a:schemeClr val="tx1"/>
+            </a:solidFill>
+          </a:ln>
+        </p:spPr>
+        <p:style>
+          <a:lnRef idx="1">
+            <a:schemeClr val="accent1"/>
+          </a:lnRef>
+          <a:fillRef idx="0">
+            <a:schemeClr val="accent1"/>
+          </a:fillRef>
+          <a:effectRef idx="0">
+            <a:schemeClr val="accent1"/>
+          </a:effectRef>
+          <a:fontRef idx="minor">
+            <a:schemeClr val="tx1"/>
+          </a:fontRef>
+        </p:style>
+      </p:cxnSp>
+      <p:cxnSp>
+        <p:nvCxnSpPr>
+          <p:cNvPr id="243" name="Straight Connector 242">
+            <a:extLst>
+              <a:ext uri="{FF2B5EF4-FFF2-40B4-BE49-F238E27FC236}">
+                <a16:creationId xmlns:a16="http://schemas.microsoft.com/office/drawing/2014/main" id="{EC4E5891-13D9-FAD9-6B52-873D8BBA4538}"/>
+              </a:ext>
+            </a:extLst>
+          </p:cNvPr>
+          <p:cNvCxnSpPr>
+            <a:stCxn id="306" idx="3"/>
+            <a:endCxn id="311" idx="1"/>
+          </p:cNvCxnSpPr>
+          <p:nvPr/>
+        </p:nvCxnSpPr>
+        <p:spPr>
+          <a:xfrm flipH="1">
+            <a:off x="5473803" y="4676466"/>
+            <a:ext cx="216711" cy="219690"/>
+          </a:xfrm>
+          <a:prstGeom prst="line">
+            <a:avLst/>
+          </a:prstGeom>
+          <a:ln w="6350">
+            <a:solidFill>
+              <a:schemeClr val="tx1"/>
+            </a:solidFill>
+          </a:ln>
+        </p:spPr>
+        <p:style>
+          <a:lnRef idx="1">
+            <a:schemeClr val="accent1"/>
+          </a:lnRef>
+          <a:fillRef idx="0">
+            <a:schemeClr val="accent1"/>
+          </a:fillRef>
+          <a:effectRef idx="0">
+            <a:schemeClr val="accent1"/>
+          </a:effectRef>
+          <a:fontRef idx="minor">
+            <a:schemeClr val="tx1"/>
+          </a:fontRef>
+        </p:style>
+      </p:cxnSp>
+      <p:cxnSp>
+        <p:nvCxnSpPr>
+          <p:cNvPr id="249" name="Straight Connector 248">
+            <a:extLst>
+              <a:ext uri="{FF2B5EF4-FFF2-40B4-BE49-F238E27FC236}">
+                <a16:creationId xmlns:a16="http://schemas.microsoft.com/office/drawing/2014/main" id="{C8AFA8F6-C2BD-6308-C9C7-43D882ECD83A}"/>
+              </a:ext>
+            </a:extLst>
+          </p:cNvPr>
+          <p:cNvCxnSpPr>
+            <a:cxnSpLocks/>
+            <a:stCxn id="306" idx="3"/>
+          </p:cNvCxnSpPr>
+          <p:nvPr/>
+        </p:nvCxnSpPr>
+        <p:spPr>
+          <a:xfrm flipH="1">
+            <a:off x="5669869" y="4676466"/>
+            <a:ext cx="20645" cy="313256"/>
+          </a:xfrm>
+          <a:prstGeom prst="line">
+            <a:avLst/>
+          </a:prstGeom>
+          <a:ln w="6350">
+            <a:solidFill>
+              <a:schemeClr val="tx1"/>
+            </a:solidFill>
+          </a:ln>
+        </p:spPr>
+        <p:style>
+          <a:lnRef idx="1">
+            <a:schemeClr val="accent1"/>
+          </a:lnRef>
+          <a:fillRef idx="0">
+            <a:schemeClr val="accent1"/>
+          </a:fillRef>
+          <a:effectRef idx="0">
+            <a:schemeClr val="accent1"/>
+          </a:effectRef>
+          <a:fontRef idx="minor">
+            <a:schemeClr val="tx1"/>
+          </a:fontRef>
+        </p:style>
+      </p:cxnSp>
+      <p:cxnSp>
+        <p:nvCxnSpPr>
+          <p:cNvPr id="262" name="Straight Connector 261">
+            <a:extLst>
+              <a:ext uri="{FF2B5EF4-FFF2-40B4-BE49-F238E27FC236}">
+                <a16:creationId xmlns:a16="http://schemas.microsoft.com/office/drawing/2014/main" id="{347CE386-7BAA-7287-79C2-FB6465A1F0AE}"/>
+              </a:ext>
+            </a:extLst>
+          </p:cNvPr>
+          <p:cNvCxnSpPr>
+            <a:stCxn id="306" idx="3"/>
+            <a:endCxn id="309" idx="1"/>
+          </p:cNvCxnSpPr>
+          <p:nvPr/>
+        </p:nvCxnSpPr>
+        <p:spPr>
+          <a:xfrm>
+            <a:off x="5690514" y="4676466"/>
+            <a:ext cx="209659" cy="227056"/>
+          </a:xfrm>
+          <a:prstGeom prst="line">
+            <a:avLst/>
+          </a:prstGeom>
+          <a:ln w="6350">
+            <a:solidFill>
+              <a:schemeClr val="tx1"/>
+            </a:solidFill>
+          </a:ln>
+        </p:spPr>
+        <p:style>
+          <a:lnRef idx="1">
+            <a:schemeClr val="accent1"/>
+          </a:lnRef>
+          <a:fillRef idx="0">
+            <a:schemeClr val="accent1"/>
+          </a:fillRef>
+          <a:effectRef idx="0">
+            <a:schemeClr val="accent1"/>
+          </a:effectRef>
+          <a:fontRef idx="minor">
+            <a:schemeClr val="tx1"/>
+          </a:fontRef>
+        </p:style>
+      </p:cxnSp>
+      <p:cxnSp>
+        <p:nvCxnSpPr>
+          <p:cNvPr id="271" name="Straight Connector 270">
+            <a:extLst>
+              <a:ext uri="{FF2B5EF4-FFF2-40B4-BE49-F238E27FC236}">
+                <a16:creationId xmlns:a16="http://schemas.microsoft.com/office/drawing/2014/main" id="{E4ECC0E7-DB8D-D617-3DD7-FC3D096C8FF9}"/>
+              </a:ext>
+            </a:extLst>
+          </p:cNvPr>
+          <p:cNvCxnSpPr>
+            <a:stCxn id="306" idx="3"/>
+            <a:endCxn id="308" idx="1"/>
+          </p:cNvCxnSpPr>
+          <p:nvPr/>
+        </p:nvCxnSpPr>
+        <p:spPr>
+          <a:xfrm>
+            <a:off x="5690514" y="4676466"/>
+            <a:ext cx="337541" cy="83304"/>
+          </a:xfrm>
+          <a:prstGeom prst="line">
+            <a:avLst/>
+          </a:prstGeom>
+          <a:ln w="6350">
+            <a:solidFill>
+              <a:schemeClr val="tx1"/>
+            </a:solidFill>
+          </a:ln>
+        </p:spPr>
+        <p:style>
+          <a:lnRef idx="1">
+            <a:schemeClr val="accent1"/>
+          </a:lnRef>
+          <a:fillRef idx="0">
+            <a:schemeClr val="accent1"/>
+          </a:fillRef>
+          <a:effectRef idx="0">
+            <a:schemeClr val="accent1"/>
+          </a:effectRef>
+          <a:fontRef idx="minor">
+            <a:schemeClr val="tx1"/>
+          </a:fontRef>
+        </p:style>
+      </p:cxnSp>
+      <p:cxnSp>
+        <p:nvCxnSpPr>
+          <p:cNvPr id="272" name="Straight Connector 271">
+            <a:extLst>
+              <a:ext uri="{FF2B5EF4-FFF2-40B4-BE49-F238E27FC236}">
+                <a16:creationId xmlns:a16="http://schemas.microsoft.com/office/drawing/2014/main" id="{9CA209FF-B83A-85FD-9FF3-1D5E178B424E}"/>
+              </a:ext>
+            </a:extLst>
+          </p:cNvPr>
+          <p:cNvCxnSpPr>
+            <a:cxnSpLocks/>
+          </p:cNvCxnSpPr>
+          <p:nvPr/>
+        </p:nvCxnSpPr>
+        <p:spPr>
+          <a:xfrm>
+            <a:off x="5403771" y="3894225"/>
+            <a:ext cx="0" cy="66878"/>
+          </a:xfrm>
+          <a:prstGeom prst="line">
+            <a:avLst/>
+          </a:prstGeom>
+          <a:ln w="6350">
+            <a:solidFill>
+              <a:schemeClr val="tx1"/>
+            </a:solidFill>
+          </a:ln>
+        </p:spPr>
+        <p:style>
+          <a:lnRef idx="1">
+            <a:schemeClr val="accent1"/>
+          </a:lnRef>
+          <a:fillRef idx="0">
+            <a:schemeClr val="accent1"/>
+          </a:fillRef>
+          <a:effectRef idx="0">
+            <a:schemeClr val="accent1"/>
+          </a:effectRef>
+          <a:fontRef idx="minor">
+            <a:schemeClr val="tx1"/>
+          </a:fontRef>
+        </p:style>
+      </p:cxnSp>
+      <p:cxnSp>
+        <p:nvCxnSpPr>
+          <p:cNvPr id="302" name="Straight Connector 301">
+            <a:extLst>
+              <a:ext uri="{FF2B5EF4-FFF2-40B4-BE49-F238E27FC236}">
+                <a16:creationId xmlns:a16="http://schemas.microsoft.com/office/drawing/2014/main" id="{C9A148E6-14FF-3ED5-DAED-CCD9EF4D4231}"/>
+              </a:ext>
+            </a:extLst>
+          </p:cNvPr>
+          <p:cNvCxnSpPr>
+            <a:cxnSpLocks/>
+          </p:cNvCxnSpPr>
+          <p:nvPr/>
+        </p:nvCxnSpPr>
+        <p:spPr>
+          <a:xfrm flipH="1">
+            <a:off x="4903848" y="3565936"/>
+            <a:ext cx="65553" cy="0"/>
+          </a:xfrm>
+          <a:prstGeom prst="line">
+            <a:avLst/>
+          </a:prstGeom>
+          <a:ln w="6350">
+            <a:solidFill>
+              <a:schemeClr val="tx1"/>
+            </a:solidFill>
+          </a:ln>
+        </p:spPr>
+        <p:style>
+          <a:lnRef idx="1">
+            <a:schemeClr val="accent1"/>
+          </a:lnRef>
+          <a:fillRef idx="0">
+            <a:schemeClr val="accent1"/>
+          </a:fillRef>
+          <a:effectRef idx="0">
+            <a:schemeClr val="accent1"/>
+          </a:effectRef>
+          <a:fontRef idx="minor">
+            <a:schemeClr val="tx1"/>
+          </a:fontRef>
+        </p:style>
+      </p:cxnSp>
+      <p:cxnSp>
+        <p:nvCxnSpPr>
+          <p:cNvPr id="324" name="Straight Connector 323">
+            <a:extLst>
+              <a:ext uri="{FF2B5EF4-FFF2-40B4-BE49-F238E27FC236}">
+                <a16:creationId xmlns:a16="http://schemas.microsoft.com/office/drawing/2014/main" id="{C941753B-5DB3-A91F-97C8-6C4BF8DE05B9}"/>
+              </a:ext>
+            </a:extLst>
+          </p:cNvPr>
+          <p:cNvCxnSpPr>
+            <a:stCxn id="284" idx="3"/>
+            <a:endCxn id="283" idx="1"/>
+          </p:cNvCxnSpPr>
+          <p:nvPr/>
+        </p:nvCxnSpPr>
+        <p:spPr>
+          <a:xfrm>
+            <a:off x="4764036" y="3301465"/>
+            <a:ext cx="172590" cy="127535"/>
+          </a:xfrm>
+          <a:prstGeom prst="line">
+            <a:avLst/>
+          </a:prstGeom>
+          <a:ln w="6350">
+            <a:solidFill>
+              <a:schemeClr val="tx1"/>
+            </a:solidFill>
+          </a:ln>
+        </p:spPr>
+        <p:style>
+          <a:lnRef idx="1">
+            <a:schemeClr val="accent1"/>
+          </a:lnRef>
+          <a:fillRef idx="0">
+            <a:schemeClr val="accent1"/>
+          </a:fillRef>
+          <a:effectRef idx="0">
+            <a:schemeClr val="accent1"/>
+          </a:effectRef>
+          <a:fontRef idx="minor">
+            <a:schemeClr val="tx1"/>
+          </a:fontRef>
+        </p:style>
+      </p:cxnSp>
+      <p:cxnSp>
+        <p:nvCxnSpPr>
+          <p:cNvPr id="327" name="Straight Connector 326">
+            <a:extLst>
+              <a:ext uri="{FF2B5EF4-FFF2-40B4-BE49-F238E27FC236}">
+                <a16:creationId xmlns:a16="http://schemas.microsoft.com/office/drawing/2014/main" id="{FB937730-E094-B8ED-7AA7-5EE2D4C24F5B}"/>
+              </a:ext>
+            </a:extLst>
+          </p:cNvPr>
+          <p:cNvCxnSpPr>
+            <a:stCxn id="285" idx="3"/>
+            <a:endCxn id="283" idx="1"/>
+          </p:cNvCxnSpPr>
+          <p:nvPr/>
+        </p:nvCxnSpPr>
+        <p:spPr>
+          <a:xfrm flipH="1">
+            <a:off x="4936626" y="3198152"/>
+            <a:ext cx="25842" cy="230848"/>
+          </a:xfrm>
+          <a:prstGeom prst="line">
+            <a:avLst/>
+          </a:prstGeom>
+          <a:ln w="6350">
+            <a:solidFill>
+              <a:schemeClr val="tx1"/>
+            </a:solidFill>
+          </a:ln>
+        </p:spPr>
+        <p:style>
+          <a:lnRef idx="1">
+            <a:schemeClr val="accent1"/>
+          </a:lnRef>
+          <a:fillRef idx="0">
+            <a:schemeClr val="accent1"/>
+          </a:fillRef>
+          <a:effectRef idx="0">
+            <a:schemeClr val="accent1"/>
+          </a:effectRef>
+          <a:fontRef idx="minor">
+            <a:schemeClr val="tx1"/>
+          </a:fontRef>
+        </p:style>
+      </p:cxnSp>
+      <p:cxnSp>
+        <p:nvCxnSpPr>
+          <p:cNvPr id="334" name="Straight Connector 333">
+            <a:extLst>
+              <a:ext uri="{FF2B5EF4-FFF2-40B4-BE49-F238E27FC236}">
+                <a16:creationId xmlns:a16="http://schemas.microsoft.com/office/drawing/2014/main" id="{77CAF069-B528-9511-14F7-50D18C3C9A9C}"/>
+              </a:ext>
+            </a:extLst>
+          </p:cNvPr>
+          <p:cNvCxnSpPr>
+            <a:stCxn id="286" idx="3"/>
+            <a:endCxn id="283" idx="1"/>
+          </p:cNvCxnSpPr>
+          <p:nvPr/>
+        </p:nvCxnSpPr>
+        <p:spPr>
+          <a:xfrm flipH="1">
+            <a:off x="4936626" y="3308591"/>
+            <a:ext cx="191967" cy="120409"/>
+          </a:xfrm>
+          <a:prstGeom prst="line">
+            <a:avLst/>
+          </a:prstGeom>
+          <a:ln w="6350">
+            <a:solidFill>
+              <a:schemeClr val="tx1"/>
+            </a:solidFill>
+          </a:ln>
+        </p:spPr>
+        <p:style>
+          <a:lnRef idx="1">
+            <a:schemeClr val="accent1"/>
+          </a:lnRef>
+          <a:fillRef idx="0">
+            <a:schemeClr val="accent1"/>
+          </a:fillRef>
+          <a:effectRef idx="0">
+            <a:schemeClr val="accent1"/>
+          </a:effectRef>
+          <a:fontRef idx="minor">
+            <a:schemeClr val="tx1"/>
+          </a:fontRef>
+        </p:style>
+      </p:cxnSp>
+      <p:cxnSp>
+        <p:nvCxnSpPr>
+          <p:cNvPr id="345" name="Straight Connector 344">
+            <a:extLst>
+              <a:ext uri="{FF2B5EF4-FFF2-40B4-BE49-F238E27FC236}">
+                <a16:creationId xmlns:a16="http://schemas.microsoft.com/office/drawing/2014/main" id="{6EFB7868-2366-CF0D-4070-278459DB9E00}"/>
+              </a:ext>
+            </a:extLst>
+          </p:cNvPr>
+          <p:cNvCxnSpPr>
+            <a:stCxn id="283" idx="2"/>
+            <a:endCxn id="294" idx="0"/>
+          </p:cNvCxnSpPr>
+          <p:nvPr/>
+        </p:nvCxnSpPr>
+        <p:spPr>
+          <a:xfrm flipV="1">
+            <a:off x="5035600" y="3486415"/>
+            <a:ext cx="161200" cy="320"/>
+          </a:xfrm>
+          <a:prstGeom prst="line">
+            <a:avLst/>
+          </a:prstGeom>
+          <a:ln w="6350">
+            <a:solidFill>
+              <a:schemeClr val="tx1"/>
+            </a:solidFill>
+          </a:ln>
+        </p:spPr>
+        <p:style>
+          <a:lnRef idx="1">
+            <a:schemeClr val="accent1"/>
+          </a:lnRef>
+          <a:fillRef idx="0">
+            <a:schemeClr val="accent1"/>
+          </a:fillRef>
+          <a:effectRef idx="0">
+            <a:schemeClr val="accent1"/>
+          </a:effectRef>
+          <a:fontRef idx="minor">
+            <a:schemeClr val="tx1"/>
+          </a:fontRef>
+        </p:style>
+      </p:cxnSp>
+      <p:cxnSp>
+        <p:nvCxnSpPr>
+          <p:cNvPr id="349" name="Straight Connector 348">
+            <a:extLst>
+              <a:ext uri="{FF2B5EF4-FFF2-40B4-BE49-F238E27FC236}">
+                <a16:creationId xmlns:a16="http://schemas.microsoft.com/office/drawing/2014/main" id="{E48F637B-518C-EA63-A791-AF04D89F1D16}"/>
+              </a:ext>
+            </a:extLst>
+          </p:cNvPr>
+          <p:cNvCxnSpPr/>
+          <p:nvPr/>
+        </p:nvCxnSpPr>
+        <p:spPr>
+          <a:xfrm flipV="1">
+            <a:off x="5523840" y="3486415"/>
+            <a:ext cx="0" cy="337579"/>
+          </a:xfrm>
+          <a:prstGeom prst="line">
+            <a:avLst/>
+          </a:prstGeom>
+          <a:ln w="6350">
+            <a:solidFill>
+              <a:schemeClr val="tx1"/>
+            </a:solidFill>
+          </a:ln>
+        </p:spPr>
+        <p:style>
+          <a:lnRef idx="1">
+            <a:schemeClr val="accent1"/>
+          </a:lnRef>
+          <a:fillRef idx="0">
+            <a:schemeClr val="accent1"/>
+          </a:fillRef>
+          <a:effectRef idx="0">
+            <a:schemeClr val="accent1"/>
+          </a:effectRef>
+          <a:fontRef idx="minor">
+            <a:schemeClr val="tx1"/>
+          </a:fontRef>
+        </p:style>
+      </p:cxnSp>
+      <p:cxnSp>
+        <p:nvCxnSpPr>
+          <p:cNvPr id="351" name="Straight Connector 350">
+            <a:extLst>
+              <a:ext uri="{FF2B5EF4-FFF2-40B4-BE49-F238E27FC236}">
+                <a16:creationId xmlns:a16="http://schemas.microsoft.com/office/drawing/2014/main" id="{DB376AB9-8096-130C-5D6B-FB811E69E242}"/>
+              </a:ext>
+            </a:extLst>
+          </p:cNvPr>
+          <p:cNvCxnSpPr>
+            <a:endCxn id="294" idx="2"/>
+          </p:cNvCxnSpPr>
+          <p:nvPr/>
+        </p:nvCxnSpPr>
+        <p:spPr>
+          <a:xfrm flipH="1">
+            <a:off x="5394749" y="3486415"/>
+            <a:ext cx="129091" cy="0"/>
+          </a:xfrm>
+          <a:prstGeom prst="line">
+            <a:avLst/>
+          </a:prstGeom>
+          <a:ln w="6350">
+            <a:solidFill>
+              <a:schemeClr val="tx1"/>
+            </a:solidFill>
+          </a:ln>
+        </p:spPr>
+        <p:style>
+          <a:lnRef idx="1">
+            <a:schemeClr val="accent1"/>
+          </a:lnRef>
+          <a:fillRef idx="0">
+            <a:schemeClr val="accent1"/>
+          </a:fillRef>
+          <a:effectRef idx="0">
+            <a:schemeClr val="accent1"/>
+          </a:effectRef>
+          <a:fontRef idx="minor">
+            <a:schemeClr val="tx1"/>
+          </a:fontRef>
+        </p:style>
+      </p:cxnSp>
+      <p:cxnSp>
+        <p:nvCxnSpPr>
+          <p:cNvPr id="355" name="Straight Connector 354">
+            <a:extLst>
+              <a:ext uri="{FF2B5EF4-FFF2-40B4-BE49-F238E27FC236}">
+                <a16:creationId xmlns:a16="http://schemas.microsoft.com/office/drawing/2014/main" id="{28332A5A-CD39-AFEB-3199-EE917CA3EE84}"/>
+              </a:ext>
+            </a:extLst>
+          </p:cNvPr>
+          <p:cNvCxnSpPr>
+            <a:stCxn id="275" idx="3"/>
+            <a:endCxn id="274" idx="1"/>
+          </p:cNvCxnSpPr>
+          <p:nvPr/>
+        </p:nvCxnSpPr>
+        <p:spPr>
+          <a:xfrm>
+            <a:off x="5494015" y="3265464"/>
+            <a:ext cx="215775" cy="62717"/>
+          </a:xfrm>
+          <a:prstGeom prst="line">
+            <a:avLst/>
+          </a:prstGeom>
+          <a:ln w="6350">
+            <a:solidFill>
+              <a:schemeClr val="tx1"/>
+            </a:solidFill>
+          </a:ln>
+        </p:spPr>
+        <p:style>
+          <a:lnRef idx="1">
+            <a:schemeClr val="accent1"/>
+          </a:lnRef>
+          <a:fillRef idx="0">
+            <a:schemeClr val="accent1"/>
+          </a:fillRef>
+          <a:effectRef idx="0">
+            <a:schemeClr val="accent1"/>
+          </a:effectRef>
+          <a:fontRef idx="minor">
+            <a:schemeClr val="tx1"/>
+          </a:fontRef>
+        </p:style>
+      </p:cxnSp>
+      <p:cxnSp>
+        <p:nvCxnSpPr>
+          <p:cNvPr id="357" name="Straight Connector 356">
+            <a:extLst>
+              <a:ext uri="{FF2B5EF4-FFF2-40B4-BE49-F238E27FC236}">
+                <a16:creationId xmlns:a16="http://schemas.microsoft.com/office/drawing/2014/main" id="{8383FF14-022D-09AB-6297-79CE41814842}"/>
+              </a:ext>
+            </a:extLst>
+          </p:cNvPr>
+          <p:cNvCxnSpPr>
+            <a:stCxn id="278" idx="3"/>
+            <a:endCxn id="274" idx="1"/>
+          </p:cNvCxnSpPr>
+          <p:nvPr/>
+        </p:nvCxnSpPr>
+        <p:spPr>
+          <a:xfrm>
+            <a:off x="5673793" y="3156112"/>
+            <a:ext cx="35997" cy="172069"/>
+          </a:xfrm>
+          <a:prstGeom prst="line">
+            <a:avLst/>
+          </a:prstGeom>
+          <a:ln w="6350">
+            <a:solidFill>
+              <a:schemeClr val="tx1"/>
+            </a:solidFill>
+          </a:ln>
+        </p:spPr>
+        <p:style>
+          <a:lnRef idx="1">
+            <a:schemeClr val="accent1"/>
+          </a:lnRef>
+          <a:fillRef idx="0">
+            <a:schemeClr val="accent1"/>
+          </a:fillRef>
+          <a:effectRef idx="0">
+            <a:schemeClr val="accent1"/>
+          </a:effectRef>
+          <a:fontRef idx="minor">
+            <a:schemeClr val="tx1"/>
+          </a:fontRef>
+        </p:style>
+      </p:cxnSp>
+      <p:cxnSp>
+        <p:nvCxnSpPr>
+          <p:cNvPr id="359" name="Straight Connector 358">
+            <a:extLst>
+              <a:ext uri="{FF2B5EF4-FFF2-40B4-BE49-F238E27FC236}">
+                <a16:creationId xmlns:a16="http://schemas.microsoft.com/office/drawing/2014/main" id="{53F55F9F-50AD-5AE0-3CFE-95FF9F38D9FE}"/>
+              </a:ext>
+            </a:extLst>
+          </p:cNvPr>
+          <p:cNvCxnSpPr>
+            <a:stCxn id="279" idx="3"/>
+            <a:endCxn id="274" idx="1"/>
+          </p:cNvCxnSpPr>
+          <p:nvPr/>
+        </p:nvCxnSpPr>
+        <p:spPr>
+          <a:xfrm flipH="1">
+            <a:off x="5709790" y="3255887"/>
+            <a:ext cx="161952" cy="72294"/>
+          </a:xfrm>
+          <a:prstGeom prst="line">
+            <a:avLst/>
+          </a:prstGeom>
+          <a:ln w="6350">
+            <a:solidFill>
+              <a:schemeClr val="tx1"/>
+            </a:solidFill>
+          </a:ln>
+        </p:spPr>
+        <p:style>
+          <a:lnRef idx="1">
+            <a:schemeClr val="accent1"/>
+          </a:lnRef>
+          <a:fillRef idx="0">
+            <a:schemeClr val="accent1"/>
+          </a:fillRef>
+          <a:effectRef idx="0">
+            <a:schemeClr val="accent1"/>
+          </a:effectRef>
+          <a:fontRef idx="minor">
+            <a:schemeClr val="tx1"/>
+          </a:fontRef>
+        </p:style>
+      </p:cxnSp>
+      <p:cxnSp>
+        <p:nvCxnSpPr>
+          <p:cNvPr id="361" name="Straight Connector 360">
+            <a:extLst>
+              <a:ext uri="{FF2B5EF4-FFF2-40B4-BE49-F238E27FC236}">
+                <a16:creationId xmlns:a16="http://schemas.microsoft.com/office/drawing/2014/main" id="{9122A98C-D51B-7285-D74D-2C58E7C5BA3D}"/>
+              </a:ext>
+            </a:extLst>
+          </p:cNvPr>
+          <p:cNvCxnSpPr>
+            <a:cxnSpLocks/>
+            <a:endCxn id="297" idx="3"/>
+          </p:cNvCxnSpPr>
+          <p:nvPr/>
+        </p:nvCxnSpPr>
+        <p:spPr>
+          <a:xfrm flipV="1">
+            <a:off x="5621578" y="3621422"/>
+            <a:ext cx="88212" cy="302535"/>
+          </a:xfrm>
+          <a:prstGeom prst="line">
+            <a:avLst/>
+          </a:prstGeom>
+          <a:ln w="6350">
+            <a:solidFill>
+              <a:schemeClr val="tx1"/>
+            </a:solidFill>
+          </a:ln>
+        </p:spPr>
+        <p:style>
+          <a:lnRef idx="1">
+            <a:schemeClr val="accent1"/>
+          </a:lnRef>
+          <a:fillRef idx="0">
+            <a:schemeClr val="accent1"/>
+          </a:fillRef>
+          <a:effectRef idx="0">
+            <a:schemeClr val="accent1"/>
+          </a:effectRef>
+          <a:fontRef idx="minor">
+            <a:schemeClr val="tx1"/>
+          </a:fontRef>
+        </p:style>
+      </p:cxnSp>
+      <p:cxnSp>
+        <p:nvCxnSpPr>
+          <p:cNvPr id="367" name="Straight Connector 366">
+            <a:extLst>
+              <a:ext uri="{FF2B5EF4-FFF2-40B4-BE49-F238E27FC236}">
+                <a16:creationId xmlns:a16="http://schemas.microsoft.com/office/drawing/2014/main" id="{3D15CCA2-3C62-1EC0-861C-1588B935C1D8}"/>
+              </a:ext>
+            </a:extLst>
+          </p:cNvPr>
+          <p:cNvCxnSpPr>
+            <a:cxnSpLocks/>
+            <a:endCxn id="24" idx="1"/>
+          </p:cNvCxnSpPr>
+          <p:nvPr/>
+        </p:nvCxnSpPr>
+        <p:spPr>
+          <a:xfrm>
+            <a:off x="5623832" y="3923957"/>
+            <a:ext cx="68132" cy="401395"/>
+          </a:xfrm>
+          <a:prstGeom prst="line">
+            <a:avLst/>
+          </a:prstGeom>
+          <a:ln w="6350">
+            <a:solidFill>
+              <a:schemeClr val="tx1"/>
+            </a:solidFill>
+          </a:ln>
         </p:spPr>
         <p:style>
           <a:lnRef idx="1">
